--- a/Презентация_Up_7.pptx
+++ b/Презентация_Up_7.pptx
@@ -128,6 +128,7 @@
 <file path=ppt/revisionInfo.xml><?xml version="1.0" encoding="utf-8"?>
 <p1510:revInfo xmlns:a="http://schemas.openxmlformats.org/drawingml/2006/main" xmlns:r="http://schemas.openxmlformats.org/officeDocument/2006/relationships" xmlns:p1510="http://schemas.microsoft.com/office/powerpoint/2015/10/main">
   <p1510:revLst>
+    <p1510:client id="{3EB4BDEE-072A-4012-BD87-093A0C2322F8}" v="93" dt="2025-12-13T03:45:34.092"/>
     <p1510:client id="{E945C758-043C-44AD-879A-BF7BE0994F50}" v="887" dt="2025-12-12T19:37:13.984"/>
   </p1510:revLst>
 </p1510:revInfo>
@@ -135,6 +136,362 @@
 
 <file path=ppt/changesInfos/changesInfo1.xml><?xml version="1.0" encoding="utf-8"?>
 <pc:chgInfo xmlns:a="http://schemas.openxmlformats.org/drawingml/2006/main" xmlns:r="http://schemas.openxmlformats.org/officeDocument/2006/relationships" xmlns:ac="http://schemas.microsoft.com/office/drawing/2013/main/command" xmlns:pc="http://schemas.microsoft.com/office/powerpoint/2013/main/command">
+  <pc:docChgLst>
+    <pc:chgData name="Мехрдод Солихов" userId="1903d256b615c2df" providerId="Windows Live" clId="Web-{3EB4BDEE-072A-4012-BD87-093A0C2322F8}"/>
+    <pc:docChg chg="modSld">
+      <pc:chgData name="Мехрдод Солихов" userId="1903d256b615c2df" providerId="Windows Live" clId="Web-{3EB4BDEE-072A-4012-BD87-093A0C2322F8}" dt="2025-12-13T03:45:39.264" v="87"/>
+      <pc:docMkLst>
+        <pc:docMk/>
+      </pc:docMkLst>
+      <pc:sldChg chg="modTransition">
+        <pc:chgData name="Мехрдод Солихов" userId="1903d256b615c2df" providerId="Windows Live" clId="Web-{3EB4BDEE-072A-4012-BD87-093A0C2322F8}" dt="2025-12-13T03:34:11.659" v="13"/>
+        <pc:sldMkLst>
+          <pc:docMk/>
+          <pc:sldMk cId="400645097" sldId="256"/>
+        </pc:sldMkLst>
+      </pc:sldChg>
+      <pc:sldChg chg="modSp">
+        <pc:chgData name="Мехрдод Солихов" userId="1903d256b615c2df" providerId="Windows Live" clId="Web-{3EB4BDEE-072A-4012-BD87-093A0C2322F8}" dt="2025-12-13T03:37:34.527" v="30" actId="20577"/>
+        <pc:sldMkLst>
+          <pc:docMk/>
+          <pc:sldMk cId="991811243" sldId="257"/>
+        </pc:sldMkLst>
+        <pc:spChg chg="mod">
+          <ac:chgData name="Мехрдод Солихов" userId="1903d256b615c2df" providerId="Windows Live" clId="Web-{3EB4BDEE-072A-4012-BD87-093A0C2322F8}" dt="2025-12-13T03:37:34.527" v="30" actId="20577"/>
+          <ac:spMkLst>
+            <pc:docMk/>
+            <pc:sldMk cId="991811243" sldId="257"/>
+            <ac:spMk id="7" creationId="{00000000-0000-0000-0000-000000000000}"/>
+          </ac:spMkLst>
+        </pc:spChg>
+      </pc:sldChg>
+      <pc:sldChg chg="addSp delSp modTransition">
+        <pc:chgData name="Мехрдод Солихов" userId="1903d256b615c2df" providerId="Windows Live" clId="Web-{3EB4BDEE-072A-4012-BD87-093A0C2322F8}" dt="2025-12-13T03:34:31.769" v="14"/>
+        <pc:sldMkLst>
+          <pc:docMk/>
+          <pc:sldMk cId="3890871816" sldId="258"/>
+        </pc:sldMkLst>
+        <pc:spChg chg="add del">
+          <ac:chgData name="Мехрдод Солихов" userId="1903d256b615c2df" providerId="Windows Live" clId="Web-{3EB4BDEE-072A-4012-BD87-093A0C2322F8}" dt="2025-12-13T03:30:17.715" v="8"/>
+          <ac:spMkLst>
+            <pc:docMk/>
+            <pc:sldMk cId="3890871816" sldId="258"/>
+            <ac:spMk id="27" creationId="{1ADC66EF-B3C0-4236-9BBB-BC4060C38D26}"/>
+          </ac:spMkLst>
+        </pc:spChg>
+        <pc:graphicFrameChg chg="add del">
+          <ac:chgData name="Мехрдод Солихов" userId="1903d256b615c2df" providerId="Windows Live" clId="Web-{3EB4BDEE-072A-4012-BD87-093A0C2322F8}" dt="2025-12-13T03:30:13.746" v="5"/>
+          <ac:graphicFrameMkLst>
+            <pc:docMk/>
+            <pc:sldMk cId="3890871816" sldId="258"/>
+            <ac:graphicFrameMk id="29" creationId="{B01BC987-7364-3978-4332-871E012FA009}"/>
+          </ac:graphicFrameMkLst>
+        </pc:graphicFrameChg>
+        <pc:graphicFrameChg chg="add del">
+          <ac:chgData name="Мехрдод Солихов" userId="1903d256b615c2df" providerId="Windows Live" clId="Web-{3EB4BDEE-072A-4012-BD87-093A0C2322F8}" dt="2025-12-13T03:30:17.684" v="7"/>
+          <ac:graphicFrameMkLst>
+            <pc:docMk/>
+            <pc:sldMk cId="3890871816" sldId="258"/>
+            <ac:graphicFrameMk id="31" creationId="{406EC506-C798-CF94-1819-1AD0AA5E4AF0}"/>
+          </ac:graphicFrameMkLst>
+        </pc:graphicFrameChg>
+        <pc:graphicFrameChg chg="add">
+          <ac:chgData name="Мехрдод Солихов" userId="1903d256b615c2df" providerId="Windows Live" clId="Web-{3EB4BDEE-072A-4012-BD87-093A0C2322F8}" dt="2025-12-13T03:30:17.715" v="8"/>
+          <ac:graphicFrameMkLst>
+            <pc:docMk/>
+            <pc:sldMk cId="3890871816" sldId="258"/>
+            <ac:graphicFrameMk id="33" creationId="{B01BC987-7364-3978-4332-871E012FA009}"/>
+          </ac:graphicFrameMkLst>
+        </pc:graphicFrameChg>
+      </pc:sldChg>
+      <pc:sldChg chg="modTransition">
+        <pc:chgData name="Мехрдод Солихов" userId="1903d256b615c2df" providerId="Windows Live" clId="Web-{3EB4BDEE-072A-4012-BD87-093A0C2322F8}" dt="2025-12-13T03:34:41.066" v="15"/>
+        <pc:sldMkLst>
+          <pc:docMk/>
+          <pc:sldMk cId="463357489" sldId="259"/>
+        </pc:sldMkLst>
+      </pc:sldChg>
+      <pc:sldChg chg="modTransition">
+        <pc:chgData name="Мехрдод Солихов" userId="1903d256b615c2df" providerId="Windows Live" clId="Web-{3EB4BDEE-072A-4012-BD87-093A0C2322F8}" dt="2025-12-13T03:34:53.019" v="16"/>
+        <pc:sldMkLst>
+          <pc:docMk/>
+          <pc:sldMk cId="2568391551" sldId="260"/>
+        </pc:sldMkLst>
+      </pc:sldChg>
+      <pc:sldChg chg="modTransition addAnim delAnim">
+        <pc:chgData name="Мехрдод Солихов" userId="1903d256b615c2df" providerId="Windows Live" clId="Web-{3EB4BDEE-072A-4012-BD87-093A0C2322F8}" dt="2025-12-13T03:37:04.741" v="28"/>
+        <pc:sldMkLst>
+          <pc:docMk/>
+          <pc:sldMk cId="2408234558" sldId="261"/>
+        </pc:sldMkLst>
+      </pc:sldChg>
+      <pc:sldChg chg="modSp modTransition addAnim delAnim">
+        <pc:chgData name="Мехрдод Солихов" userId="1903d256b615c2df" providerId="Windows Live" clId="Web-{3EB4BDEE-072A-4012-BD87-093A0C2322F8}" dt="2025-12-13T03:40:45.374" v="39" actId="20577"/>
+        <pc:sldMkLst>
+          <pc:docMk/>
+          <pc:sldMk cId="1637526342" sldId="262"/>
+        </pc:sldMkLst>
+        <pc:spChg chg="mod">
+          <ac:chgData name="Мехрдод Солихов" userId="1903d256b615c2df" providerId="Windows Live" clId="Web-{3EB4BDEE-072A-4012-BD87-093A0C2322F8}" dt="2025-12-13T03:40:45.374" v="39" actId="20577"/>
+          <ac:spMkLst>
+            <pc:docMk/>
+            <pc:sldMk cId="1637526342" sldId="262"/>
+            <ac:spMk id="4" creationId="{00000000-0000-0000-0000-000000000000}"/>
+          </ac:spMkLst>
+        </pc:spChg>
+      </pc:sldChg>
+      <pc:sldChg chg="modTransition">
+        <pc:chgData name="Мехрдод Солихов" userId="1903d256b615c2df" providerId="Windows Live" clId="Web-{3EB4BDEE-072A-4012-BD87-093A0C2322F8}" dt="2025-12-13T03:35:17.786" v="19"/>
+        <pc:sldMkLst>
+          <pc:docMk/>
+          <pc:sldMk cId="1080697727" sldId="263"/>
+        </pc:sldMkLst>
+      </pc:sldChg>
+      <pc:sldChg chg="addSp delSp modSp modTransition">
+        <pc:chgData name="Мехрдод Солихов" userId="1903d256b615c2df" providerId="Windows Live" clId="Web-{3EB4BDEE-072A-4012-BD87-093A0C2322F8}" dt="2025-12-13T03:45:39.264" v="87"/>
+        <pc:sldMkLst>
+          <pc:docMk/>
+          <pc:sldMk cId="138904812" sldId="264"/>
+        </pc:sldMkLst>
+        <pc:spChg chg="mod">
+          <ac:chgData name="Мехрдод Солихов" userId="1903d256b615c2df" providerId="Windows Live" clId="Web-{3EB4BDEE-072A-4012-BD87-093A0C2322F8}" dt="2025-12-13T03:43:43.791" v="64" actId="20577"/>
+          <ac:spMkLst>
+            <pc:docMk/>
+            <pc:sldMk cId="138904812" sldId="264"/>
+            <ac:spMk id="4" creationId="{00000000-0000-0000-0000-000000000000}"/>
+          </ac:spMkLst>
+        </pc:spChg>
+        <pc:spChg chg="del">
+          <ac:chgData name="Мехрдод Солихов" userId="1903d256b615c2df" providerId="Windows Live" clId="Web-{3EB4BDEE-072A-4012-BD87-093A0C2322F8}" dt="2025-12-13T03:45:39.264" v="87"/>
+          <ac:spMkLst>
+            <pc:docMk/>
+            <pc:sldMk cId="138904812" sldId="264"/>
+            <ac:spMk id="81" creationId="{6478287C-E119-4E9C-95B0-518478BD9D07}"/>
+          </ac:spMkLst>
+        </pc:spChg>
+        <pc:spChg chg="del">
+          <ac:chgData name="Мехрдод Солихов" userId="1903d256b615c2df" providerId="Windows Live" clId="Web-{3EB4BDEE-072A-4012-BD87-093A0C2322F8}" dt="2025-12-13T03:45:39.264" v="87"/>
+          <ac:spMkLst>
+            <pc:docMk/>
+            <pc:sldMk cId="138904812" sldId="264"/>
+            <ac:spMk id="83" creationId="{EA4A294F-6D36-425B-8632-27FD6A284D09}"/>
+          </ac:spMkLst>
+        </pc:spChg>
+        <pc:spChg chg="del">
+          <ac:chgData name="Мехрдод Солихов" userId="1903d256b615c2df" providerId="Windows Live" clId="Web-{3EB4BDEE-072A-4012-BD87-093A0C2322F8}" dt="2025-12-13T03:45:39.264" v="87"/>
+          <ac:spMkLst>
+            <pc:docMk/>
+            <pc:sldMk cId="138904812" sldId="264"/>
+            <ac:spMk id="85" creationId="{3FECAD23-900F-4F1B-A441-6A68749F88D4}"/>
+          </ac:spMkLst>
+        </pc:spChg>
+        <pc:spChg chg="del">
+          <ac:chgData name="Мехрдод Солихов" userId="1903d256b615c2df" providerId="Windows Live" clId="Web-{3EB4BDEE-072A-4012-BD87-093A0C2322F8}" dt="2025-12-13T03:45:39.264" v="87"/>
+          <ac:spMkLst>
+            <pc:docMk/>
+            <pc:sldMk cId="138904812" sldId="264"/>
+            <ac:spMk id="89" creationId="{8A233090-6C39-4F59-8A0F-86F011A7EEEB}"/>
+          </ac:spMkLst>
+        </pc:spChg>
+        <pc:spChg chg="del">
+          <ac:chgData name="Мехрдод Солихов" userId="1903d256b615c2df" providerId="Windows Live" clId="Web-{3EB4BDEE-072A-4012-BD87-093A0C2322F8}" dt="2025-12-13T03:45:39.264" v="87"/>
+          <ac:spMkLst>
+            <pc:docMk/>
+            <pc:sldMk cId="138904812" sldId="264"/>
+            <ac:spMk id="91" creationId="{484DCAA0-4BF1-4FB9-97BA-D6BA630419A0}"/>
+          </ac:spMkLst>
+        </pc:spChg>
+        <pc:spChg chg="add">
+          <ac:chgData name="Мехрдод Солихов" userId="1903d256b615c2df" providerId="Windows Live" clId="Web-{3EB4BDEE-072A-4012-BD87-093A0C2322F8}" dt="2025-12-13T03:45:39.264" v="87"/>
+          <ac:spMkLst>
+            <pc:docMk/>
+            <pc:sldMk cId="138904812" sldId="264"/>
+            <ac:spMk id="104" creationId="{6478287C-E119-4E9C-95B0-518478BD9D07}"/>
+          </ac:spMkLst>
+        </pc:spChg>
+        <pc:spChg chg="add">
+          <ac:chgData name="Мехрдод Солихов" userId="1903d256b615c2df" providerId="Windows Live" clId="Web-{3EB4BDEE-072A-4012-BD87-093A0C2322F8}" dt="2025-12-13T03:45:39.264" v="87"/>
+          <ac:spMkLst>
+            <pc:docMk/>
+            <pc:sldMk cId="138904812" sldId="264"/>
+            <ac:spMk id="106" creationId="{EA4A294F-6D36-425B-8632-27FD6A284D09}"/>
+          </ac:spMkLst>
+        </pc:spChg>
+        <pc:spChg chg="add">
+          <ac:chgData name="Мехрдод Солихов" userId="1903d256b615c2df" providerId="Windows Live" clId="Web-{3EB4BDEE-072A-4012-BD87-093A0C2322F8}" dt="2025-12-13T03:45:39.264" v="87"/>
+          <ac:spMkLst>
+            <pc:docMk/>
+            <pc:sldMk cId="138904812" sldId="264"/>
+            <ac:spMk id="108" creationId="{3FECAD23-900F-4F1B-A441-6A68749F88D4}"/>
+          </ac:spMkLst>
+        </pc:spChg>
+        <pc:spChg chg="add">
+          <ac:chgData name="Мехрдод Солихов" userId="1903d256b615c2df" providerId="Windows Live" clId="Web-{3EB4BDEE-072A-4012-BD87-093A0C2322F8}" dt="2025-12-13T03:45:39.264" v="87"/>
+          <ac:spMkLst>
+            <pc:docMk/>
+            <pc:sldMk cId="138904812" sldId="264"/>
+            <ac:spMk id="112" creationId="{8A233090-6C39-4F59-8A0F-86F011A7EEEB}"/>
+          </ac:spMkLst>
+        </pc:spChg>
+        <pc:spChg chg="add">
+          <ac:chgData name="Мехрдод Солихов" userId="1903d256b615c2df" providerId="Windows Live" clId="Web-{3EB4BDEE-072A-4012-BD87-093A0C2322F8}" dt="2025-12-13T03:45:39.264" v="87"/>
+          <ac:spMkLst>
+            <pc:docMk/>
+            <pc:sldMk cId="138904812" sldId="264"/>
+            <ac:spMk id="114" creationId="{484DCAA0-4BF1-4FB9-97BA-D6BA630419A0}"/>
+          </ac:spMkLst>
+        </pc:spChg>
+        <pc:picChg chg="add mod">
+          <ac:chgData name="Мехрдод Солихов" userId="1903d256b615c2df" providerId="Windows Live" clId="Web-{3EB4BDEE-072A-4012-BD87-093A0C2322F8}" dt="2025-12-13T03:45:34.092" v="86" actId="1076"/>
+          <ac:picMkLst>
+            <pc:docMk/>
+            <pc:sldMk cId="138904812" sldId="264"/>
+            <ac:picMk id="2" creationId="{BFE7131D-0A1F-BDAA-49CA-E1781B50478D}"/>
+          </ac:picMkLst>
+        </pc:picChg>
+        <pc:picChg chg="del">
+          <ac:chgData name="Мехрдод Солихов" userId="1903d256b615c2df" providerId="Windows Live" clId="Web-{3EB4BDEE-072A-4012-BD87-093A0C2322F8}" dt="2025-12-13T03:45:03.607" v="84"/>
+          <ac:picMkLst>
+            <pc:docMk/>
+            <pc:sldMk cId="138904812" sldId="264"/>
+            <ac:picMk id="7" creationId="{D60EA745-8FC6-8A7F-8A08-03A3CB6C6566}"/>
+          </ac:picMkLst>
+        </pc:picChg>
+      </pc:sldChg>
+      <pc:sldChg chg="modTransition">
+        <pc:chgData name="Мехрдод Солихов" userId="1903d256b615c2df" providerId="Windows Live" clId="Web-{3EB4BDEE-072A-4012-BD87-093A0C2322F8}" dt="2025-12-13T03:35:42.603" v="22"/>
+        <pc:sldMkLst>
+          <pc:docMk/>
+          <pc:sldMk cId="2191354485" sldId="265"/>
+        </pc:sldMkLst>
+      </pc:sldChg>
+      <pc:sldChg chg="modTransition">
+        <pc:chgData name="Мехрдод Солихов" userId="1903d256b615c2df" providerId="Windows Live" clId="Web-{3EB4BDEE-072A-4012-BD87-093A0C2322F8}" dt="2025-12-13T03:35:56.465" v="24"/>
+        <pc:sldMkLst>
+          <pc:docMk/>
+          <pc:sldMk cId="202728253" sldId="266"/>
+        </pc:sldMkLst>
+      </pc:sldChg>
+      <pc:sldChg chg="modSp modTransition addAnim delAnim">
+        <pc:chgData name="Мехрдод Солихов" userId="1903d256b615c2df" providerId="Windows Live" clId="Web-{3EB4BDEE-072A-4012-BD87-093A0C2322F8}" dt="2025-12-13T03:43:59.479" v="78" actId="20577"/>
+        <pc:sldMkLst>
+          <pc:docMk/>
+          <pc:sldMk cId="1311095229" sldId="267"/>
+        </pc:sldMkLst>
+        <pc:spChg chg="mod">
+          <ac:chgData name="Мехрдод Солихов" userId="1903d256b615c2df" providerId="Windows Live" clId="Web-{3EB4BDEE-072A-4012-BD87-093A0C2322F8}" dt="2025-12-13T03:43:59.479" v="78" actId="20577"/>
+          <ac:spMkLst>
+            <pc:docMk/>
+            <pc:sldMk cId="1311095229" sldId="267"/>
+            <ac:spMk id="31" creationId="{D9672441-CAEB-E123-98F9-409BAF4D9EAE}"/>
+          </ac:spMkLst>
+        </pc:spChg>
+      </pc:sldChg>
+      <pc:sldChg chg="addSp delSp modSp mod modTransition setBg addAnim delAnim">
+        <pc:chgData name="Мехрдод Солихов" userId="1903d256b615c2df" providerId="Windows Live" clId="Web-{3EB4BDEE-072A-4012-BD87-093A0C2322F8}" dt="2025-12-13T03:44:17.839" v="83" actId="20577"/>
+        <pc:sldMkLst>
+          <pc:docMk/>
+          <pc:sldMk cId="2581050123" sldId="268"/>
+        </pc:sldMkLst>
+        <pc:spChg chg="del">
+          <ac:chgData name="Мехрдод Солихов" userId="1903d256b615c2df" providerId="Windows Live" clId="Web-{3EB4BDEE-072A-4012-BD87-093A0C2322F8}" dt="2025-12-13T03:29:22.244" v="3"/>
+          <ac:spMkLst>
+            <pc:docMk/>
+            <pc:sldMk cId="2581050123" sldId="268"/>
+            <ac:spMk id="9" creationId="{21690D5C-18E0-3D9B-8115-49DF973227EF}"/>
+          </ac:spMkLst>
+        </pc:spChg>
+        <pc:spChg chg="del">
+          <ac:chgData name="Мехрдод Солихов" userId="1903d256b615c2df" providerId="Windows Live" clId="Web-{3EB4BDEE-072A-4012-BD87-093A0C2322F8}" dt="2025-12-13T03:29:22.244" v="3"/>
+          <ac:spMkLst>
+            <pc:docMk/>
+            <pc:sldMk cId="2581050123" sldId="268"/>
+            <ac:spMk id="11" creationId="{2DDCF3D0-C53F-B54B-A691-F8247ACC3AE7}"/>
+          </ac:spMkLst>
+        </pc:spChg>
+        <pc:spChg chg="del">
+          <ac:chgData name="Мехрдод Солихов" userId="1903d256b615c2df" providerId="Windows Live" clId="Web-{3EB4BDEE-072A-4012-BD87-093A0C2322F8}" dt="2025-12-13T03:29:22.244" v="3"/>
+          <ac:spMkLst>
+            <pc:docMk/>
+            <pc:sldMk cId="2581050123" sldId="268"/>
+            <ac:spMk id="17" creationId="{1B8625D9-C38D-F662-648A-960B9B77CEB7}"/>
+          </ac:spMkLst>
+        </pc:spChg>
+        <pc:spChg chg="del">
+          <ac:chgData name="Мехрдод Солихов" userId="1903d256b615c2df" providerId="Windows Live" clId="Web-{3EB4BDEE-072A-4012-BD87-093A0C2322F8}" dt="2025-12-13T03:29:22.244" v="3"/>
+          <ac:spMkLst>
+            <pc:docMk/>
+            <pc:sldMk cId="2581050123" sldId="268"/>
+            <ac:spMk id="19" creationId="{26E8A33A-F787-7DA6-9109-E9FA7C1F72D7}"/>
+          </ac:spMkLst>
+        </pc:spChg>
+        <pc:spChg chg="mod">
+          <ac:chgData name="Мехрдод Солихов" userId="1903d256b615c2df" providerId="Windows Live" clId="Web-{3EB4BDEE-072A-4012-BD87-093A0C2322F8}" dt="2025-12-13T03:29:22.244" v="3"/>
+          <ac:spMkLst>
+            <pc:docMk/>
+            <pc:sldMk cId="2581050123" sldId="268"/>
+            <ac:spMk id="21" creationId="{1AEB6B24-8A93-416A-1C46-2A12ADBCE629}"/>
+          </ac:spMkLst>
+        </pc:spChg>
+        <pc:spChg chg="mod">
+          <ac:chgData name="Мехрдод Солихов" userId="1903d256b615c2df" providerId="Windows Live" clId="Web-{3EB4BDEE-072A-4012-BD87-093A0C2322F8}" dt="2025-12-13T03:44:17.839" v="83" actId="20577"/>
+          <ac:spMkLst>
+            <pc:docMk/>
+            <pc:sldMk cId="2581050123" sldId="268"/>
+            <ac:spMk id="25" creationId="{F737F8B4-93EB-129E-8283-F54253E04344}"/>
+          </ac:spMkLst>
+        </pc:spChg>
+        <pc:spChg chg="add">
+          <ac:chgData name="Мехрдод Солихов" userId="1903d256b615c2df" providerId="Windows Live" clId="Web-{3EB4BDEE-072A-4012-BD87-093A0C2322F8}" dt="2025-12-13T03:29:22.244" v="3"/>
+          <ac:spMkLst>
+            <pc:docMk/>
+            <pc:sldMk cId="2581050123" sldId="268"/>
+            <ac:spMk id="38" creationId="{EA4A294F-6D36-425B-8632-27FD6A284D09}"/>
+          </ac:spMkLst>
+        </pc:spChg>
+        <pc:spChg chg="add">
+          <ac:chgData name="Мехрдод Солихов" userId="1903d256b615c2df" providerId="Windows Live" clId="Web-{3EB4BDEE-072A-4012-BD87-093A0C2322F8}" dt="2025-12-13T03:29:22.244" v="3"/>
+          <ac:spMkLst>
+            <pc:docMk/>
+            <pc:sldMk cId="2581050123" sldId="268"/>
+            <ac:spMk id="40" creationId="{3FECAD23-900F-4F1B-A441-6A68749F88D4}"/>
+          </ac:spMkLst>
+        </pc:spChg>
+        <pc:spChg chg="add">
+          <ac:chgData name="Мехрдод Солихов" userId="1903d256b615c2df" providerId="Windows Live" clId="Web-{3EB4BDEE-072A-4012-BD87-093A0C2322F8}" dt="2025-12-13T03:29:22.244" v="3"/>
+          <ac:spMkLst>
+            <pc:docMk/>
+            <pc:sldMk cId="2581050123" sldId="268"/>
+            <ac:spMk id="44" creationId="{8A233090-6C39-4F59-8A0F-86F011A7EEEB}"/>
+          </ac:spMkLst>
+        </pc:spChg>
+        <pc:spChg chg="add">
+          <ac:chgData name="Мехрдод Солихов" userId="1903d256b615c2df" providerId="Windows Live" clId="Web-{3EB4BDEE-072A-4012-BD87-093A0C2322F8}" dt="2025-12-13T03:29:22.244" v="3"/>
+          <ac:spMkLst>
+            <pc:docMk/>
+            <pc:sldMk cId="2581050123" sldId="268"/>
+            <ac:spMk id="46" creationId="{484DCAA0-4BF1-4FB9-97BA-D6BA630419A0}"/>
+          </ac:spMkLst>
+        </pc:spChg>
+        <pc:picChg chg="add mod">
+          <ac:chgData name="Мехрдод Солихов" userId="1903d256b615c2df" providerId="Windows Live" clId="Web-{3EB4BDEE-072A-4012-BD87-093A0C2322F8}" dt="2025-12-13T03:29:16.885" v="2" actId="1076"/>
+          <ac:picMkLst>
+            <pc:docMk/>
+            <pc:sldMk cId="2581050123" sldId="268"/>
+            <ac:picMk id="2" creationId="{D0250A9E-7FAF-FF6E-2E2A-BC26F4382FC8}"/>
+          </ac:picMkLst>
+        </pc:picChg>
+        <pc:picChg chg="del">
+          <ac:chgData name="Мехрдод Солихов" userId="1903d256b615c2df" providerId="Windows Live" clId="Web-{3EB4BDEE-072A-4012-BD87-093A0C2322F8}" dt="2025-12-13T03:29:04.087" v="0"/>
+          <ac:picMkLst>
+            <pc:docMk/>
+            <pc:sldMk cId="2581050123" sldId="268"/>
+            <ac:picMk id="27" creationId="{793BAF4A-4741-947E-D535-50D17463CEF1}"/>
+          </ac:picMkLst>
+        </pc:picChg>
+      </pc:sldChg>
+    </pc:docChg>
+  </pc:docChgLst>
   <pc:docChgLst>
     <pc:chgData name="Мехрдод Солихов" userId="1903d256b615c2df" providerId="Windows Live" clId="Web-{E945C758-043C-44AD-879A-BF7BE0994F50}"/>
     <pc:docChg chg="addSld modSld">
@@ -1975,6 +2332,4116 @@
 </pc:chgInfo>
 </file>
 
+<file path=ppt/diagrams/colors1.xml><?xml version="1.0" encoding="utf-8"?>
+<dgm:colorsDef xmlns:dgm="http://schemas.openxmlformats.org/drawingml/2006/diagram" xmlns:a="http://schemas.openxmlformats.org/drawingml/2006/main" uniqueId="urn:microsoft.com/office/officeart/2005/8/colors/accent1_2">
+  <dgm:title val=""/>
+  <dgm:desc val=""/>
+  <dgm:catLst>
+    <dgm:cat type="accent1" pri="11200"/>
+  </dgm:catLst>
+  <dgm:styleLbl name="node0">
+    <dgm:fillClrLst meth="repeat">
+      <a:schemeClr val="accent1"/>
+    </dgm:fillClrLst>
+    <dgm:linClrLst meth="repeat">
+      <a:schemeClr val="lt1"/>
+    </dgm:linClrLst>
+    <dgm:effectClrLst/>
+    <dgm:txLinClrLst/>
+    <dgm:txFillClrLst/>
+    <dgm:txEffectClrLst/>
+  </dgm:styleLbl>
+  <dgm:styleLbl name="alignNode1">
+    <dgm:fillClrLst meth="repeat">
+      <a:schemeClr val="accent1"/>
+    </dgm:fillClrLst>
+    <dgm:linClrLst meth="repeat">
+      <a:schemeClr val="accent1"/>
+    </dgm:linClrLst>
+    <dgm:effectClrLst/>
+    <dgm:txLinClrLst/>
+    <dgm:txFillClrLst/>
+    <dgm:txEffectClrLst/>
+  </dgm:styleLbl>
+  <dgm:styleLbl name="node1">
+    <dgm:fillClrLst meth="repeat">
+      <a:schemeClr val="accent1"/>
+    </dgm:fillClrLst>
+    <dgm:linClrLst meth="repeat">
+      <a:schemeClr val="lt1"/>
+    </dgm:linClrLst>
+    <dgm:effectClrLst/>
+    <dgm:txLinClrLst/>
+    <dgm:txFillClrLst/>
+    <dgm:txEffectClrLst/>
+  </dgm:styleLbl>
+  <dgm:styleLbl name="lnNode1">
+    <dgm:fillClrLst meth="repeat">
+      <a:schemeClr val="accent1"/>
+    </dgm:fillClrLst>
+    <dgm:linClrLst meth="repeat">
+      <a:schemeClr val="lt1"/>
+    </dgm:linClrLst>
+    <dgm:effectClrLst/>
+    <dgm:txLinClrLst/>
+    <dgm:txFillClrLst/>
+    <dgm:txEffectClrLst/>
+  </dgm:styleLbl>
+  <dgm:styleLbl name="vennNode1">
+    <dgm:fillClrLst meth="repeat">
+      <a:schemeClr val="accent1">
+        <a:alpha val="50000"/>
+      </a:schemeClr>
+    </dgm:fillClrLst>
+    <dgm:linClrLst meth="repeat">
+      <a:schemeClr val="lt1"/>
+    </dgm:linClrLst>
+    <dgm:effectClrLst/>
+    <dgm:txLinClrLst/>
+    <dgm:txFillClrLst/>
+    <dgm:txEffectClrLst/>
+  </dgm:styleLbl>
+  <dgm:styleLbl name="node2">
+    <dgm:fillClrLst meth="repeat">
+      <a:schemeClr val="accent1"/>
+    </dgm:fillClrLst>
+    <dgm:linClrLst meth="repeat">
+      <a:schemeClr val="lt1"/>
+    </dgm:linClrLst>
+    <dgm:effectClrLst/>
+    <dgm:txLinClrLst/>
+    <dgm:txFillClrLst/>
+    <dgm:txEffectClrLst/>
+  </dgm:styleLbl>
+  <dgm:styleLbl name="node3">
+    <dgm:fillClrLst meth="repeat">
+      <a:schemeClr val="accent1"/>
+    </dgm:fillClrLst>
+    <dgm:linClrLst meth="repeat">
+      <a:schemeClr val="lt1"/>
+    </dgm:linClrLst>
+    <dgm:effectClrLst/>
+    <dgm:txLinClrLst/>
+    <dgm:txFillClrLst/>
+    <dgm:txEffectClrLst/>
+  </dgm:styleLbl>
+  <dgm:styleLbl name="node4">
+    <dgm:fillClrLst meth="repeat">
+      <a:schemeClr val="accent1"/>
+    </dgm:fillClrLst>
+    <dgm:linClrLst meth="repeat">
+      <a:schemeClr val="lt1"/>
+    </dgm:linClrLst>
+    <dgm:effectClrLst/>
+    <dgm:txLinClrLst/>
+    <dgm:txFillClrLst/>
+    <dgm:txEffectClrLst/>
+  </dgm:styleLbl>
+  <dgm:styleLbl name="fgImgPlace1">
+    <dgm:fillClrLst meth="repeat">
+      <a:schemeClr val="accent1">
+        <a:tint val="50000"/>
+      </a:schemeClr>
+    </dgm:fillClrLst>
+    <dgm:linClrLst meth="repeat">
+      <a:schemeClr val="lt1"/>
+    </dgm:linClrLst>
+    <dgm:effectClrLst/>
+    <dgm:txLinClrLst/>
+    <dgm:txFillClrLst meth="repeat">
+      <a:schemeClr val="lt1"/>
+    </dgm:txFillClrLst>
+    <dgm:txEffectClrLst/>
+  </dgm:styleLbl>
+  <dgm:styleLbl name="alignImgPlace1">
+    <dgm:fillClrLst meth="repeat">
+      <a:schemeClr val="accent1">
+        <a:tint val="50000"/>
+      </a:schemeClr>
+    </dgm:fillClrLst>
+    <dgm:linClrLst meth="repeat">
+      <a:schemeClr val="lt1"/>
+    </dgm:linClrLst>
+    <dgm:effectClrLst/>
+    <dgm:txLinClrLst/>
+    <dgm:txFillClrLst meth="repeat">
+      <a:schemeClr val="lt1"/>
+    </dgm:txFillClrLst>
+    <dgm:txEffectClrLst/>
+  </dgm:styleLbl>
+  <dgm:styleLbl name="bgImgPlace1">
+    <dgm:fillClrLst meth="repeat">
+      <a:schemeClr val="accent1">
+        <a:tint val="50000"/>
+      </a:schemeClr>
+    </dgm:fillClrLst>
+    <dgm:linClrLst meth="repeat">
+      <a:schemeClr val="lt1"/>
+    </dgm:linClrLst>
+    <dgm:effectClrLst/>
+    <dgm:txLinClrLst/>
+    <dgm:txFillClrLst meth="repeat">
+      <a:schemeClr val="lt1"/>
+    </dgm:txFillClrLst>
+    <dgm:txEffectClrLst/>
+  </dgm:styleLbl>
+  <dgm:styleLbl name="sibTrans2D1">
+    <dgm:fillClrLst meth="repeat">
+      <a:schemeClr val="accent1">
+        <a:tint val="60000"/>
+      </a:schemeClr>
+    </dgm:fillClrLst>
+    <dgm:linClrLst meth="repeat">
+      <a:schemeClr val="accent1">
+        <a:tint val="60000"/>
+      </a:schemeClr>
+    </dgm:linClrLst>
+    <dgm:effectClrLst/>
+    <dgm:txLinClrLst/>
+    <dgm:txFillClrLst/>
+    <dgm:txEffectClrLst/>
+  </dgm:styleLbl>
+  <dgm:styleLbl name="fgSibTrans2D1">
+    <dgm:fillClrLst meth="repeat">
+      <a:schemeClr val="accent1">
+        <a:tint val="60000"/>
+      </a:schemeClr>
+    </dgm:fillClrLst>
+    <dgm:linClrLst meth="repeat">
+      <a:schemeClr val="accent1">
+        <a:tint val="60000"/>
+      </a:schemeClr>
+    </dgm:linClrLst>
+    <dgm:effectClrLst/>
+    <dgm:txLinClrLst/>
+    <dgm:txFillClrLst/>
+    <dgm:txEffectClrLst/>
+  </dgm:styleLbl>
+  <dgm:styleLbl name="bgSibTrans2D1">
+    <dgm:fillClrLst meth="repeat">
+      <a:schemeClr val="accent1">
+        <a:tint val="60000"/>
+      </a:schemeClr>
+    </dgm:fillClrLst>
+    <dgm:linClrLst meth="repeat">
+      <a:schemeClr val="accent1">
+        <a:tint val="60000"/>
+      </a:schemeClr>
+    </dgm:linClrLst>
+    <dgm:effectClrLst/>
+    <dgm:txLinClrLst/>
+    <dgm:txFillClrLst/>
+    <dgm:txEffectClrLst/>
+  </dgm:styleLbl>
+  <dgm:styleLbl name="sibTrans1D1">
+    <dgm:fillClrLst meth="repeat">
+      <a:schemeClr val="accent1"/>
+    </dgm:fillClrLst>
+    <dgm:linClrLst meth="repeat">
+      <a:schemeClr val="accent1"/>
+    </dgm:linClrLst>
+    <dgm:effectClrLst/>
+    <dgm:txLinClrLst/>
+    <dgm:txFillClrLst meth="repeat">
+      <a:schemeClr val="tx1"/>
+    </dgm:txFillClrLst>
+    <dgm:txEffectClrLst/>
+  </dgm:styleLbl>
+  <dgm:styleLbl name="callout">
+    <dgm:fillClrLst meth="repeat">
+      <a:schemeClr val="accent1"/>
+    </dgm:fillClrLst>
+    <dgm:linClrLst meth="repeat">
+      <a:schemeClr val="accent1">
+        <a:tint val="50000"/>
+      </a:schemeClr>
+    </dgm:linClrLst>
+    <dgm:effectClrLst/>
+    <dgm:txLinClrLst/>
+    <dgm:txFillClrLst meth="repeat">
+      <a:schemeClr val="tx1"/>
+    </dgm:txFillClrLst>
+    <dgm:txEffectClrLst/>
+  </dgm:styleLbl>
+  <dgm:styleLbl name="asst0">
+    <dgm:fillClrLst meth="repeat">
+      <a:schemeClr val="accent1"/>
+    </dgm:fillClrLst>
+    <dgm:linClrLst meth="repeat">
+      <a:schemeClr val="lt1"/>
+    </dgm:linClrLst>
+    <dgm:effectClrLst/>
+    <dgm:txLinClrLst/>
+    <dgm:txFillClrLst/>
+    <dgm:txEffectClrLst/>
+  </dgm:styleLbl>
+  <dgm:styleLbl name="asst1">
+    <dgm:fillClrLst meth="repeat">
+      <a:schemeClr val="accent1"/>
+    </dgm:fillClrLst>
+    <dgm:linClrLst meth="repeat">
+      <a:schemeClr val="lt1"/>
+    </dgm:linClrLst>
+    <dgm:effectClrLst/>
+    <dgm:txLinClrLst/>
+    <dgm:txFillClrLst/>
+    <dgm:txEffectClrLst/>
+  </dgm:styleLbl>
+  <dgm:styleLbl name="asst2">
+    <dgm:fillClrLst meth="repeat">
+      <a:schemeClr val="accent1"/>
+    </dgm:fillClrLst>
+    <dgm:linClrLst meth="repeat">
+      <a:schemeClr val="lt1"/>
+    </dgm:linClrLst>
+    <dgm:effectClrLst/>
+    <dgm:txLinClrLst/>
+    <dgm:txFillClrLst/>
+    <dgm:txEffectClrLst/>
+  </dgm:styleLbl>
+  <dgm:styleLbl name="asst3">
+    <dgm:fillClrLst meth="repeat">
+      <a:schemeClr val="accent1"/>
+    </dgm:fillClrLst>
+    <dgm:linClrLst meth="repeat">
+      <a:schemeClr val="lt1"/>
+    </dgm:linClrLst>
+    <dgm:effectClrLst/>
+    <dgm:txLinClrLst/>
+    <dgm:txFillClrLst/>
+    <dgm:txEffectClrLst/>
+  </dgm:styleLbl>
+  <dgm:styleLbl name="asst4">
+    <dgm:fillClrLst meth="repeat">
+      <a:schemeClr val="accent1"/>
+    </dgm:fillClrLst>
+    <dgm:linClrLst meth="repeat">
+      <a:schemeClr val="lt1"/>
+    </dgm:linClrLst>
+    <dgm:effectClrLst/>
+    <dgm:txLinClrLst/>
+    <dgm:txFillClrLst/>
+    <dgm:txEffectClrLst/>
+  </dgm:styleLbl>
+  <dgm:styleLbl name="parChTrans2D1">
+    <dgm:fillClrLst meth="repeat">
+      <a:schemeClr val="accent1">
+        <a:tint val="60000"/>
+      </a:schemeClr>
+    </dgm:fillClrLst>
+    <dgm:linClrLst meth="repeat">
+      <a:schemeClr val="accent1">
+        <a:tint val="60000"/>
+      </a:schemeClr>
+    </dgm:linClrLst>
+    <dgm:effectClrLst/>
+    <dgm:txLinClrLst/>
+    <dgm:txFillClrLst meth="repeat">
+      <a:schemeClr val="lt1"/>
+    </dgm:txFillClrLst>
+    <dgm:txEffectClrLst/>
+  </dgm:styleLbl>
+  <dgm:styleLbl name="parChTrans2D2">
+    <dgm:fillClrLst meth="repeat">
+      <a:schemeClr val="accent1"/>
+    </dgm:fillClrLst>
+    <dgm:linClrLst meth="repeat">
+      <a:schemeClr val="accent1"/>
+    </dgm:linClrLst>
+    <dgm:effectClrLst/>
+    <dgm:txLinClrLst/>
+    <dgm:txFillClrLst meth="repeat">
+      <a:schemeClr val="lt1"/>
+    </dgm:txFillClrLst>
+    <dgm:txEffectClrLst/>
+  </dgm:styleLbl>
+  <dgm:styleLbl name="parChTrans2D3">
+    <dgm:fillClrLst meth="repeat">
+      <a:schemeClr val="accent1"/>
+    </dgm:fillClrLst>
+    <dgm:linClrLst meth="repeat">
+      <a:schemeClr val="accent1"/>
+    </dgm:linClrLst>
+    <dgm:effectClrLst/>
+    <dgm:txLinClrLst/>
+    <dgm:txFillClrLst meth="repeat">
+      <a:schemeClr val="lt1"/>
+    </dgm:txFillClrLst>
+    <dgm:txEffectClrLst/>
+  </dgm:styleLbl>
+  <dgm:styleLbl name="parChTrans2D4">
+    <dgm:fillClrLst meth="repeat">
+      <a:schemeClr val="accent1"/>
+    </dgm:fillClrLst>
+    <dgm:linClrLst meth="repeat">
+      <a:schemeClr val="accent1"/>
+    </dgm:linClrLst>
+    <dgm:effectClrLst/>
+    <dgm:txLinClrLst/>
+    <dgm:txFillClrLst meth="repeat">
+      <a:schemeClr val="lt1"/>
+    </dgm:txFillClrLst>
+    <dgm:txEffectClrLst/>
+  </dgm:styleLbl>
+  <dgm:styleLbl name="parChTrans1D1">
+    <dgm:fillClrLst meth="repeat">
+      <a:schemeClr val="accent1"/>
+    </dgm:fillClrLst>
+    <dgm:linClrLst meth="repeat">
+      <a:schemeClr val="accent1">
+        <a:shade val="60000"/>
+      </a:schemeClr>
+    </dgm:linClrLst>
+    <dgm:effectClrLst/>
+    <dgm:txLinClrLst/>
+    <dgm:txFillClrLst meth="repeat">
+      <a:schemeClr val="tx1"/>
+    </dgm:txFillClrLst>
+    <dgm:txEffectClrLst/>
+  </dgm:styleLbl>
+  <dgm:styleLbl name="parChTrans1D2">
+    <dgm:fillClrLst meth="repeat">
+      <a:schemeClr val="accent1"/>
+    </dgm:fillClrLst>
+    <dgm:linClrLst meth="repeat">
+      <a:schemeClr val="accent1">
+        <a:shade val="60000"/>
+      </a:schemeClr>
+    </dgm:linClrLst>
+    <dgm:effectClrLst/>
+    <dgm:txLinClrLst/>
+    <dgm:txFillClrLst meth="repeat">
+      <a:schemeClr val="tx1"/>
+    </dgm:txFillClrLst>
+    <dgm:txEffectClrLst/>
+  </dgm:styleLbl>
+  <dgm:styleLbl name="parChTrans1D3">
+    <dgm:fillClrLst meth="repeat">
+      <a:schemeClr val="accent1"/>
+    </dgm:fillClrLst>
+    <dgm:linClrLst meth="repeat">
+      <a:schemeClr val="accent1">
+        <a:shade val="80000"/>
+      </a:schemeClr>
+    </dgm:linClrLst>
+    <dgm:effectClrLst/>
+    <dgm:txLinClrLst/>
+    <dgm:txFillClrLst meth="repeat">
+      <a:schemeClr val="tx1"/>
+    </dgm:txFillClrLst>
+    <dgm:txEffectClrLst/>
+  </dgm:styleLbl>
+  <dgm:styleLbl name="parChTrans1D4">
+    <dgm:fillClrLst meth="repeat">
+      <a:schemeClr val="accent1"/>
+    </dgm:fillClrLst>
+    <dgm:linClrLst meth="repeat">
+      <a:schemeClr val="accent1">
+        <a:shade val="80000"/>
+      </a:schemeClr>
+    </dgm:linClrLst>
+    <dgm:effectClrLst/>
+    <dgm:txLinClrLst/>
+    <dgm:txFillClrLst meth="repeat">
+      <a:schemeClr val="tx1"/>
+    </dgm:txFillClrLst>
+    <dgm:txEffectClrLst/>
+  </dgm:styleLbl>
+  <dgm:styleLbl name="fgAcc1">
+    <dgm:fillClrLst meth="repeat">
+      <a:schemeClr val="lt1">
+        <a:alpha val="90000"/>
+      </a:schemeClr>
+    </dgm:fillClrLst>
+    <dgm:linClrLst meth="repeat">
+      <a:schemeClr val="accent1"/>
+    </dgm:linClrLst>
+    <dgm:effectClrLst/>
+    <dgm:txLinClrLst/>
+    <dgm:txFillClrLst meth="repeat">
+      <a:schemeClr val="dk1"/>
+    </dgm:txFillClrLst>
+    <dgm:txEffectClrLst/>
+  </dgm:styleLbl>
+  <dgm:styleLbl name="conFgAcc1">
+    <dgm:fillClrLst meth="repeat">
+      <a:schemeClr val="lt1">
+        <a:alpha val="90000"/>
+      </a:schemeClr>
+    </dgm:fillClrLst>
+    <dgm:linClrLst meth="repeat">
+      <a:schemeClr val="accent1"/>
+    </dgm:linClrLst>
+    <dgm:effectClrLst/>
+    <dgm:txLinClrLst/>
+    <dgm:txFillClrLst meth="repeat">
+      <a:schemeClr val="dk1"/>
+    </dgm:txFillClrLst>
+    <dgm:txEffectClrLst/>
+  </dgm:styleLbl>
+  <dgm:styleLbl name="alignAcc1">
+    <dgm:fillClrLst meth="repeat">
+      <a:schemeClr val="lt1">
+        <a:alpha val="90000"/>
+      </a:schemeClr>
+    </dgm:fillClrLst>
+    <dgm:linClrLst meth="repeat">
+      <a:schemeClr val="accent1"/>
+    </dgm:linClrLst>
+    <dgm:effectClrLst/>
+    <dgm:txLinClrLst/>
+    <dgm:txFillClrLst meth="repeat">
+      <a:schemeClr val="dk1"/>
+    </dgm:txFillClrLst>
+    <dgm:txEffectClrLst/>
+  </dgm:styleLbl>
+  <dgm:styleLbl name="trAlignAcc1">
+    <dgm:fillClrLst meth="repeat">
+      <a:schemeClr val="lt1">
+        <a:alpha val="40000"/>
+      </a:schemeClr>
+    </dgm:fillClrLst>
+    <dgm:linClrLst meth="repeat">
+      <a:schemeClr val="accent1"/>
+    </dgm:linClrLst>
+    <dgm:effectClrLst/>
+    <dgm:txLinClrLst/>
+    <dgm:txFillClrLst meth="repeat">
+      <a:schemeClr val="dk1"/>
+    </dgm:txFillClrLst>
+    <dgm:txEffectClrLst/>
+  </dgm:styleLbl>
+  <dgm:styleLbl name="bgAcc1">
+    <dgm:fillClrLst meth="repeat">
+      <a:schemeClr val="lt1">
+        <a:alpha val="90000"/>
+      </a:schemeClr>
+    </dgm:fillClrLst>
+    <dgm:linClrLst meth="repeat">
+      <a:schemeClr val="accent1"/>
+    </dgm:linClrLst>
+    <dgm:effectClrLst/>
+    <dgm:txLinClrLst/>
+    <dgm:txFillClrLst meth="repeat">
+      <a:schemeClr val="dk1"/>
+    </dgm:txFillClrLst>
+    <dgm:txEffectClrLst/>
+  </dgm:styleLbl>
+  <dgm:styleLbl name="solidFgAcc1">
+    <dgm:fillClrLst meth="repeat">
+      <a:schemeClr val="lt1"/>
+    </dgm:fillClrLst>
+    <dgm:linClrLst meth="repeat">
+      <a:schemeClr val="accent1"/>
+    </dgm:linClrLst>
+    <dgm:effectClrLst/>
+    <dgm:txLinClrLst/>
+    <dgm:txFillClrLst meth="repeat">
+      <a:schemeClr val="dk1"/>
+    </dgm:txFillClrLst>
+    <dgm:txEffectClrLst/>
+  </dgm:styleLbl>
+  <dgm:styleLbl name="solidAlignAcc1">
+    <dgm:fillClrLst meth="repeat">
+      <a:schemeClr val="lt1"/>
+    </dgm:fillClrLst>
+    <dgm:linClrLst meth="repeat">
+      <a:schemeClr val="accent1"/>
+    </dgm:linClrLst>
+    <dgm:effectClrLst/>
+    <dgm:txLinClrLst/>
+    <dgm:txFillClrLst meth="repeat">
+      <a:schemeClr val="dk1"/>
+    </dgm:txFillClrLst>
+    <dgm:txEffectClrLst/>
+  </dgm:styleLbl>
+  <dgm:styleLbl name="solidBgAcc1">
+    <dgm:fillClrLst meth="repeat">
+      <a:schemeClr val="lt1"/>
+    </dgm:fillClrLst>
+    <dgm:linClrLst meth="repeat">
+      <a:schemeClr val="accent1"/>
+    </dgm:linClrLst>
+    <dgm:effectClrLst/>
+    <dgm:txLinClrLst/>
+    <dgm:txFillClrLst meth="repeat">
+      <a:schemeClr val="dk1"/>
+    </dgm:txFillClrLst>
+    <dgm:txEffectClrLst/>
+  </dgm:styleLbl>
+  <dgm:styleLbl name="fgAccFollowNode1">
+    <dgm:fillClrLst meth="repeat">
+      <a:schemeClr val="accent1">
+        <a:alpha val="90000"/>
+        <a:tint val="40000"/>
+      </a:schemeClr>
+    </dgm:fillClrLst>
+    <dgm:linClrLst meth="repeat">
+      <a:schemeClr val="accent1">
+        <a:alpha val="90000"/>
+        <a:tint val="40000"/>
+      </a:schemeClr>
+    </dgm:linClrLst>
+    <dgm:effectClrLst/>
+    <dgm:txLinClrLst/>
+    <dgm:txFillClrLst meth="repeat">
+      <a:schemeClr val="dk1"/>
+    </dgm:txFillClrLst>
+    <dgm:txEffectClrLst/>
+  </dgm:styleLbl>
+  <dgm:styleLbl name="alignAccFollowNode1">
+    <dgm:fillClrLst meth="repeat">
+      <a:schemeClr val="accent1">
+        <a:alpha val="90000"/>
+        <a:tint val="40000"/>
+      </a:schemeClr>
+    </dgm:fillClrLst>
+    <dgm:linClrLst meth="repeat">
+      <a:schemeClr val="accent1">
+        <a:alpha val="90000"/>
+        <a:tint val="40000"/>
+      </a:schemeClr>
+    </dgm:linClrLst>
+    <dgm:effectClrLst/>
+    <dgm:txLinClrLst/>
+    <dgm:txFillClrLst meth="repeat">
+      <a:schemeClr val="dk1"/>
+    </dgm:txFillClrLst>
+    <dgm:txEffectClrLst/>
+  </dgm:styleLbl>
+  <dgm:styleLbl name="bgAccFollowNode1">
+    <dgm:fillClrLst meth="repeat">
+      <a:schemeClr val="accent1">
+        <a:alpha val="90000"/>
+        <a:tint val="40000"/>
+      </a:schemeClr>
+    </dgm:fillClrLst>
+    <dgm:linClrLst meth="repeat">
+      <a:schemeClr val="accent1">
+        <a:alpha val="90000"/>
+        <a:tint val="40000"/>
+      </a:schemeClr>
+    </dgm:linClrLst>
+    <dgm:effectClrLst/>
+    <dgm:txLinClrLst/>
+    <dgm:txFillClrLst meth="repeat">
+      <a:schemeClr val="dk1"/>
+    </dgm:txFillClrLst>
+    <dgm:txEffectClrLst/>
+  </dgm:styleLbl>
+  <dgm:styleLbl name="fgAcc0">
+    <dgm:fillClrLst meth="repeat">
+      <a:schemeClr val="lt1">
+        <a:alpha val="90000"/>
+      </a:schemeClr>
+    </dgm:fillClrLst>
+    <dgm:linClrLst meth="repeat">
+      <a:schemeClr val="accent1"/>
+    </dgm:linClrLst>
+    <dgm:effectClrLst/>
+    <dgm:txLinClrLst/>
+    <dgm:txFillClrLst meth="repeat">
+      <a:schemeClr val="dk1"/>
+    </dgm:txFillClrLst>
+    <dgm:txEffectClrLst/>
+  </dgm:styleLbl>
+  <dgm:styleLbl name="fgAcc2">
+    <dgm:fillClrLst meth="repeat">
+      <a:schemeClr val="lt1">
+        <a:alpha val="90000"/>
+      </a:schemeClr>
+    </dgm:fillClrLst>
+    <dgm:linClrLst meth="repeat">
+      <a:schemeClr val="accent1"/>
+    </dgm:linClrLst>
+    <dgm:effectClrLst/>
+    <dgm:txLinClrLst/>
+    <dgm:txFillClrLst meth="repeat">
+      <a:schemeClr val="dk1"/>
+    </dgm:txFillClrLst>
+    <dgm:txEffectClrLst/>
+  </dgm:styleLbl>
+  <dgm:styleLbl name="fgAcc3">
+    <dgm:fillClrLst meth="repeat">
+      <a:schemeClr val="lt1">
+        <a:alpha val="90000"/>
+      </a:schemeClr>
+    </dgm:fillClrLst>
+    <dgm:linClrLst meth="repeat">
+      <a:schemeClr val="accent1"/>
+    </dgm:linClrLst>
+    <dgm:effectClrLst/>
+    <dgm:txLinClrLst/>
+    <dgm:txFillClrLst meth="repeat">
+      <a:schemeClr val="dk1"/>
+    </dgm:txFillClrLst>
+    <dgm:txEffectClrLst/>
+  </dgm:styleLbl>
+  <dgm:styleLbl name="fgAcc4">
+    <dgm:fillClrLst meth="repeat">
+      <a:schemeClr val="lt1">
+        <a:alpha val="90000"/>
+      </a:schemeClr>
+    </dgm:fillClrLst>
+    <dgm:linClrLst meth="repeat">
+      <a:schemeClr val="accent1"/>
+    </dgm:linClrLst>
+    <dgm:effectClrLst/>
+    <dgm:txLinClrLst/>
+    <dgm:txFillClrLst meth="repeat">
+      <a:schemeClr val="dk1"/>
+    </dgm:txFillClrLst>
+    <dgm:txEffectClrLst/>
+  </dgm:styleLbl>
+  <dgm:styleLbl name="bgShp">
+    <dgm:fillClrLst meth="repeat">
+      <a:schemeClr val="accent1">
+        <a:tint val="40000"/>
+      </a:schemeClr>
+    </dgm:fillClrLst>
+    <dgm:linClrLst meth="repeat">
+      <a:schemeClr val="accent1"/>
+    </dgm:linClrLst>
+    <dgm:effectClrLst/>
+    <dgm:txLinClrLst/>
+    <dgm:txFillClrLst meth="repeat">
+      <a:schemeClr val="dk1"/>
+    </dgm:txFillClrLst>
+    <dgm:txEffectClrLst/>
+  </dgm:styleLbl>
+  <dgm:styleLbl name="dkBgShp">
+    <dgm:fillClrLst meth="repeat">
+      <a:schemeClr val="accent1">
+        <a:shade val="80000"/>
+      </a:schemeClr>
+    </dgm:fillClrLst>
+    <dgm:linClrLst meth="repeat">
+      <a:schemeClr val="accent1"/>
+    </dgm:linClrLst>
+    <dgm:effectClrLst/>
+    <dgm:txLinClrLst/>
+    <dgm:txFillClrLst meth="repeat">
+      <a:schemeClr val="lt1"/>
+    </dgm:txFillClrLst>
+    <dgm:txEffectClrLst/>
+  </dgm:styleLbl>
+  <dgm:styleLbl name="trBgShp">
+    <dgm:fillClrLst meth="repeat">
+      <a:schemeClr val="accent1">
+        <a:tint val="50000"/>
+        <a:alpha val="40000"/>
+      </a:schemeClr>
+    </dgm:fillClrLst>
+    <dgm:linClrLst meth="repeat">
+      <a:schemeClr val="accent1"/>
+    </dgm:linClrLst>
+    <dgm:effectClrLst/>
+    <dgm:txLinClrLst/>
+    <dgm:txFillClrLst meth="repeat">
+      <a:schemeClr val="lt1"/>
+    </dgm:txFillClrLst>
+    <dgm:txEffectClrLst/>
+  </dgm:styleLbl>
+  <dgm:styleLbl name="fgShp">
+    <dgm:fillClrLst meth="repeat">
+      <a:schemeClr val="accent1">
+        <a:tint val="60000"/>
+      </a:schemeClr>
+    </dgm:fillClrLst>
+    <dgm:linClrLst meth="repeat">
+      <a:schemeClr val="lt1"/>
+    </dgm:linClrLst>
+    <dgm:effectClrLst/>
+    <dgm:txLinClrLst/>
+    <dgm:txFillClrLst meth="repeat">
+      <a:schemeClr val="dk1"/>
+    </dgm:txFillClrLst>
+    <dgm:txEffectClrLst/>
+  </dgm:styleLbl>
+  <dgm:styleLbl name="revTx">
+    <dgm:fillClrLst meth="repeat">
+      <a:schemeClr val="lt1">
+        <a:alpha val="0"/>
+      </a:schemeClr>
+    </dgm:fillClrLst>
+    <dgm:linClrLst meth="repeat">
+      <a:schemeClr val="dk1">
+        <a:alpha val="0"/>
+      </a:schemeClr>
+    </dgm:linClrLst>
+    <dgm:effectClrLst/>
+    <dgm:txLinClrLst/>
+    <dgm:txFillClrLst meth="repeat">
+      <a:schemeClr val="tx1"/>
+    </dgm:txFillClrLst>
+    <dgm:txEffectClrLst/>
+  </dgm:styleLbl>
+</dgm:colorsDef>
+</file>
+
+<file path=ppt/diagrams/data1.xml><?xml version="1.0" encoding="utf-8"?>
+<dgm:dataModel xmlns:dgm="http://schemas.openxmlformats.org/drawingml/2006/diagram" xmlns:a="http://schemas.openxmlformats.org/drawingml/2006/main">
+  <dgm:ptLst>
+    <dgm:pt modelId="{152E6C6F-9A9C-4CB2-95D1-F32D037FC872}" type="doc">
+      <dgm:prSet loTypeId="urn:microsoft.com/office/officeart/2005/8/layout/vProcess5" loCatId="process" qsTypeId="urn:microsoft.com/office/officeart/2005/8/quickstyle/simple1" qsCatId="simple" csTypeId="urn:microsoft.com/office/officeart/2005/8/colors/accent1_2" csCatId="accent1"/>
+      <dgm:spPr/>
+      <dgm:t>
+        <a:bodyPr/>
+        <a:lstStyle/>
+        <a:p>
+          <a:endParaRPr lang="en-US"/>
+        </a:p>
+      </dgm:t>
+    </dgm:pt>
+    <dgm:pt modelId="{2E5B3C03-7AFE-4B8B-9915-5DC00234526C}">
+      <dgm:prSet/>
+      <dgm:spPr/>
+      <dgm:t>
+        <a:bodyPr/>
+        <a:lstStyle/>
+        <a:p>
+          <a:r>
+            <a:rPr lang="ru-RU"/>
+            <a:t>Задачи:</a:t>
+          </a:r>
+          <a:endParaRPr lang="en-US"/>
+        </a:p>
+      </dgm:t>
+    </dgm:pt>
+    <dgm:pt modelId="{295E0098-8C23-41F6-A421-A2FC7B9941B8}" type="parTrans" cxnId="{4927000A-74B6-49DD-ADDE-AFDE635DDA55}">
+      <dgm:prSet/>
+      <dgm:spPr/>
+      <dgm:t>
+        <a:bodyPr/>
+        <a:lstStyle/>
+        <a:p>
+          <a:endParaRPr lang="en-US"/>
+        </a:p>
+      </dgm:t>
+    </dgm:pt>
+    <dgm:pt modelId="{71F3956B-7325-4C23-9084-03F2BA45C305}" type="sibTrans" cxnId="{4927000A-74B6-49DD-ADDE-AFDE635DDA55}">
+      <dgm:prSet/>
+      <dgm:spPr/>
+      <dgm:t>
+        <a:bodyPr/>
+        <a:lstStyle/>
+        <a:p>
+          <a:endParaRPr lang="en-US"/>
+        </a:p>
+      </dgm:t>
+    </dgm:pt>
+    <dgm:pt modelId="{40C3EBFB-A4B8-4A7A-BDF2-77AA293A6A5A}">
+      <dgm:prSet/>
+      <dgm:spPr/>
+      <dgm:t>
+        <a:bodyPr/>
+        <a:lstStyle/>
+        <a:p>
+          <a:r>
+            <a:rPr lang="ru-RU"/>
+            <a:t>Реализовать систему авторизации, с тремя режимами работы</a:t>
+          </a:r>
+          <a:endParaRPr lang="en-US"/>
+        </a:p>
+      </dgm:t>
+    </dgm:pt>
+    <dgm:pt modelId="{D75911C2-1B5F-44A9-B3EB-AACAAC0C9F57}" type="parTrans" cxnId="{0309B425-4918-4FB4-9978-3F0AC3C62C29}">
+      <dgm:prSet/>
+      <dgm:spPr/>
+      <dgm:t>
+        <a:bodyPr/>
+        <a:lstStyle/>
+        <a:p>
+          <a:endParaRPr lang="en-US"/>
+        </a:p>
+      </dgm:t>
+    </dgm:pt>
+    <dgm:pt modelId="{BD67922C-CDC7-47AC-91B3-7DA45DE4B6ED}" type="sibTrans" cxnId="{0309B425-4918-4FB4-9978-3F0AC3C62C29}">
+      <dgm:prSet/>
+      <dgm:spPr/>
+      <dgm:t>
+        <a:bodyPr/>
+        <a:lstStyle/>
+        <a:p>
+          <a:endParaRPr lang="en-US"/>
+        </a:p>
+      </dgm:t>
+    </dgm:pt>
+    <dgm:pt modelId="{FF4D137B-DF0F-408F-B744-DA13D9822193}">
+      <dgm:prSet/>
+      <dgm:spPr/>
+      <dgm:t>
+        <a:bodyPr/>
+        <a:lstStyle/>
+        <a:p>
+          <a:r>
+            <a:rPr lang="ru-RU"/>
+            <a:t>Создать локальную базу данных ROOM</a:t>
+          </a:r>
+          <a:endParaRPr lang="en-US"/>
+        </a:p>
+      </dgm:t>
+    </dgm:pt>
+    <dgm:pt modelId="{A9FE6D62-41CB-41A4-B556-2E53069EF962}" type="parTrans" cxnId="{648B8FF4-F147-4F82-9233-EE07C329EC49}">
+      <dgm:prSet/>
+      <dgm:spPr/>
+      <dgm:t>
+        <a:bodyPr/>
+        <a:lstStyle/>
+        <a:p>
+          <a:endParaRPr lang="en-US"/>
+        </a:p>
+      </dgm:t>
+    </dgm:pt>
+    <dgm:pt modelId="{30A66150-BC10-4EE4-B3FB-55FD5BBEAF98}" type="sibTrans" cxnId="{648B8FF4-F147-4F82-9233-EE07C329EC49}">
+      <dgm:prSet/>
+      <dgm:spPr/>
+      <dgm:t>
+        <a:bodyPr/>
+        <a:lstStyle/>
+        <a:p>
+          <a:endParaRPr lang="en-US"/>
+        </a:p>
+      </dgm:t>
+    </dgm:pt>
+    <dgm:pt modelId="{8F84B176-986E-4BC4-B5FC-8AD3B3998E96}">
+      <dgm:prSet/>
+      <dgm:spPr/>
+      <dgm:t>
+        <a:bodyPr/>
+        <a:lstStyle/>
+        <a:p>
+          <a:r>
+            <a:rPr lang="ru-RU"/>
+            <a:t>Реализовать функционал для работы со студентами и преподавтелями</a:t>
+          </a:r>
+          <a:endParaRPr lang="en-US"/>
+        </a:p>
+      </dgm:t>
+    </dgm:pt>
+    <dgm:pt modelId="{CF56E041-A480-48C6-912E-16B77DF668ED}" type="parTrans" cxnId="{C6FE3976-F398-45FD-8F68-A4E7234295C2}">
+      <dgm:prSet/>
+      <dgm:spPr/>
+      <dgm:t>
+        <a:bodyPr/>
+        <a:lstStyle/>
+        <a:p>
+          <a:endParaRPr lang="en-US"/>
+        </a:p>
+      </dgm:t>
+    </dgm:pt>
+    <dgm:pt modelId="{60A01A6A-A182-46CF-8095-74837E18DFEC}" type="sibTrans" cxnId="{C6FE3976-F398-45FD-8F68-A4E7234295C2}">
+      <dgm:prSet/>
+      <dgm:spPr/>
+      <dgm:t>
+        <a:bodyPr/>
+        <a:lstStyle/>
+        <a:p>
+          <a:endParaRPr lang="en-US"/>
+        </a:p>
+      </dgm:t>
+    </dgm:pt>
+    <dgm:pt modelId="{DFCC07AA-C0B1-47B4-9A44-83442E7708E3}">
+      <dgm:prSet/>
+      <dgm:spPr/>
+      <dgm:t>
+        <a:bodyPr/>
+        <a:lstStyle/>
+        <a:p>
+          <a:r>
+            <a:rPr lang="ru-RU"/>
+            <a:t>Реализовать удобную навигацию</a:t>
+          </a:r>
+          <a:endParaRPr lang="en-US"/>
+        </a:p>
+      </dgm:t>
+    </dgm:pt>
+    <dgm:pt modelId="{673EF8FC-EE19-4EEF-A324-5C8723A42D58}" type="parTrans" cxnId="{38DFE4D0-E92C-4138-B255-132FF28F7E21}">
+      <dgm:prSet/>
+      <dgm:spPr/>
+      <dgm:t>
+        <a:bodyPr/>
+        <a:lstStyle/>
+        <a:p>
+          <a:endParaRPr lang="en-US"/>
+        </a:p>
+      </dgm:t>
+    </dgm:pt>
+    <dgm:pt modelId="{3BAD115C-1E3E-4F0D-ABAF-D09C516FBF55}" type="sibTrans" cxnId="{38DFE4D0-E92C-4138-B255-132FF28F7E21}">
+      <dgm:prSet/>
+      <dgm:spPr/>
+      <dgm:t>
+        <a:bodyPr/>
+        <a:lstStyle/>
+        <a:p>
+          <a:endParaRPr lang="en-US"/>
+        </a:p>
+      </dgm:t>
+    </dgm:pt>
+    <dgm:pt modelId="{660FAFC5-DBCE-4A69-8382-D3F07B91CBC2}" type="pres">
+      <dgm:prSet presAssocID="{152E6C6F-9A9C-4CB2-95D1-F32D037FC872}" presName="outerComposite" presStyleCnt="0">
+        <dgm:presLayoutVars>
+          <dgm:chMax val="5"/>
+          <dgm:dir/>
+          <dgm:resizeHandles val="exact"/>
+        </dgm:presLayoutVars>
+      </dgm:prSet>
+      <dgm:spPr/>
+    </dgm:pt>
+    <dgm:pt modelId="{C94C42B9-2934-4F1E-AE26-4091CBD20109}" type="pres">
+      <dgm:prSet presAssocID="{152E6C6F-9A9C-4CB2-95D1-F32D037FC872}" presName="dummyMaxCanvas" presStyleCnt="0">
+        <dgm:presLayoutVars/>
+      </dgm:prSet>
+      <dgm:spPr/>
+    </dgm:pt>
+    <dgm:pt modelId="{77F8587C-7C66-4F53-8CEF-4CA9E4A581CE}" type="pres">
+      <dgm:prSet presAssocID="{152E6C6F-9A9C-4CB2-95D1-F32D037FC872}" presName="FiveNodes_1" presStyleLbl="node1" presStyleIdx="0" presStyleCnt="5">
+        <dgm:presLayoutVars>
+          <dgm:bulletEnabled val="1"/>
+        </dgm:presLayoutVars>
+      </dgm:prSet>
+      <dgm:spPr/>
+    </dgm:pt>
+    <dgm:pt modelId="{969A366D-5E1E-4370-8CE2-E9D8934A3D99}" type="pres">
+      <dgm:prSet presAssocID="{152E6C6F-9A9C-4CB2-95D1-F32D037FC872}" presName="FiveNodes_2" presStyleLbl="node1" presStyleIdx="1" presStyleCnt="5">
+        <dgm:presLayoutVars>
+          <dgm:bulletEnabled val="1"/>
+        </dgm:presLayoutVars>
+      </dgm:prSet>
+      <dgm:spPr/>
+    </dgm:pt>
+    <dgm:pt modelId="{8B09E515-EAC2-4D66-BAA8-1406153DE0E7}" type="pres">
+      <dgm:prSet presAssocID="{152E6C6F-9A9C-4CB2-95D1-F32D037FC872}" presName="FiveNodes_3" presStyleLbl="node1" presStyleIdx="2" presStyleCnt="5">
+        <dgm:presLayoutVars>
+          <dgm:bulletEnabled val="1"/>
+        </dgm:presLayoutVars>
+      </dgm:prSet>
+      <dgm:spPr/>
+    </dgm:pt>
+    <dgm:pt modelId="{29DE4316-1D6C-42C2-8287-B8F0E73FA47A}" type="pres">
+      <dgm:prSet presAssocID="{152E6C6F-9A9C-4CB2-95D1-F32D037FC872}" presName="FiveNodes_4" presStyleLbl="node1" presStyleIdx="3" presStyleCnt="5">
+        <dgm:presLayoutVars>
+          <dgm:bulletEnabled val="1"/>
+        </dgm:presLayoutVars>
+      </dgm:prSet>
+      <dgm:spPr/>
+    </dgm:pt>
+    <dgm:pt modelId="{8C0491B4-584E-4A50-95BA-19BEBA5DBB07}" type="pres">
+      <dgm:prSet presAssocID="{152E6C6F-9A9C-4CB2-95D1-F32D037FC872}" presName="FiveNodes_5" presStyleLbl="node1" presStyleIdx="4" presStyleCnt="5">
+        <dgm:presLayoutVars>
+          <dgm:bulletEnabled val="1"/>
+        </dgm:presLayoutVars>
+      </dgm:prSet>
+      <dgm:spPr/>
+    </dgm:pt>
+    <dgm:pt modelId="{DA6827C9-2A15-423E-869D-95313840E39D}" type="pres">
+      <dgm:prSet presAssocID="{152E6C6F-9A9C-4CB2-95D1-F32D037FC872}" presName="FiveConn_1-2" presStyleLbl="fgAccFollowNode1" presStyleIdx="0" presStyleCnt="4">
+        <dgm:presLayoutVars>
+          <dgm:bulletEnabled val="1"/>
+        </dgm:presLayoutVars>
+      </dgm:prSet>
+      <dgm:spPr/>
+    </dgm:pt>
+    <dgm:pt modelId="{8A119F19-1BDE-4412-83C4-E49C42ABBCA3}" type="pres">
+      <dgm:prSet presAssocID="{152E6C6F-9A9C-4CB2-95D1-F32D037FC872}" presName="FiveConn_2-3" presStyleLbl="fgAccFollowNode1" presStyleIdx="1" presStyleCnt="4">
+        <dgm:presLayoutVars>
+          <dgm:bulletEnabled val="1"/>
+        </dgm:presLayoutVars>
+      </dgm:prSet>
+      <dgm:spPr/>
+    </dgm:pt>
+    <dgm:pt modelId="{FA58976A-9BE6-4240-9F19-9F56A6868EFD}" type="pres">
+      <dgm:prSet presAssocID="{152E6C6F-9A9C-4CB2-95D1-F32D037FC872}" presName="FiveConn_3-4" presStyleLbl="fgAccFollowNode1" presStyleIdx="2" presStyleCnt="4">
+        <dgm:presLayoutVars>
+          <dgm:bulletEnabled val="1"/>
+        </dgm:presLayoutVars>
+      </dgm:prSet>
+      <dgm:spPr/>
+    </dgm:pt>
+    <dgm:pt modelId="{3E15FE50-5F81-4884-92CC-DCD6C434F7BB}" type="pres">
+      <dgm:prSet presAssocID="{152E6C6F-9A9C-4CB2-95D1-F32D037FC872}" presName="FiveConn_4-5" presStyleLbl="fgAccFollowNode1" presStyleIdx="3" presStyleCnt="4">
+        <dgm:presLayoutVars>
+          <dgm:bulletEnabled val="1"/>
+        </dgm:presLayoutVars>
+      </dgm:prSet>
+      <dgm:spPr/>
+    </dgm:pt>
+    <dgm:pt modelId="{54C7702E-9250-4166-B8FC-599ED6D03324}" type="pres">
+      <dgm:prSet presAssocID="{152E6C6F-9A9C-4CB2-95D1-F32D037FC872}" presName="FiveNodes_1_text" presStyleLbl="node1" presStyleIdx="4" presStyleCnt="5">
+        <dgm:presLayoutVars>
+          <dgm:bulletEnabled val="1"/>
+        </dgm:presLayoutVars>
+      </dgm:prSet>
+      <dgm:spPr/>
+    </dgm:pt>
+    <dgm:pt modelId="{8BB0D84C-7A49-4198-932B-620C7961D238}" type="pres">
+      <dgm:prSet presAssocID="{152E6C6F-9A9C-4CB2-95D1-F32D037FC872}" presName="FiveNodes_2_text" presStyleLbl="node1" presStyleIdx="4" presStyleCnt="5">
+        <dgm:presLayoutVars>
+          <dgm:bulletEnabled val="1"/>
+        </dgm:presLayoutVars>
+      </dgm:prSet>
+      <dgm:spPr/>
+    </dgm:pt>
+    <dgm:pt modelId="{67FA4659-298E-4305-AE56-BE83D4EA65C3}" type="pres">
+      <dgm:prSet presAssocID="{152E6C6F-9A9C-4CB2-95D1-F32D037FC872}" presName="FiveNodes_3_text" presStyleLbl="node1" presStyleIdx="4" presStyleCnt="5">
+        <dgm:presLayoutVars>
+          <dgm:bulletEnabled val="1"/>
+        </dgm:presLayoutVars>
+      </dgm:prSet>
+      <dgm:spPr/>
+    </dgm:pt>
+    <dgm:pt modelId="{C1ED3B4F-9F6E-4C4C-86BF-A63D58C0C0AF}" type="pres">
+      <dgm:prSet presAssocID="{152E6C6F-9A9C-4CB2-95D1-F32D037FC872}" presName="FiveNodes_4_text" presStyleLbl="node1" presStyleIdx="4" presStyleCnt="5">
+        <dgm:presLayoutVars>
+          <dgm:bulletEnabled val="1"/>
+        </dgm:presLayoutVars>
+      </dgm:prSet>
+      <dgm:spPr/>
+    </dgm:pt>
+    <dgm:pt modelId="{69735E0E-9DD5-48E1-A6CE-C892340EFA85}" type="pres">
+      <dgm:prSet presAssocID="{152E6C6F-9A9C-4CB2-95D1-F32D037FC872}" presName="FiveNodes_5_text" presStyleLbl="node1" presStyleIdx="4" presStyleCnt="5">
+        <dgm:presLayoutVars>
+          <dgm:bulletEnabled val="1"/>
+        </dgm:presLayoutVars>
+      </dgm:prSet>
+      <dgm:spPr/>
+    </dgm:pt>
+  </dgm:ptLst>
+  <dgm:cxnLst>
+    <dgm:cxn modelId="{4927000A-74B6-49DD-ADDE-AFDE635DDA55}" srcId="{152E6C6F-9A9C-4CB2-95D1-F32D037FC872}" destId="{2E5B3C03-7AFE-4B8B-9915-5DC00234526C}" srcOrd="0" destOrd="0" parTransId="{295E0098-8C23-41F6-A421-A2FC7B9941B8}" sibTransId="{71F3956B-7325-4C23-9084-03F2BA45C305}"/>
+    <dgm:cxn modelId="{0E265A14-4E88-4473-8196-23720BE5F5C5}" type="presOf" srcId="{BD67922C-CDC7-47AC-91B3-7DA45DE4B6ED}" destId="{8A119F19-1BDE-4412-83C4-E49C42ABBCA3}" srcOrd="0" destOrd="0" presId="urn:microsoft.com/office/officeart/2005/8/layout/vProcess5"/>
+    <dgm:cxn modelId="{62EC3A15-2560-47FA-979F-8E66F84A316D}" type="presOf" srcId="{60A01A6A-A182-46CF-8095-74837E18DFEC}" destId="{3E15FE50-5F81-4884-92CC-DCD6C434F7BB}" srcOrd="0" destOrd="0" presId="urn:microsoft.com/office/officeart/2005/8/layout/vProcess5"/>
+    <dgm:cxn modelId="{CA77C41C-2334-4231-BC0E-053672AFA0F0}" type="presOf" srcId="{FF4D137B-DF0F-408F-B744-DA13D9822193}" destId="{8B09E515-EAC2-4D66-BAA8-1406153DE0E7}" srcOrd="0" destOrd="0" presId="urn:microsoft.com/office/officeart/2005/8/layout/vProcess5"/>
+    <dgm:cxn modelId="{6B989321-F787-46F9-9E14-AE095FB6A0D7}" type="presOf" srcId="{DFCC07AA-C0B1-47B4-9A44-83442E7708E3}" destId="{8C0491B4-584E-4A50-95BA-19BEBA5DBB07}" srcOrd="0" destOrd="0" presId="urn:microsoft.com/office/officeart/2005/8/layout/vProcess5"/>
+    <dgm:cxn modelId="{0309B425-4918-4FB4-9978-3F0AC3C62C29}" srcId="{152E6C6F-9A9C-4CB2-95D1-F32D037FC872}" destId="{40C3EBFB-A4B8-4A7A-BDF2-77AA293A6A5A}" srcOrd="1" destOrd="0" parTransId="{D75911C2-1B5F-44A9-B3EB-AACAAC0C9F57}" sibTransId="{BD67922C-CDC7-47AC-91B3-7DA45DE4B6ED}"/>
+    <dgm:cxn modelId="{D1996B5B-2627-44EB-9F38-A50244DEF78B}" type="presOf" srcId="{2E5B3C03-7AFE-4B8B-9915-5DC00234526C}" destId="{77F8587C-7C66-4F53-8CEF-4CA9E4A581CE}" srcOrd="0" destOrd="0" presId="urn:microsoft.com/office/officeart/2005/8/layout/vProcess5"/>
+    <dgm:cxn modelId="{47C72A64-EEAE-472D-9D50-675E19F31B95}" type="presOf" srcId="{8F84B176-986E-4BC4-B5FC-8AD3B3998E96}" destId="{C1ED3B4F-9F6E-4C4C-86BF-A63D58C0C0AF}" srcOrd="1" destOrd="0" presId="urn:microsoft.com/office/officeart/2005/8/layout/vProcess5"/>
+    <dgm:cxn modelId="{CD96C365-60A1-4E45-A814-AAB876038F96}" type="presOf" srcId="{40C3EBFB-A4B8-4A7A-BDF2-77AA293A6A5A}" destId="{969A366D-5E1E-4370-8CE2-E9D8934A3D99}" srcOrd="0" destOrd="0" presId="urn:microsoft.com/office/officeart/2005/8/layout/vProcess5"/>
+    <dgm:cxn modelId="{C6FE3976-F398-45FD-8F68-A4E7234295C2}" srcId="{152E6C6F-9A9C-4CB2-95D1-F32D037FC872}" destId="{8F84B176-986E-4BC4-B5FC-8AD3B3998E96}" srcOrd="3" destOrd="0" parTransId="{CF56E041-A480-48C6-912E-16B77DF668ED}" sibTransId="{60A01A6A-A182-46CF-8095-74837E18DFEC}"/>
+    <dgm:cxn modelId="{0E73DA93-B874-4352-AA82-E828F51FFD73}" type="presOf" srcId="{30A66150-BC10-4EE4-B3FB-55FD5BBEAF98}" destId="{FA58976A-9BE6-4240-9F19-9F56A6868EFD}" srcOrd="0" destOrd="0" presId="urn:microsoft.com/office/officeart/2005/8/layout/vProcess5"/>
+    <dgm:cxn modelId="{5BB0ED94-7ADC-4E80-938E-4CB9051A6BBB}" type="presOf" srcId="{2E5B3C03-7AFE-4B8B-9915-5DC00234526C}" destId="{54C7702E-9250-4166-B8FC-599ED6D03324}" srcOrd="1" destOrd="0" presId="urn:microsoft.com/office/officeart/2005/8/layout/vProcess5"/>
+    <dgm:cxn modelId="{DFA99996-42C1-4514-80FF-CB85D605F740}" type="presOf" srcId="{71F3956B-7325-4C23-9084-03F2BA45C305}" destId="{DA6827C9-2A15-423E-869D-95313840E39D}" srcOrd="0" destOrd="0" presId="urn:microsoft.com/office/officeart/2005/8/layout/vProcess5"/>
+    <dgm:cxn modelId="{35E35D99-1B1D-4DC1-B0D0-4F6F5A4C9474}" type="presOf" srcId="{DFCC07AA-C0B1-47B4-9A44-83442E7708E3}" destId="{69735E0E-9DD5-48E1-A6CE-C892340EFA85}" srcOrd="1" destOrd="0" presId="urn:microsoft.com/office/officeart/2005/8/layout/vProcess5"/>
+    <dgm:cxn modelId="{3FBCFBB4-5832-4E28-8D77-260D4690A3BF}" type="presOf" srcId="{152E6C6F-9A9C-4CB2-95D1-F32D037FC872}" destId="{660FAFC5-DBCE-4A69-8382-D3F07B91CBC2}" srcOrd="0" destOrd="0" presId="urn:microsoft.com/office/officeart/2005/8/layout/vProcess5"/>
+    <dgm:cxn modelId="{027478B7-7678-4C0A-A6EA-3152172839ED}" type="presOf" srcId="{40C3EBFB-A4B8-4A7A-BDF2-77AA293A6A5A}" destId="{8BB0D84C-7A49-4198-932B-620C7961D238}" srcOrd="1" destOrd="0" presId="urn:microsoft.com/office/officeart/2005/8/layout/vProcess5"/>
+    <dgm:cxn modelId="{C95127C6-02B9-4B4D-9710-08B6BAFE84A0}" type="presOf" srcId="{FF4D137B-DF0F-408F-B744-DA13D9822193}" destId="{67FA4659-298E-4305-AE56-BE83D4EA65C3}" srcOrd="1" destOrd="0" presId="urn:microsoft.com/office/officeart/2005/8/layout/vProcess5"/>
+    <dgm:cxn modelId="{38DFE4D0-E92C-4138-B255-132FF28F7E21}" srcId="{152E6C6F-9A9C-4CB2-95D1-F32D037FC872}" destId="{DFCC07AA-C0B1-47B4-9A44-83442E7708E3}" srcOrd="4" destOrd="0" parTransId="{673EF8FC-EE19-4EEF-A324-5C8723A42D58}" sibTransId="{3BAD115C-1E3E-4F0D-ABAF-D09C516FBF55}"/>
+    <dgm:cxn modelId="{50BE4BE3-4E33-4118-AA7B-CC2AFF3FE694}" type="presOf" srcId="{8F84B176-986E-4BC4-B5FC-8AD3B3998E96}" destId="{29DE4316-1D6C-42C2-8287-B8F0E73FA47A}" srcOrd="0" destOrd="0" presId="urn:microsoft.com/office/officeart/2005/8/layout/vProcess5"/>
+    <dgm:cxn modelId="{648B8FF4-F147-4F82-9233-EE07C329EC49}" srcId="{152E6C6F-9A9C-4CB2-95D1-F32D037FC872}" destId="{FF4D137B-DF0F-408F-B744-DA13D9822193}" srcOrd="2" destOrd="0" parTransId="{A9FE6D62-41CB-41A4-B556-2E53069EF962}" sibTransId="{30A66150-BC10-4EE4-B3FB-55FD5BBEAF98}"/>
+    <dgm:cxn modelId="{BD2E2342-4084-4B87-AE3E-79AF88E8D7A0}" type="presParOf" srcId="{660FAFC5-DBCE-4A69-8382-D3F07B91CBC2}" destId="{C94C42B9-2934-4F1E-AE26-4091CBD20109}" srcOrd="0" destOrd="0" presId="urn:microsoft.com/office/officeart/2005/8/layout/vProcess5"/>
+    <dgm:cxn modelId="{BF620B38-637B-4C90-B4CC-A557786BE381}" type="presParOf" srcId="{660FAFC5-DBCE-4A69-8382-D3F07B91CBC2}" destId="{77F8587C-7C66-4F53-8CEF-4CA9E4A581CE}" srcOrd="1" destOrd="0" presId="urn:microsoft.com/office/officeart/2005/8/layout/vProcess5"/>
+    <dgm:cxn modelId="{27BC8885-19D6-4A6C-A934-A138B9DF524C}" type="presParOf" srcId="{660FAFC5-DBCE-4A69-8382-D3F07B91CBC2}" destId="{969A366D-5E1E-4370-8CE2-E9D8934A3D99}" srcOrd="2" destOrd="0" presId="urn:microsoft.com/office/officeart/2005/8/layout/vProcess5"/>
+    <dgm:cxn modelId="{5518521E-A597-4760-854F-89EFB3D1DB56}" type="presParOf" srcId="{660FAFC5-DBCE-4A69-8382-D3F07B91CBC2}" destId="{8B09E515-EAC2-4D66-BAA8-1406153DE0E7}" srcOrd="3" destOrd="0" presId="urn:microsoft.com/office/officeart/2005/8/layout/vProcess5"/>
+    <dgm:cxn modelId="{3C7054AE-7158-4425-956C-19F461AA08E6}" type="presParOf" srcId="{660FAFC5-DBCE-4A69-8382-D3F07B91CBC2}" destId="{29DE4316-1D6C-42C2-8287-B8F0E73FA47A}" srcOrd="4" destOrd="0" presId="urn:microsoft.com/office/officeart/2005/8/layout/vProcess5"/>
+    <dgm:cxn modelId="{2EA911B4-3D0B-476E-8ACA-F03D8C072CA7}" type="presParOf" srcId="{660FAFC5-DBCE-4A69-8382-D3F07B91CBC2}" destId="{8C0491B4-584E-4A50-95BA-19BEBA5DBB07}" srcOrd="5" destOrd="0" presId="urn:microsoft.com/office/officeart/2005/8/layout/vProcess5"/>
+    <dgm:cxn modelId="{28CDFD5F-1603-417E-88CD-E8F319C76E9C}" type="presParOf" srcId="{660FAFC5-DBCE-4A69-8382-D3F07B91CBC2}" destId="{DA6827C9-2A15-423E-869D-95313840E39D}" srcOrd="6" destOrd="0" presId="urn:microsoft.com/office/officeart/2005/8/layout/vProcess5"/>
+    <dgm:cxn modelId="{0580992B-0590-4B77-8CA8-A7B182C299C6}" type="presParOf" srcId="{660FAFC5-DBCE-4A69-8382-D3F07B91CBC2}" destId="{8A119F19-1BDE-4412-83C4-E49C42ABBCA3}" srcOrd="7" destOrd="0" presId="urn:microsoft.com/office/officeart/2005/8/layout/vProcess5"/>
+    <dgm:cxn modelId="{9C663454-4A0A-4719-92DE-548C2EC074B0}" type="presParOf" srcId="{660FAFC5-DBCE-4A69-8382-D3F07B91CBC2}" destId="{FA58976A-9BE6-4240-9F19-9F56A6868EFD}" srcOrd="8" destOrd="0" presId="urn:microsoft.com/office/officeart/2005/8/layout/vProcess5"/>
+    <dgm:cxn modelId="{DC963F11-5BDF-44A5-9832-662312499949}" type="presParOf" srcId="{660FAFC5-DBCE-4A69-8382-D3F07B91CBC2}" destId="{3E15FE50-5F81-4884-92CC-DCD6C434F7BB}" srcOrd="9" destOrd="0" presId="urn:microsoft.com/office/officeart/2005/8/layout/vProcess5"/>
+    <dgm:cxn modelId="{6E035333-C36E-48DA-AE98-885BF5CDA080}" type="presParOf" srcId="{660FAFC5-DBCE-4A69-8382-D3F07B91CBC2}" destId="{54C7702E-9250-4166-B8FC-599ED6D03324}" srcOrd="10" destOrd="0" presId="urn:microsoft.com/office/officeart/2005/8/layout/vProcess5"/>
+    <dgm:cxn modelId="{47762EC7-D3B5-47FE-B378-1BCA0B5E47BE}" type="presParOf" srcId="{660FAFC5-DBCE-4A69-8382-D3F07B91CBC2}" destId="{8BB0D84C-7A49-4198-932B-620C7961D238}" srcOrd="11" destOrd="0" presId="urn:microsoft.com/office/officeart/2005/8/layout/vProcess5"/>
+    <dgm:cxn modelId="{0367B7FE-BF94-4AAB-8E19-78D2DE7702B3}" type="presParOf" srcId="{660FAFC5-DBCE-4A69-8382-D3F07B91CBC2}" destId="{67FA4659-298E-4305-AE56-BE83D4EA65C3}" srcOrd="12" destOrd="0" presId="urn:microsoft.com/office/officeart/2005/8/layout/vProcess5"/>
+    <dgm:cxn modelId="{7B2F8AF2-20F2-4EA9-965F-2681C222BCD3}" type="presParOf" srcId="{660FAFC5-DBCE-4A69-8382-D3F07B91CBC2}" destId="{C1ED3B4F-9F6E-4C4C-86BF-A63D58C0C0AF}" srcOrd="13" destOrd="0" presId="urn:microsoft.com/office/officeart/2005/8/layout/vProcess5"/>
+    <dgm:cxn modelId="{B1362DA8-0BA6-4BFD-94F1-041D69BACBD2}" type="presParOf" srcId="{660FAFC5-DBCE-4A69-8382-D3F07B91CBC2}" destId="{69735E0E-9DD5-48E1-A6CE-C892340EFA85}" srcOrd="14" destOrd="0" presId="urn:microsoft.com/office/officeart/2005/8/layout/vProcess5"/>
+  </dgm:cxnLst>
+  <dgm:bg/>
+  <dgm:whole/>
+  <dgm:extLst>
+    <a:ext uri="http://schemas.microsoft.com/office/drawing/2008/diagram">
+      <dsp:dataModelExt xmlns:dsp="http://schemas.microsoft.com/office/drawing/2008/diagram" relId="rId7" minVer="http://schemas.openxmlformats.org/drawingml/2006/diagram"/>
+    </a:ext>
+  </dgm:extLst>
+</dgm:dataModel>
+</file>
+
+<file path=ppt/diagrams/drawing1.xml><?xml version="1.0" encoding="utf-8"?>
+<dsp:drawing xmlns:dgm="http://schemas.openxmlformats.org/drawingml/2006/diagram" xmlns:dsp="http://schemas.microsoft.com/office/drawing/2008/diagram" xmlns:a="http://schemas.openxmlformats.org/drawingml/2006/main">
+  <dsp:spTree>
+    <dsp:nvGrpSpPr>
+      <dsp:cNvPr id="0" name=""/>
+      <dsp:cNvGrpSpPr/>
+    </dsp:nvGrpSpPr>
+    <dsp:grpSpPr/>
+    <dsp:sp modelId="{77F8587C-7C66-4F53-8CEF-4CA9E4A581CE}">
+      <dsp:nvSpPr>
+        <dsp:cNvPr id="0" name=""/>
+        <dsp:cNvSpPr/>
+      </dsp:nvSpPr>
+      <dsp:spPr>
+        <a:xfrm>
+          <a:off x="0" y="0"/>
+          <a:ext cx="6824271" cy="463249"/>
+        </a:xfrm>
+        <a:prstGeom prst="roundRect">
+          <a:avLst>
+            <a:gd name="adj" fmla="val 10000"/>
+          </a:avLst>
+        </a:prstGeom>
+        <a:solidFill>
+          <a:schemeClr val="accent1">
+            <a:hueOff val="0"/>
+            <a:satOff val="0"/>
+            <a:lumOff val="0"/>
+            <a:alphaOff val="0"/>
+          </a:schemeClr>
+        </a:solidFill>
+        <a:ln w="12700" cap="flat" cmpd="sng" algn="ctr">
+          <a:solidFill>
+            <a:schemeClr val="lt1">
+              <a:hueOff val="0"/>
+              <a:satOff val="0"/>
+              <a:lumOff val="0"/>
+              <a:alphaOff val="0"/>
+            </a:schemeClr>
+          </a:solidFill>
+          <a:prstDash val="solid"/>
+        </a:ln>
+        <a:effectLst/>
+      </dsp:spPr>
+      <dsp:style>
+        <a:lnRef idx="2">
+          <a:scrgbClr r="0" g="0" b="0"/>
+        </a:lnRef>
+        <a:fillRef idx="1">
+          <a:scrgbClr r="0" g="0" b="0"/>
+        </a:fillRef>
+        <a:effectRef idx="0">
+          <a:scrgbClr r="0" g="0" b="0"/>
+        </a:effectRef>
+        <a:fontRef idx="minor">
+          <a:schemeClr val="lt1"/>
+        </a:fontRef>
+      </dsp:style>
+      <dsp:txBody>
+        <a:bodyPr spcFirstLastPara="0" vert="horz" wrap="square" lIns="49530" tIns="49530" rIns="49530" bIns="49530" numCol="1" spcCol="1270" anchor="ctr" anchorCtr="0">
+          <a:noAutofit/>
+        </a:bodyPr>
+        <a:lstStyle/>
+        <a:p>
+          <a:pPr marL="0" lvl="0" indent="0" algn="l" defTabSz="577850">
+            <a:lnSpc>
+              <a:spcPct val="90000"/>
+            </a:lnSpc>
+            <a:spcBef>
+              <a:spcPct val="0"/>
+            </a:spcBef>
+            <a:spcAft>
+              <a:spcPct val="35000"/>
+            </a:spcAft>
+            <a:buNone/>
+          </a:pPr>
+          <a:r>
+            <a:rPr lang="ru-RU" sz="1300" kern="1200"/>
+            <a:t>Задачи:</a:t>
+          </a:r>
+          <a:endParaRPr lang="en-US" sz="1300" kern="1200"/>
+        </a:p>
+      </dsp:txBody>
+      <dsp:txXfrm>
+        <a:off x="13568" y="13568"/>
+        <a:ext cx="6270189" cy="436113"/>
+      </dsp:txXfrm>
+    </dsp:sp>
+    <dsp:sp modelId="{969A366D-5E1E-4370-8CE2-E9D8934A3D99}">
+      <dsp:nvSpPr>
+        <dsp:cNvPr id="0" name=""/>
+        <dsp:cNvSpPr/>
+      </dsp:nvSpPr>
+      <dsp:spPr>
+        <a:xfrm>
+          <a:off x="509604" y="527589"/>
+          <a:ext cx="6824271" cy="463249"/>
+        </a:xfrm>
+        <a:prstGeom prst="roundRect">
+          <a:avLst>
+            <a:gd name="adj" fmla="val 10000"/>
+          </a:avLst>
+        </a:prstGeom>
+        <a:solidFill>
+          <a:schemeClr val="accent1">
+            <a:hueOff val="0"/>
+            <a:satOff val="0"/>
+            <a:lumOff val="0"/>
+            <a:alphaOff val="0"/>
+          </a:schemeClr>
+        </a:solidFill>
+        <a:ln w="12700" cap="flat" cmpd="sng" algn="ctr">
+          <a:solidFill>
+            <a:schemeClr val="lt1">
+              <a:hueOff val="0"/>
+              <a:satOff val="0"/>
+              <a:lumOff val="0"/>
+              <a:alphaOff val="0"/>
+            </a:schemeClr>
+          </a:solidFill>
+          <a:prstDash val="solid"/>
+        </a:ln>
+        <a:effectLst/>
+      </dsp:spPr>
+      <dsp:style>
+        <a:lnRef idx="2">
+          <a:scrgbClr r="0" g="0" b="0"/>
+        </a:lnRef>
+        <a:fillRef idx="1">
+          <a:scrgbClr r="0" g="0" b="0"/>
+        </a:fillRef>
+        <a:effectRef idx="0">
+          <a:scrgbClr r="0" g="0" b="0"/>
+        </a:effectRef>
+        <a:fontRef idx="minor">
+          <a:schemeClr val="lt1"/>
+        </a:fontRef>
+      </dsp:style>
+      <dsp:txBody>
+        <a:bodyPr spcFirstLastPara="0" vert="horz" wrap="square" lIns="49530" tIns="49530" rIns="49530" bIns="49530" numCol="1" spcCol="1270" anchor="ctr" anchorCtr="0">
+          <a:noAutofit/>
+        </a:bodyPr>
+        <a:lstStyle/>
+        <a:p>
+          <a:pPr marL="0" lvl="0" indent="0" algn="l" defTabSz="577850">
+            <a:lnSpc>
+              <a:spcPct val="90000"/>
+            </a:lnSpc>
+            <a:spcBef>
+              <a:spcPct val="0"/>
+            </a:spcBef>
+            <a:spcAft>
+              <a:spcPct val="35000"/>
+            </a:spcAft>
+            <a:buNone/>
+          </a:pPr>
+          <a:r>
+            <a:rPr lang="ru-RU" sz="1300" kern="1200"/>
+            <a:t>Реализовать систему авторизации, с тремя режимами работы</a:t>
+          </a:r>
+          <a:endParaRPr lang="en-US" sz="1300" kern="1200"/>
+        </a:p>
+      </dsp:txBody>
+      <dsp:txXfrm>
+        <a:off x="523172" y="541157"/>
+        <a:ext cx="5986418" cy="436113"/>
+      </dsp:txXfrm>
+    </dsp:sp>
+    <dsp:sp modelId="{8B09E515-EAC2-4D66-BAA8-1406153DE0E7}">
+      <dsp:nvSpPr>
+        <dsp:cNvPr id="0" name=""/>
+        <dsp:cNvSpPr/>
+      </dsp:nvSpPr>
+      <dsp:spPr>
+        <a:xfrm>
+          <a:off x="1019209" y="1055178"/>
+          <a:ext cx="6824271" cy="463249"/>
+        </a:xfrm>
+        <a:prstGeom prst="roundRect">
+          <a:avLst>
+            <a:gd name="adj" fmla="val 10000"/>
+          </a:avLst>
+        </a:prstGeom>
+        <a:solidFill>
+          <a:schemeClr val="accent1">
+            <a:hueOff val="0"/>
+            <a:satOff val="0"/>
+            <a:lumOff val="0"/>
+            <a:alphaOff val="0"/>
+          </a:schemeClr>
+        </a:solidFill>
+        <a:ln w="12700" cap="flat" cmpd="sng" algn="ctr">
+          <a:solidFill>
+            <a:schemeClr val="lt1">
+              <a:hueOff val="0"/>
+              <a:satOff val="0"/>
+              <a:lumOff val="0"/>
+              <a:alphaOff val="0"/>
+            </a:schemeClr>
+          </a:solidFill>
+          <a:prstDash val="solid"/>
+        </a:ln>
+        <a:effectLst/>
+      </dsp:spPr>
+      <dsp:style>
+        <a:lnRef idx="2">
+          <a:scrgbClr r="0" g="0" b="0"/>
+        </a:lnRef>
+        <a:fillRef idx="1">
+          <a:scrgbClr r="0" g="0" b="0"/>
+        </a:fillRef>
+        <a:effectRef idx="0">
+          <a:scrgbClr r="0" g="0" b="0"/>
+        </a:effectRef>
+        <a:fontRef idx="minor">
+          <a:schemeClr val="lt1"/>
+        </a:fontRef>
+      </dsp:style>
+      <dsp:txBody>
+        <a:bodyPr spcFirstLastPara="0" vert="horz" wrap="square" lIns="49530" tIns="49530" rIns="49530" bIns="49530" numCol="1" spcCol="1270" anchor="ctr" anchorCtr="0">
+          <a:noAutofit/>
+        </a:bodyPr>
+        <a:lstStyle/>
+        <a:p>
+          <a:pPr marL="0" lvl="0" indent="0" algn="l" defTabSz="577850">
+            <a:lnSpc>
+              <a:spcPct val="90000"/>
+            </a:lnSpc>
+            <a:spcBef>
+              <a:spcPct val="0"/>
+            </a:spcBef>
+            <a:spcAft>
+              <a:spcPct val="35000"/>
+            </a:spcAft>
+            <a:buNone/>
+          </a:pPr>
+          <a:r>
+            <a:rPr lang="ru-RU" sz="1300" kern="1200"/>
+            <a:t>Создать локальную базу данных ROOM</a:t>
+          </a:r>
+          <a:endParaRPr lang="en-US" sz="1300" kern="1200"/>
+        </a:p>
+      </dsp:txBody>
+      <dsp:txXfrm>
+        <a:off x="1032777" y="1068746"/>
+        <a:ext cx="5986418" cy="436113"/>
+      </dsp:txXfrm>
+    </dsp:sp>
+    <dsp:sp modelId="{29DE4316-1D6C-42C2-8287-B8F0E73FA47A}">
+      <dsp:nvSpPr>
+        <dsp:cNvPr id="0" name=""/>
+        <dsp:cNvSpPr/>
+      </dsp:nvSpPr>
+      <dsp:spPr>
+        <a:xfrm>
+          <a:off x="1528814" y="1582768"/>
+          <a:ext cx="6824271" cy="463249"/>
+        </a:xfrm>
+        <a:prstGeom prst="roundRect">
+          <a:avLst>
+            <a:gd name="adj" fmla="val 10000"/>
+          </a:avLst>
+        </a:prstGeom>
+        <a:solidFill>
+          <a:schemeClr val="accent1">
+            <a:hueOff val="0"/>
+            <a:satOff val="0"/>
+            <a:lumOff val="0"/>
+            <a:alphaOff val="0"/>
+          </a:schemeClr>
+        </a:solidFill>
+        <a:ln w="12700" cap="flat" cmpd="sng" algn="ctr">
+          <a:solidFill>
+            <a:schemeClr val="lt1">
+              <a:hueOff val="0"/>
+              <a:satOff val="0"/>
+              <a:lumOff val="0"/>
+              <a:alphaOff val="0"/>
+            </a:schemeClr>
+          </a:solidFill>
+          <a:prstDash val="solid"/>
+        </a:ln>
+        <a:effectLst/>
+      </dsp:spPr>
+      <dsp:style>
+        <a:lnRef idx="2">
+          <a:scrgbClr r="0" g="0" b="0"/>
+        </a:lnRef>
+        <a:fillRef idx="1">
+          <a:scrgbClr r="0" g="0" b="0"/>
+        </a:fillRef>
+        <a:effectRef idx="0">
+          <a:scrgbClr r="0" g="0" b="0"/>
+        </a:effectRef>
+        <a:fontRef idx="minor">
+          <a:schemeClr val="lt1"/>
+        </a:fontRef>
+      </dsp:style>
+      <dsp:txBody>
+        <a:bodyPr spcFirstLastPara="0" vert="horz" wrap="square" lIns="49530" tIns="49530" rIns="49530" bIns="49530" numCol="1" spcCol="1270" anchor="ctr" anchorCtr="0">
+          <a:noAutofit/>
+        </a:bodyPr>
+        <a:lstStyle/>
+        <a:p>
+          <a:pPr marL="0" lvl="0" indent="0" algn="l" defTabSz="577850">
+            <a:lnSpc>
+              <a:spcPct val="90000"/>
+            </a:lnSpc>
+            <a:spcBef>
+              <a:spcPct val="0"/>
+            </a:spcBef>
+            <a:spcAft>
+              <a:spcPct val="35000"/>
+            </a:spcAft>
+            <a:buNone/>
+          </a:pPr>
+          <a:r>
+            <a:rPr lang="ru-RU" sz="1300" kern="1200"/>
+            <a:t>Реализовать функционал для работы со студентами и преподавтелями</a:t>
+          </a:r>
+          <a:endParaRPr lang="en-US" sz="1300" kern="1200"/>
+        </a:p>
+      </dsp:txBody>
+      <dsp:txXfrm>
+        <a:off x="1542382" y="1596336"/>
+        <a:ext cx="5986418" cy="436113"/>
+      </dsp:txXfrm>
+    </dsp:sp>
+    <dsp:sp modelId="{8C0491B4-584E-4A50-95BA-19BEBA5DBB07}">
+      <dsp:nvSpPr>
+        <dsp:cNvPr id="0" name=""/>
+        <dsp:cNvSpPr/>
+      </dsp:nvSpPr>
+      <dsp:spPr>
+        <a:xfrm>
+          <a:off x="2038418" y="2110357"/>
+          <a:ext cx="6824271" cy="463249"/>
+        </a:xfrm>
+        <a:prstGeom prst="roundRect">
+          <a:avLst>
+            <a:gd name="adj" fmla="val 10000"/>
+          </a:avLst>
+        </a:prstGeom>
+        <a:solidFill>
+          <a:schemeClr val="accent1">
+            <a:hueOff val="0"/>
+            <a:satOff val="0"/>
+            <a:lumOff val="0"/>
+            <a:alphaOff val="0"/>
+          </a:schemeClr>
+        </a:solidFill>
+        <a:ln w="12700" cap="flat" cmpd="sng" algn="ctr">
+          <a:solidFill>
+            <a:schemeClr val="lt1">
+              <a:hueOff val="0"/>
+              <a:satOff val="0"/>
+              <a:lumOff val="0"/>
+              <a:alphaOff val="0"/>
+            </a:schemeClr>
+          </a:solidFill>
+          <a:prstDash val="solid"/>
+        </a:ln>
+        <a:effectLst/>
+      </dsp:spPr>
+      <dsp:style>
+        <a:lnRef idx="2">
+          <a:scrgbClr r="0" g="0" b="0"/>
+        </a:lnRef>
+        <a:fillRef idx="1">
+          <a:scrgbClr r="0" g="0" b="0"/>
+        </a:fillRef>
+        <a:effectRef idx="0">
+          <a:scrgbClr r="0" g="0" b="0"/>
+        </a:effectRef>
+        <a:fontRef idx="minor">
+          <a:schemeClr val="lt1"/>
+        </a:fontRef>
+      </dsp:style>
+      <dsp:txBody>
+        <a:bodyPr spcFirstLastPara="0" vert="horz" wrap="square" lIns="49530" tIns="49530" rIns="49530" bIns="49530" numCol="1" spcCol="1270" anchor="ctr" anchorCtr="0">
+          <a:noAutofit/>
+        </a:bodyPr>
+        <a:lstStyle/>
+        <a:p>
+          <a:pPr marL="0" lvl="0" indent="0" algn="l" defTabSz="577850">
+            <a:lnSpc>
+              <a:spcPct val="90000"/>
+            </a:lnSpc>
+            <a:spcBef>
+              <a:spcPct val="0"/>
+            </a:spcBef>
+            <a:spcAft>
+              <a:spcPct val="35000"/>
+            </a:spcAft>
+            <a:buNone/>
+          </a:pPr>
+          <a:r>
+            <a:rPr lang="ru-RU" sz="1300" kern="1200"/>
+            <a:t>Реализовать удобную навигацию</a:t>
+          </a:r>
+          <a:endParaRPr lang="en-US" sz="1300" kern="1200"/>
+        </a:p>
+      </dsp:txBody>
+      <dsp:txXfrm>
+        <a:off x="2051986" y="2123925"/>
+        <a:ext cx="5986418" cy="436113"/>
+      </dsp:txXfrm>
+    </dsp:sp>
+    <dsp:sp modelId="{DA6827C9-2A15-423E-869D-95313840E39D}">
+      <dsp:nvSpPr>
+        <dsp:cNvPr id="0" name=""/>
+        <dsp:cNvSpPr/>
+      </dsp:nvSpPr>
+      <dsp:spPr>
+        <a:xfrm>
+          <a:off x="6523159" y="338429"/>
+          <a:ext cx="301112" cy="301112"/>
+        </a:xfrm>
+        <a:prstGeom prst="downArrow">
+          <a:avLst>
+            <a:gd name="adj1" fmla="val 55000"/>
+            <a:gd name="adj2" fmla="val 45000"/>
+          </a:avLst>
+        </a:prstGeom>
+        <a:solidFill>
+          <a:schemeClr val="accent1">
+            <a:alpha val="90000"/>
+            <a:tint val="40000"/>
+            <a:hueOff val="0"/>
+            <a:satOff val="0"/>
+            <a:lumOff val="0"/>
+            <a:alphaOff val="0"/>
+          </a:schemeClr>
+        </a:solidFill>
+        <a:ln w="12700" cap="flat" cmpd="sng" algn="ctr">
+          <a:solidFill>
+            <a:schemeClr val="accent1">
+              <a:alpha val="90000"/>
+              <a:tint val="40000"/>
+              <a:hueOff val="0"/>
+              <a:satOff val="0"/>
+              <a:lumOff val="0"/>
+              <a:alphaOff val="0"/>
+            </a:schemeClr>
+          </a:solidFill>
+          <a:prstDash val="solid"/>
+        </a:ln>
+        <a:effectLst/>
+      </dsp:spPr>
+      <dsp:style>
+        <a:lnRef idx="2">
+          <a:scrgbClr r="0" g="0" b="0"/>
+        </a:lnRef>
+        <a:fillRef idx="1">
+          <a:scrgbClr r="0" g="0" b="0"/>
+        </a:fillRef>
+        <a:effectRef idx="0">
+          <a:scrgbClr r="0" g="0" b="0"/>
+        </a:effectRef>
+        <a:fontRef idx="minor"/>
+      </dsp:style>
+      <dsp:txBody>
+        <a:bodyPr spcFirstLastPara="0" vert="horz" wrap="square" lIns="17780" tIns="17780" rIns="17780" bIns="17780" numCol="1" spcCol="1270" anchor="ctr" anchorCtr="0">
+          <a:noAutofit/>
+        </a:bodyPr>
+        <a:lstStyle/>
+        <a:p>
+          <a:pPr marL="0" lvl="0" indent="0" algn="ctr" defTabSz="622300">
+            <a:lnSpc>
+              <a:spcPct val="90000"/>
+            </a:lnSpc>
+            <a:spcBef>
+              <a:spcPct val="0"/>
+            </a:spcBef>
+            <a:spcAft>
+              <a:spcPct val="35000"/>
+            </a:spcAft>
+            <a:buNone/>
+          </a:pPr>
+          <a:endParaRPr lang="en-US" sz="1400" kern="1200"/>
+        </a:p>
+      </dsp:txBody>
+      <dsp:txXfrm>
+        <a:off x="6590909" y="338429"/>
+        <a:ext cx="165612" cy="226587"/>
+      </dsp:txXfrm>
+    </dsp:sp>
+    <dsp:sp modelId="{8A119F19-1BDE-4412-83C4-E49C42ABBCA3}">
+      <dsp:nvSpPr>
+        <dsp:cNvPr id="0" name=""/>
+        <dsp:cNvSpPr/>
+      </dsp:nvSpPr>
+      <dsp:spPr>
+        <a:xfrm>
+          <a:off x="7032763" y="866018"/>
+          <a:ext cx="301112" cy="301112"/>
+        </a:xfrm>
+        <a:prstGeom prst="downArrow">
+          <a:avLst>
+            <a:gd name="adj1" fmla="val 55000"/>
+            <a:gd name="adj2" fmla="val 45000"/>
+          </a:avLst>
+        </a:prstGeom>
+        <a:solidFill>
+          <a:schemeClr val="accent1">
+            <a:alpha val="90000"/>
+            <a:tint val="40000"/>
+            <a:hueOff val="0"/>
+            <a:satOff val="0"/>
+            <a:lumOff val="0"/>
+            <a:alphaOff val="0"/>
+          </a:schemeClr>
+        </a:solidFill>
+        <a:ln w="12700" cap="flat" cmpd="sng" algn="ctr">
+          <a:solidFill>
+            <a:schemeClr val="accent1">
+              <a:alpha val="90000"/>
+              <a:tint val="40000"/>
+              <a:hueOff val="0"/>
+              <a:satOff val="0"/>
+              <a:lumOff val="0"/>
+              <a:alphaOff val="0"/>
+            </a:schemeClr>
+          </a:solidFill>
+          <a:prstDash val="solid"/>
+        </a:ln>
+        <a:effectLst/>
+      </dsp:spPr>
+      <dsp:style>
+        <a:lnRef idx="2">
+          <a:scrgbClr r="0" g="0" b="0"/>
+        </a:lnRef>
+        <a:fillRef idx="1">
+          <a:scrgbClr r="0" g="0" b="0"/>
+        </a:fillRef>
+        <a:effectRef idx="0">
+          <a:scrgbClr r="0" g="0" b="0"/>
+        </a:effectRef>
+        <a:fontRef idx="minor"/>
+      </dsp:style>
+      <dsp:txBody>
+        <a:bodyPr spcFirstLastPara="0" vert="horz" wrap="square" lIns="17780" tIns="17780" rIns="17780" bIns="17780" numCol="1" spcCol="1270" anchor="ctr" anchorCtr="0">
+          <a:noAutofit/>
+        </a:bodyPr>
+        <a:lstStyle/>
+        <a:p>
+          <a:pPr marL="0" lvl="0" indent="0" algn="ctr" defTabSz="622300">
+            <a:lnSpc>
+              <a:spcPct val="90000"/>
+            </a:lnSpc>
+            <a:spcBef>
+              <a:spcPct val="0"/>
+            </a:spcBef>
+            <a:spcAft>
+              <a:spcPct val="35000"/>
+            </a:spcAft>
+            <a:buNone/>
+          </a:pPr>
+          <a:endParaRPr lang="en-US" sz="1400" kern="1200"/>
+        </a:p>
+      </dsp:txBody>
+      <dsp:txXfrm>
+        <a:off x="7100513" y="866018"/>
+        <a:ext cx="165612" cy="226587"/>
+      </dsp:txXfrm>
+    </dsp:sp>
+    <dsp:sp modelId="{FA58976A-9BE6-4240-9F19-9F56A6868EFD}">
+      <dsp:nvSpPr>
+        <dsp:cNvPr id="0" name=""/>
+        <dsp:cNvSpPr/>
+      </dsp:nvSpPr>
+      <dsp:spPr>
+        <a:xfrm>
+          <a:off x="7542368" y="1385887"/>
+          <a:ext cx="301112" cy="301112"/>
+        </a:xfrm>
+        <a:prstGeom prst="downArrow">
+          <a:avLst>
+            <a:gd name="adj1" fmla="val 55000"/>
+            <a:gd name="adj2" fmla="val 45000"/>
+          </a:avLst>
+        </a:prstGeom>
+        <a:solidFill>
+          <a:schemeClr val="accent1">
+            <a:alpha val="90000"/>
+            <a:tint val="40000"/>
+            <a:hueOff val="0"/>
+            <a:satOff val="0"/>
+            <a:lumOff val="0"/>
+            <a:alphaOff val="0"/>
+          </a:schemeClr>
+        </a:solidFill>
+        <a:ln w="12700" cap="flat" cmpd="sng" algn="ctr">
+          <a:solidFill>
+            <a:schemeClr val="accent1">
+              <a:alpha val="90000"/>
+              <a:tint val="40000"/>
+              <a:hueOff val="0"/>
+              <a:satOff val="0"/>
+              <a:lumOff val="0"/>
+              <a:alphaOff val="0"/>
+            </a:schemeClr>
+          </a:solidFill>
+          <a:prstDash val="solid"/>
+        </a:ln>
+        <a:effectLst/>
+      </dsp:spPr>
+      <dsp:style>
+        <a:lnRef idx="2">
+          <a:scrgbClr r="0" g="0" b="0"/>
+        </a:lnRef>
+        <a:fillRef idx="1">
+          <a:scrgbClr r="0" g="0" b="0"/>
+        </a:fillRef>
+        <a:effectRef idx="0">
+          <a:scrgbClr r="0" g="0" b="0"/>
+        </a:effectRef>
+        <a:fontRef idx="minor"/>
+      </dsp:style>
+      <dsp:txBody>
+        <a:bodyPr spcFirstLastPara="0" vert="horz" wrap="square" lIns="17780" tIns="17780" rIns="17780" bIns="17780" numCol="1" spcCol="1270" anchor="ctr" anchorCtr="0">
+          <a:noAutofit/>
+        </a:bodyPr>
+        <a:lstStyle/>
+        <a:p>
+          <a:pPr marL="0" lvl="0" indent="0" algn="ctr" defTabSz="622300">
+            <a:lnSpc>
+              <a:spcPct val="90000"/>
+            </a:lnSpc>
+            <a:spcBef>
+              <a:spcPct val="0"/>
+            </a:spcBef>
+            <a:spcAft>
+              <a:spcPct val="35000"/>
+            </a:spcAft>
+            <a:buNone/>
+          </a:pPr>
+          <a:endParaRPr lang="en-US" sz="1400" kern="1200"/>
+        </a:p>
+      </dsp:txBody>
+      <dsp:txXfrm>
+        <a:off x="7610118" y="1385887"/>
+        <a:ext cx="165612" cy="226587"/>
+      </dsp:txXfrm>
+    </dsp:sp>
+    <dsp:sp modelId="{3E15FE50-5F81-4884-92CC-DCD6C434F7BB}">
+      <dsp:nvSpPr>
+        <dsp:cNvPr id="0" name=""/>
+        <dsp:cNvSpPr/>
+      </dsp:nvSpPr>
+      <dsp:spPr>
+        <a:xfrm>
+          <a:off x="8051973" y="1918624"/>
+          <a:ext cx="301112" cy="301112"/>
+        </a:xfrm>
+        <a:prstGeom prst="downArrow">
+          <a:avLst>
+            <a:gd name="adj1" fmla="val 55000"/>
+            <a:gd name="adj2" fmla="val 45000"/>
+          </a:avLst>
+        </a:prstGeom>
+        <a:solidFill>
+          <a:schemeClr val="accent1">
+            <a:alpha val="90000"/>
+            <a:tint val="40000"/>
+            <a:hueOff val="0"/>
+            <a:satOff val="0"/>
+            <a:lumOff val="0"/>
+            <a:alphaOff val="0"/>
+          </a:schemeClr>
+        </a:solidFill>
+        <a:ln w="12700" cap="flat" cmpd="sng" algn="ctr">
+          <a:solidFill>
+            <a:schemeClr val="accent1">
+              <a:alpha val="90000"/>
+              <a:tint val="40000"/>
+              <a:hueOff val="0"/>
+              <a:satOff val="0"/>
+              <a:lumOff val="0"/>
+              <a:alphaOff val="0"/>
+            </a:schemeClr>
+          </a:solidFill>
+          <a:prstDash val="solid"/>
+        </a:ln>
+        <a:effectLst/>
+      </dsp:spPr>
+      <dsp:style>
+        <a:lnRef idx="2">
+          <a:scrgbClr r="0" g="0" b="0"/>
+        </a:lnRef>
+        <a:fillRef idx="1">
+          <a:scrgbClr r="0" g="0" b="0"/>
+        </a:fillRef>
+        <a:effectRef idx="0">
+          <a:scrgbClr r="0" g="0" b="0"/>
+        </a:effectRef>
+        <a:fontRef idx="minor"/>
+      </dsp:style>
+      <dsp:txBody>
+        <a:bodyPr spcFirstLastPara="0" vert="horz" wrap="square" lIns="17780" tIns="17780" rIns="17780" bIns="17780" numCol="1" spcCol="1270" anchor="ctr" anchorCtr="0">
+          <a:noAutofit/>
+        </a:bodyPr>
+        <a:lstStyle/>
+        <a:p>
+          <a:pPr marL="0" lvl="0" indent="0" algn="ctr" defTabSz="622300">
+            <a:lnSpc>
+              <a:spcPct val="90000"/>
+            </a:lnSpc>
+            <a:spcBef>
+              <a:spcPct val="0"/>
+            </a:spcBef>
+            <a:spcAft>
+              <a:spcPct val="35000"/>
+            </a:spcAft>
+            <a:buNone/>
+          </a:pPr>
+          <a:endParaRPr lang="en-US" sz="1400" kern="1200"/>
+        </a:p>
+      </dsp:txBody>
+      <dsp:txXfrm>
+        <a:off x="8119723" y="1918624"/>
+        <a:ext cx="165612" cy="226587"/>
+      </dsp:txXfrm>
+    </dsp:sp>
+  </dsp:spTree>
+</dsp:drawing>
+</file>
+
+<file path=ppt/diagrams/layout1.xml><?xml version="1.0" encoding="utf-8"?>
+<dgm:layoutDef xmlns:dgm="http://schemas.openxmlformats.org/drawingml/2006/diagram" xmlns:a="http://schemas.openxmlformats.org/drawingml/2006/main" uniqueId="urn:microsoft.com/office/officeart/2005/8/layout/vProcess5">
+  <dgm:title val=""/>
+  <dgm:desc val=""/>
+  <dgm:catLst>
+    <dgm:cat type="process" pri="14000"/>
+  </dgm:catLst>
+  <dgm:sampData>
+    <dgm:dataModel>
+      <dgm:ptLst>
+        <dgm:pt modelId="0" type="doc"/>
+        <dgm:pt modelId="1">
+          <dgm:prSet phldr="1"/>
+        </dgm:pt>
+        <dgm:pt modelId="2">
+          <dgm:prSet phldr="1"/>
+        </dgm:pt>
+        <dgm:pt modelId="3">
+          <dgm:prSet phldr="1"/>
+        </dgm:pt>
+      </dgm:ptLst>
+      <dgm:cxnLst>
+        <dgm:cxn modelId="5" srcId="0" destId="1" srcOrd="0" destOrd="0"/>
+        <dgm:cxn modelId="6" srcId="0" destId="2" srcOrd="1" destOrd="0"/>
+        <dgm:cxn modelId="7" srcId="0" destId="3" srcOrd="2" destOrd="0"/>
+      </dgm:cxnLst>
+      <dgm:bg/>
+      <dgm:whole/>
+    </dgm:dataModel>
+  </dgm:sampData>
+  <dgm:styleData>
+    <dgm:dataModel>
+      <dgm:ptLst>
+        <dgm:pt modelId="0" type="doc"/>
+        <dgm:pt modelId="1"/>
+        <dgm:pt modelId="2"/>
+      </dgm:ptLst>
+      <dgm:cxnLst>
+        <dgm:cxn modelId="3" srcId="0" destId="1" srcOrd="0" destOrd="0"/>
+        <dgm:cxn modelId="4" srcId="0" destId="2" srcOrd="1" destOrd="0"/>
+      </dgm:cxnLst>
+      <dgm:bg/>
+      <dgm:whole/>
+    </dgm:dataModel>
+  </dgm:styleData>
+  <dgm:clrData>
+    <dgm:dataModel>
+      <dgm:ptLst>
+        <dgm:pt modelId="0" type="doc"/>
+        <dgm:pt modelId="1"/>
+        <dgm:pt modelId="2"/>
+        <dgm:pt modelId="3"/>
+        <dgm:pt modelId="4"/>
+      </dgm:ptLst>
+      <dgm:cxnLst>
+        <dgm:cxn modelId="6" srcId="0" destId="1" srcOrd="0" destOrd="0"/>
+        <dgm:cxn modelId="7" srcId="0" destId="2" srcOrd="1" destOrd="0"/>
+        <dgm:cxn modelId="8" srcId="0" destId="3" srcOrd="2" destOrd="0"/>
+        <dgm:cxn modelId="9" srcId="0" destId="4" srcOrd="3" destOrd="0"/>
+      </dgm:cxnLst>
+      <dgm:bg/>
+      <dgm:whole/>
+    </dgm:dataModel>
+  </dgm:clrData>
+  <dgm:layoutNode name="outerComposite">
+    <dgm:varLst>
+      <dgm:chMax val="5"/>
+      <dgm:dir/>
+      <dgm:resizeHandles val="exact"/>
+    </dgm:varLst>
+    <dgm:alg type="composite"/>
+    <dgm:shape xmlns:r="http://schemas.openxmlformats.org/officeDocument/2006/relationships" r:blip="">
+      <dgm:adjLst/>
+    </dgm:shape>
+    <dgm:presOf/>
+    <dgm:choose name="Name0">
+      <dgm:if name="Name1" func="var" arg="dir" op="equ" val="norm">
+        <dgm:constrLst>
+          <dgm:constr type="primFontSz" for="ch" ptType="node" op="equ" val="65"/>
+          <dgm:constr type="w" for="ch" forName="dummyMaxCanvas" refType="w"/>
+          <dgm:constr type="h" for="ch" forName="dummyMaxCanvas" refType="h"/>
+          <dgm:constr type="w" for="ch" forName="OneNode_1" refType="w"/>
+          <dgm:constr type="h" for="ch" forName="OneNode_1" refType="h" fact="0.5"/>
+          <dgm:constr type="ctrY" for="ch" forName="OneNode_1" refType="h" fact="0.5"/>
+          <dgm:constr type="w" for="ch" forName="TwoNodes_1" refType="w" fact="0.85"/>
+          <dgm:constr type="h" for="ch" forName="TwoNodes_1" refType="h" fact="0.45"/>
+          <dgm:constr type="t" for="ch" forName="TwoNodes_1"/>
+          <dgm:constr type="l" for="ch" forName="TwoNodes_1"/>
+          <dgm:constr type="w" for="ch" forName="TwoNodes_2" refType="w" fact="0.85"/>
+          <dgm:constr type="h" for="ch" forName="TwoNodes_2" refType="h" fact="0.45"/>
+          <dgm:constr type="b" for="ch" forName="TwoNodes_2" refType="h"/>
+          <dgm:constr type="r" for="ch" forName="TwoNodes_2" refType="w"/>
+          <dgm:constr type="w" for="ch" forName="TwoConn_1-2" refType="h" refFor="ch" refForName="TwoNodes_1" fact="0.65"/>
+          <dgm:constr type="h" for="ch" forName="TwoConn_1-2" refType="h" refFor="ch" refForName="TwoNodes_1" fact="0.65"/>
+          <dgm:constr type="ctrY" for="ch" forName="TwoConn_1-2" refType="h" fact="0.5"/>
+          <dgm:constr type="r" for="ch" forName="TwoConn_1-2" refType="r" refFor="ch" refForName="TwoNodes_1"/>
+          <dgm:constr type="r" for="ch" forName="TwoNodes_1_text" refType="l" refFor="ch" refForName="TwoConn_1-2"/>
+          <dgm:constr type="rOff" for="ch" forName="TwoNodes_1_text" refType="w" refFor="ch" refForName="TwoConn_1-2" fact="-0.5"/>
+          <dgm:constr type="t" for="ch" forName="TwoNodes_1_text" refType="t" refFor="ch" refForName="TwoNodes_1"/>
+          <dgm:constr type="b" for="ch" forName="TwoNodes_1_text" refType="b" refFor="ch" refForName="TwoNodes_1"/>
+          <dgm:constr type="l" for="ch" forName="TwoNodes_1_text" refType="l" refFor="ch" refForName="TwoNodes_1"/>
+          <dgm:constr type="r" for="ch" forName="TwoNodes_2_text" refType="l" refFor="ch" refForName="TwoConn_1-2"/>
+          <dgm:constr type="t" for="ch" forName="TwoNodes_2_text" refType="t" refFor="ch" refForName="TwoNodes_2"/>
+          <dgm:constr type="b" for="ch" forName="TwoNodes_2_text" refType="b" refFor="ch" refForName="TwoNodes_2"/>
+          <dgm:constr type="l" for="ch" forName="TwoNodes_2_text" refType="l" refFor="ch" refForName="TwoNodes_2"/>
+          <dgm:constr type="w" for="ch" forName="ThreeNodes_1" refType="w" fact="0.85"/>
+          <dgm:constr type="h" for="ch" forName="ThreeNodes_1" refType="h" fact="0.3"/>
+          <dgm:constr type="t" for="ch" forName="ThreeNodes_1"/>
+          <dgm:constr type="l" for="ch" forName="ThreeNodes_1"/>
+          <dgm:constr type="w" for="ch" forName="ThreeNodes_2" refType="w" fact="0.85"/>
+          <dgm:constr type="h" for="ch" forName="ThreeNodes_2" refType="h" fact="0.3"/>
+          <dgm:constr type="ctrY" for="ch" forName="ThreeNodes_2" refType="h" fact="0.5"/>
+          <dgm:constr type="ctrX" for="ch" forName="ThreeNodes_2" refType="w" fact="0.5"/>
+          <dgm:constr type="w" for="ch" forName="ThreeNodes_3" refType="w" fact="0.85"/>
+          <dgm:constr type="h" for="ch" forName="ThreeNodes_3" refType="h" fact="0.3"/>
+          <dgm:constr type="b" for="ch" forName="ThreeNodes_3" refType="h"/>
+          <dgm:constr type="r" for="ch" forName="ThreeNodes_3" refType="w"/>
+          <dgm:constr type="w" for="ch" forName="ThreeConn_1-2" refType="h" refFor="ch" refForName="ThreeNodes_1" fact="0.65"/>
+          <dgm:constr type="h" for="ch" forName="ThreeConn_1-2" refType="h" refFor="ch" refForName="ThreeNodes_1" fact="0.65"/>
+          <dgm:constr type="ctrY" for="ch" forName="ThreeConn_1-2" refType="h" fact="0.325"/>
+          <dgm:constr type="r" for="ch" forName="ThreeConn_1-2" refType="r" refFor="ch" refForName="ThreeNodes_1"/>
+          <dgm:constr type="w" for="ch" forName="ThreeConn_2-3" refType="h" refFor="ch" refForName="ThreeNodes_2" fact="0.65"/>
+          <dgm:constr type="h" for="ch" forName="ThreeConn_2-3" refType="h" refFor="ch" refForName="ThreeNodes_2" fact="0.65"/>
+          <dgm:constr type="ctrY" for="ch" forName="ThreeConn_2-3" refType="h" fact="0.673"/>
+          <dgm:constr type="r" for="ch" forName="ThreeConn_2-3" refType="r" refFor="ch" refForName="ThreeNodes_2"/>
+          <dgm:constr type="r" for="ch" forName="ThreeNodes_1_text" refType="l" refFor="ch" refForName="ThreeConn_1-2"/>
+          <dgm:constr type="rOff" for="ch" forName="ThreeNodes_1_text" refType="w" refFor="ch" refForName="ThreeConn_1-2" fact="-0.57"/>
+          <dgm:constr type="t" for="ch" forName="ThreeNodes_1_text" refType="t" refFor="ch" refForName="ThreeNodes_1"/>
+          <dgm:constr type="b" for="ch" forName="ThreeNodes_1_text" refType="b" refFor="ch" refForName="ThreeNodes_1"/>
+          <dgm:constr type="l" for="ch" forName="ThreeNodes_1_text" refType="l" refFor="ch" refForName="ThreeNodes_1"/>
+          <dgm:constr type="r" for="ch" forName="ThreeNodes_2_text" refType="l" refFor="ch" refForName="ThreeConn_1-2"/>
+          <dgm:constr type="t" for="ch" forName="ThreeNodes_2_text" refType="t" refFor="ch" refForName="ThreeNodes_2"/>
+          <dgm:constr type="b" for="ch" forName="ThreeNodes_2_text" refType="b" refFor="ch" refForName="ThreeNodes_2"/>
+          <dgm:constr type="l" for="ch" forName="ThreeNodes_2_text" refType="l" refFor="ch" refForName="ThreeNodes_2"/>
+          <dgm:constr type="r" for="ch" forName="ThreeNodes_3_text" refType="l" refFor="ch" refForName="ThreeConn_2-3"/>
+          <dgm:constr type="t" for="ch" forName="ThreeNodes_3_text" refType="t" refFor="ch" refForName="ThreeNodes_3"/>
+          <dgm:constr type="b" for="ch" forName="ThreeNodes_3_text" refType="b" refFor="ch" refForName="ThreeNodes_3"/>
+          <dgm:constr type="l" for="ch" forName="ThreeNodes_3_text" refType="l" refFor="ch" refForName="ThreeNodes_3"/>
+          <dgm:constr type="w" for="ch" forName="FourNodes_1" refType="w" fact="0.8"/>
+          <dgm:constr type="h" for="ch" forName="FourNodes_1" refType="h" fact="0.22"/>
+          <dgm:constr type="t" for="ch" forName="FourNodes_1"/>
+          <dgm:constr type="l" for="ch" forName="FourNodes_1"/>
+          <dgm:constr type="w" for="ch" forName="FourNodes_2" refType="w" fact="0.8"/>
+          <dgm:constr type="h" for="ch" forName="FourNodes_2" refType="h" fact="0.22"/>
+          <dgm:constr type="ctrY" for="ch" forName="FourNodes_2" refType="h" fact="0.37"/>
+          <dgm:constr type="ctrX" for="ch" forName="FourNodes_2" refType="w" fact="0.467"/>
+          <dgm:constr type="w" for="ch" forName="FourNodes_3" refType="w" fact="0.8"/>
+          <dgm:constr type="h" for="ch" forName="FourNodes_3" refType="h" fact="0.22"/>
+          <dgm:constr type="ctrY" for="ch" forName="FourNodes_3" refType="h" fact="0.63"/>
+          <dgm:constr type="ctrX" for="ch" forName="FourNodes_3" refType="w" fact="0.533"/>
+          <dgm:constr type="w" for="ch" forName="FourNodes_4" refType="w" fact="0.8"/>
+          <dgm:constr type="h" for="ch" forName="FourNodes_4" refType="h" fact="0.22"/>
+          <dgm:constr type="b" for="ch" forName="FourNodes_4" refType="h"/>
+          <dgm:constr type="r" for="ch" forName="FourNodes_4" refType="w"/>
+          <dgm:constr type="w" for="ch" forName="FourConn_1-2" refType="h" refFor="ch" refForName="FourNodes_1" fact="0.65"/>
+          <dgm:constr type="h" for="ch" forName="FourConn_1-2" refType="h" refFor="ch" refForName="FourNodes_1" fact="0.65"/>
+          <dgm:constr type="ctrY" for="ch" forName="FourConn_1-2" refType="h" fact="0.24"/>
+          <dgm:constr type="r" for="ch" forName="FourConn_1-2" refType="r" refFor="ch" refForName="FourNodes_1"/>
+          <dgm:constr type="w" for="ch" forName="FourConn_2-3" refType="h" refFor="ch" refForName="FourNodes_2" fact="0.65"/>
+          <dgm:constr type="h" for="ch" forName="FourConn_2-3" refType="h" refFor="ch" refForName="FourNodes_2" fact="0.65"/>
+          <dgm:constr type="ctrY" for="ch" forName="FourConn_2-3" refType="h" fact="0.5"/>
+          <dgm:constr type="r" for="ch" forName="FourConn_2-3" refType="r" refFor="ch" refForName="FourNodes_2"/>
+          <dgm:constr type="w" for="ch" forName="FourConn_3-4" refType="h" refFor="ch" refForName="FourNodes_3" fact="0.65"/>
+          <dgm:constr type="h" for="ch" forName="FourConn_3-4" refType="h" refFor="ch" refForName="FourNodes_3" fact="0.65"/>
+          <dgm:constr type="ctrY" for="ch" forName="FourConn_3-4" refType="h" fact="0.76"/>
+          <dgm:constr type="r" for="ch" forName="FourConn_3-4" refType="r" refFor="ch" refForName="FourNodes_3"/>
+          <dgm:constr type="r" for="ch" forName="FourNodes_1_text" refType="l" refFor="ch" refForName="FourConn_1-2"/>
+          <dgm:constr type="rOff" for="ch" forName="FourNodes_1_text" refType="w" refFor="ch" refForName="FourConn_1-2" fact="-0.7"/>
+          <dgm:constr type="t" for="ch" forName="FourNodes_1_text" refType="t" refFor="ch" refForName="FourNodes_1"/>
+          <dgm:constr type="b" for="ch" forName="FourNodes_1_text" refType="b" refFor="ch" refForName="FourNodes_1"/>
+          <dgm:constr type="l" for="ch" forName="FourNodes_1_text" refType="l" refFor="ch" refForName="FourNodes_1"/>
+          <dgm:constr type="r" for="ch" forName="FourNodes_2_text" refType="l" refFor="ch" refForName="FourConn_1-2"/>
+          <dgm:constr type="t" for="ch" forName="FourNodes_2_text" refType="t" refFor="ch" refForName="FourNodes_2"/>
+          <dgm:constr type="b" for="ch" forName="FourNodes_2_text" refType="b" refFor="ch" refForName="FourNodes_2"/>
+          <dgm:constr type="l" for="ch" forName="FourNodes_2_text" refType="l" refFor="ch" refForName="FourNodes_2"/>
+          <dgm:constr type="r" for="ch" forName="FourNodes_3_text" refType="l" refFor="ch" refForName="FourConn_2-3"/>
+          <dgm:constr type="t" for="ch" forName="FourNodes_3_text" refType="t" refFor="ch" refForName="FourNodes_3"/>
+          <dgm:constr type="b" for="ch" forName="FourNodes_3_text" refType="b" refFor="ch" refForName="FourNodes_3"/>
+          <dgm:constr type="l" for="ch" forName="FourNodes_3_text" refType="l" refFor="ch" refForName="FourNodes_3"/>
+          <dgm:constr type="r" for="ch" forName="FourNodes_4_text" refType="l" refFor="ch" refForName="FourConn_3-4"/>
+          <dgm:constr type="t" for="ch" forName="FourNodes_4_text" refType="t" refFor="ch" refForName="FourNodes_4"/>
+          <dgm:constr type="b" for="ch" forName="FourNodes_4_text" refType="b" refFor="ch" refForName="FourNodes_4"/>
+          <dgm:constr type="l" for="ch" forName="FourNodes_4_text" refType="l" refFor="ch" refForName="FourNodes_4"/>
+          <dgm:constr type="w" for="ch" forName="FiveNodes_1" refType="w" fact="0.77"/>
+          <dgm:constr type="h" for="ch" forName="FiveNodes_1" refType="h" fact="0.18"/>
+          <dgm:constr type="t" for="ch" forName="FiveNodes_1"/>
+          <dgm:constr type="l" for="ch" forName="FiveNodes_1"/>
+          <dgm:constr type="w" for="ch" forName="FiveNodes_2" refType="w" fact="0.77"/>
+          <dgm:constr type="h" for="ch" forName="FiveNodes_2" refType="h" fact="0.18"/>
+          <dgm:constr type="ctrY" for="ch" forName="FiveNodes_2" refType="h" fact="0.295"/>
+          <dgm:constr type="ctrX" for="ch" forName="FiveNodes_2" refType="w" fact="0.4425"/>
+          <dgm:constr type="w" for="ch" forName="FiveNodes_3" refType="w" fact="0.77"/>
+          <dgm:constr type="h" for="ch" forName="FiveNodes_3" refType="h" fact="0.18"/>
+          <dgm:constr type="ctrY" for="ch" forName="FiveNodes_3" refType="h" fact="0.5"/>
+          <dgm:constr type="ctrX" for="ch" forName="FiveNodes_3" refType="w" fact="0.5"/>
+          <dgm:constr type="w" for="ch" forName="FiveNodes_4" refType="w" fact="0.77"/>
+          <dgm:constr type="h" for="ch" forName="FiveNodes_4" refType="h" fact="0.18"/>
+          <dgm:constr type="ctrY" for="ch" forName="FiveNodes_4" refType="h" fact="0.705"/>
+          <dgm:constr type="ctrX" for="ch" forName="FiveNodes_4" refType="w" fact="0.5575"/>
+          <dgm:constr type="w" for="ch" forName="FiveNodes_5" refType="w" fact="0.77"/>
+          <dgm:constr type="h" for="ch" forName="FiveNodes_5" refType="h" fact="0.18"/>
+          <dgm:constr type="b" for="ch" forName="FiveNodes_5" refType="h"/>
+          <dgm:constr type="r" for="ch" forName="FiveNodes_5" refType="w"/>
+          <dgm:constr type="w" for="ch" forName="FiveConn_1-2" refType="h" refFor="ch" refForName="FiveNodes_1" fact="0.65"/>
+          <dgm:constr type="h" for="ch" forName="FiveConn_1-2" refType="h" refFor="ch" refForName="FiveNodes_1" fact="0.65"/>
+          <dgm:constr type="ctrY" for="ch" forName="FiveConn_1-2" refType="h" fact="0.19"/>
+          <dgm:constr type="r" for="ch" forName="FiveConn_1-2" refType="r" refFor="ch" refForName="FiveNodes_1"/>
+          <dgm:constr type="w" for="ch" forName="FiveConn_2-3" refType="h" refFor="ch" refForName="FiveNodes_2" fact="0.65"/>
+          <dgm:constr type="h" for="ch" forName="FiveConn_2-3" refType="h" refFor="ch" refForName="FiveNodes_2" fact="0.65"/>
+          <dgm:constr type="ctrY" for="ch" forName="FiveConn_2-3" refType="h" fact="0.395"/>
+          <dgm:constr type="r" for="ch" forName="FiveConn_2-3" refType="r" refFor="ch" refForName="FiveNodes_2"/>
+          <dgm:constr type="w" for="ch" forName="FiveConn_3-4" refType="h" refFor="ch" refForName="FiveNodes_3" fact="0.65"/>
+          <dgm:constr type="h" for="ch" forName="FiveConn_3-4" refType="h" refFor="ch" refForName="FiveNodes_3" fact="0.65"/>
+          <dgm:constr type="ctrY" for="ch" forName="FiveConn_3-4" refType="h" fact="0.597"/>
+          <dgm:constr type="r" for="ch" forName="FiveConn_3-4" refType="r" refFor="ch" refForName="FiveNodes_3"/>
+          <dgm:constr type="w" for="ch" forName="FiveConn_4-5" refType="h" refFor="ch" refForName="FiveNodes_4" fact="0.65"/>
+          <dgm:constr type="h" for="ch" forName="FiveConn_4-5" refType="h" refFor="ch" refForName="FiveNodes_4" fact="0.65"/>
+          <dgm:constr type="ctrY" for="ch" forName="FiveConn_4-5" refType="h" fact="0.804"/>
+          <dgm:constr type="r" for="ch" forName="FiveConn_4-5" refType="r" refFor="ch" refForName="FiveNodes_4"/>
+          <dgm:constr type="r" for="ch" forName="FiveNodes_1_text" refType="l" refFor="ch" refForName="FiveConn_1-2"/>
+          <dgm:constr type="rOff" for="ch" forName="FiveNodes_1_text" refType="w" refFor="ch" refForName="FiveConn_1-2" fact="-0.75"/>
+          <dgm:constr type="t" for="ch" forName="FiveNodes_1_text" refType="t" refFor="ch" refForName="FiveNodes_1"/>
+          <dgm:constr type="b" for="ch" forName="FiveNodes_1_text" refType="b" refFor="ch" refForName="FiveNodes_1"/>
+          <dgm:constr type="l" for="ch" forName="FiveNodes_1_text" refType="l" refFor="ch" refForName="FiveNodes_1"/>
+          <dgm:constr type="r" for="ch" forName="FiveNodes_2_text" refType="l" refFor="ch" refForName="FiveConn_1-2"/>
+          <dgm:constr type="t" for="ch" forName="FiveNodes_2_text" refType="t" refFor="ch" refForName="FiveNodes_2"/>
+          <dgm:constr type="b" for="ch" forName="FiveNodes_2_text" refType="b" refFor="ch" refForName="FiveNodes_2"/>
+          <dgm:constr type="l" for="ch" forName="FiveNodes_2_text" refType="l" refFor="ch" refForName="FiveNodes_2"/>
+          <dgm:constr type="r" for="ch" forName="FiveNodes_3_text" refType="l" refFor="ch" refForName="FiveConn_2-3"/>
+          <dgm:constr type="t" for="ch" forName="FiveNodes_3_text" refType="t" refFor="ch" refForName="FiveNodes_3"/>
+          <dgm:constr type="b" for="ch" forName="FiveNodes_3_text" refType="b" refFor="ch" refForName="FiveNodes_3"/>
+          <dgm:constr type="l" for="ch" forName="FiveNodes_3_text" refType="l" refFor="ch" refForName="FiveNodes_3"/>
+          <dgm:constr type="r" for="ch" forName="FiveNodes_4_text" refType="l" refFor="ch" refForName="FiveConn_3-4"/>
+          <dgm:constr type="t" for="ch" forName="FiveNodes_4_text" refType="t" refFor="ch" refForName="FiveNodes_4"/>
+          <dgm:constr type="b" for="ch" forName="FiveNodes_4_text" refType="b" refFor="ch" refForName="FiveNodes_4"/>
+          <dgm:constr type="l" for="ch" forName="FiveNodes_4_text" refType="l" refFor="ch" refForName="FiveNodes_4"/>
+          <dgm:constr type="r" for="ch" forName="FiveNodes_5_text" refType="l" refFor="ch" refForName="FiveConn_4-5"/>
+          <dgm:constr type="t" for="ch" forName="FiveNodes_5_text" refType="t" refFor="ch" refForName="FiveNodes_5"/>
+          <dgm:constr type="b" for="ch" forName="FiveNodes_5_text" refType="b" refFor="ch" refForName="FiveNodes_5"/>
+          <dgm:constr type="l" for="ch" forName="FiveNodes_5_text" refType="l" refFor="ch" refForName="FiveNodes_5"/>
+        </dgm:constrLst>
+      </dgm:if>
+      <dgm:else name="Name2">
+        <dgm:constrLst>
+          <dgm:constr type="primFontSz" for="ch" ptType="node" op="equ" val="65"/>
+          <dgm:constr type="w" for="ch" forName="dummyMaxCanvas" refType="w"/>
+          <dgm:constr type="h" for="ch" forName="dummyMaxCanvas" refType="h"/>
+          <dgm:constr type="w" for="ch" forName="OneNode_1" refType="w"/>
+          <dgm:constr type="h" for="ch" forName="OneNode_1" refType="h" fact="0.5"/>
+          <dgm:constr type="ctrY" for="ch" forName="OneNode_1" refType="h" fact="0.5"/>
+          <dgm:constr type="w" for="ch" forName="TwoNodes_1" refType="w" fact="0.85"/>
+          <dgm:constr type="h" for="ch" forName="TwoNodes_1" refType="h" fact="0.45"/>
+          <dgm:constr type="t" for="ch" forName="TwoNodes_1"/>
+          <dgm:constr type="r" for="ch" forName="TwoNodes_1" refType="w"/>
+          <dgm:constr type="w" for="ch" forName="TwoNodes_2" refType="w" fact="0.85"/>
+          <dgm:constr type="h" for="ch" forName="TwoNodes_2" refType="h" fact="0.45"/>
+          <dgm:constr type="b" for="ch" forName="TwoNodes_2" refType="h"/>
+          <dgm:constr type="l" for="ch" forName="TwoNodes_2"/>
+          <dgm:constr type="w" for="ch" forName="TwoConn_1-2" refType="h" refFor="ch" refForName="TwoNodes_1" fact="0.65"/>
+          <dgm:constr type="h" for="ch" forName="TwoConn_1-2" refType="h" refFor="ch" refForName="TwoNodes_1" fact="0.65"/>
+          <dgm:constr type="ctrY" for="ch" forName="TwoConn_1-2" refType="h" fact="0.5"/>
+          <dgm:constr type="l" for="ch" forName="TwoConn_1-2" refType="l" refFor="ch" refForName="TwoNodes_1"/>
+          <dgm:constr type="l" for="ch" forName="TwoNodes_1_text" refType="r" refFor="ch" refForName="TwoConn_1-2"/>
+          <dgm:constr type="lOff" for="ch" forName="TwoNodes_1_text" refType="w" refFor="ch" refForName="TwoConn_1-2" fact="0.5"/>
+          <dgm:constr type="t" for="ch" forName="TwoNodes_1_text" refType="t" refFor="ch" refForName="TwoNodes_1"/>
+          <dgm:constr type="b" for="ch" forName="TwoNodes_1_text" refType="b" refFor="ch" refForName="TwoNodes_1"/>
+          <dgm:constr type="r" for="ch" forName="TwoNodes_1_text" refType="r" refFor="ch" refForName="TwoNodes_1"/>
+          <dgm:constr type="l" for="ch" forName="TwoNodes_2_text" refType="r" refFor="ch" refForName="TwoConn_1-2"/>
+          <dgm:constr type="t" for="ch" forName="TwoNodes_2_text" refType="t" refFor="ch" refForName="TwoNodes_2"/>
+          <dgm:constr type="b" for="ch" forName="TwoNodes_2_text" refType="b" refFor="ch" refForName="TwoNodes_2"/>
+          <dgm:constr type="r" for="ch" forName="TwoNodes_2_text" refType="r" refFor="ch" refForName="TwoNodes_2"/>
+          <dgm:constr type="w" for="ch" forName="ThreeNodes_1" refType="w" fact="0.85"/>
+          <dgm:constr type="h" for="ch" forName="ThreeNodes_1" refType="h" fact="0.3"/>
+          <dgm:constr type="t" for="ch" forName="ThreeNodes_1"/>
+          <dgm:constr type="r" for="ch" forName="ThreeNodes_1" refType="w"/>
+          <dgm:constr type="w" for="ch" forName="ThreeNodes_2" refType="w" fact="0.85"/>
+          <dgm:constr type="h" for="ch" forName="ThreeNodes_2" refType="h" fact="0.3"/>
+          <dgm:constr type="ctrY" for="ch" forName="ThreeNodes_2" refType="h" fact="0.5"/>
+          <dgm:constr type="ctrX" for="ch" forName="ThreeNodes_2" refType="w" fact="0.5"/>
+          <dgm:constr type="w" for="ch" forName="ThreeNodes_3" refType="w" fact="0.85"/>
+          <dgm:constr type="h" for="ch" forName="ThreeNodes_3" refType="h" fact="0.3"/>
+          <dgm:constr type="b" for="ch" forName="ThreeNodes_3" refType="h"/>
+          <dgm:constr type="l" for="ch" forName="ThreeNodes_3"/>
+          <dgm:constr type="w" for="ch" forName="ThreeConn_1-2" refType="h" refFor="ch" refForName="ThreeNodes_1" fact="0.65"/>
+          <dgm:constr type="h" for="ch" forName="ThreeConn_1-2" refType="h" refFor="ch" refForName="ThreeNodes_1" fact="0.65"/>
+          <dgm:constr type="ctrY" for="ch" forName="ThreeConn_1-2" refType="h" fact="0.325"/>
+          <dgm:constr type="l" for="ch" forName="ThreeConn_1-2" refType="l" refFor="ch" refForName="ThreeNodes_1"/>
+          <dgm:constr type="w" for="ch" forName="ThreeConn_2-3" refType="h" refFor="ch" refForName="ThreeNodes_2" fact="0.65"/>
+          <dgm:constr type="h" for="ch" forName="ThreeConn_2-3" refType="h" refFor="ch" refForName="ThreeNodes_2" fact="0.65"/>
+          <dgm:constr type="ctrY" for="ch" forName="ThreeConn_2-3" refType="h" fact="0.673"/>
+          <dgm:constr type="l" for="ch" forName="ThreeConn_2-3" refType="l" refFor="ch" refForName="ThreeNodes_2"/>
+          <dgm:constr type="l" for="ch" forName="ThreeNodes_1_text" refType="r" refFor="ch" refForName="ThreeConn_1-2"/>
+          <dgm:constr type="lOff" for="ch" forName="ThreeNodes_1_text" refType="w" refFor="ch" refForName="ThreeConn_1-2" fact="0.55"/>
+          <dgm:constr type="t" for="ch" forName="ThreeNodes_1_text" refType="t" refFor="ch" refForName="ThreeNodes_1"/>
+          <dgm:constr type="b" for="ch" forName="ThreeNodes_1_text" refType="b" refFor="ch" refForName="ThreeNodes_1"/>
+          <dgm:constr type="r" for="ch" forName="ThreeNodes_1_text" refType="r" refFor="ch" refForName="ThreeNodes_1"/>
+          <dgm:constr type="l" for="ch" forName="ThreeNodes_2_text" refType="r" refFor="ch" refForName="ThreeConn_1-2"/>
+          <dgm:constr type="t" for="ch" forName="ThreeNodes_2_text" refType="t" refFor="ch" refForName="ThreeNodes_2"/>
+          <dgm:constr type="b" for="ch" forName="ThreeNodes_2_text" refType="b" refFor="ch" refForName="ThreeNodes_2"/>
+          <dgm:constr type="r" for="ch" forName="ThreeNodes_2_text" refType="r" refFor="ch" refForName="ThreeNodes_2"/>
+          <dgm:constr type="l" for="ch" forName="ThreeNodes_3_text" refType="r" refFor="ch" refForName="ThreeConn_2-3"/>
+          <dgm:constr type="t" for="ch" forName="ThreeNodes_3_text" refType="t" refFor="ch" refForName="ThreeNodes_3"/>
+          <dgm:constr type="b" for="ch" forName="ThreeNodes_3_text" refType="b" refFor="ch" refForName="ThreeNodes_3"/>
+          <dgm:constr type="r" for="ch" forName="ThreeNodes_3_text" refType="r" refFor="ch" refForName="ThreeNodes_3"/>
+          <dgm:constr type="w" for="ch" forName="FourNodes_1" refType="w" fact="0.8"/>
+          <dgm:constr type="h" for="ch" forName="FourNodes_1" refType="h" fact="0.22"/>
+          <dgm:constr type="t" for="ch" forName="FourNodes_1"/>
+          <dgm:constr type="r" for="ch" forName="FourNodes_1" refType="w"/>
+          <dgm:constr type="w" for="ch" forName="FourNodes_2" refType="w" fact="0.8"/>
+          <dgm:constr type="h" for="ch" forName="FourNodes_2" refType="h" fact="0.22"/>
+          <dgm:constr type="ctrY" for="ch" forName="FourNodes_2" refType="h" fact="0.37"/>
+          <dgm:constr type="ctrX" for="ch" forName="FourNodes_2" refType="w" fact="0.533"/>
+          <dgm:constr type="w" for="ch" forName="FourNodes_3" refType="w" fact="0.8"/>
+          <dgm:constr type="h" for="ch" forName="FourNodes_3" refType="h" fact="0.22"/>
+          <dgm:constr type="ctrY" for="ch" forName="FourNodes_3" refType="h" fact="0.63"/>
+          <dgm:constr type="ctrX" for="ch" forName="FourNodes_3" refType="w" fact="0.467"/>
+          <dgm:constr type="w" for="ch" forName="FourNodes_4" refType="w" fact="0.8"/>
+          <dgm:constr type="h" for="ch" forName="FourNodes_4" refType="h" fact="0.22"/>
+          <dgm:constr type="b" for="ch" forName="FourNodes_4" refType="h"/>
+          <dgm:constr type="l" for="ch" forName="FourNodes_4"/>
+          <dgm:constr type="w" for="ch" forName="FourConn_1-2" refType="h" refFor="ch" refForName="FourNodes_1" fact="0.65"/>
+          <dgm:constr type="h" for="ch" forName="FourConn_1-2" refType="h" refFor="ch" refForName="FourNodes_1" fact="0.65"/>
+          <dgm:constr type="ctrY" for="ch" forName="FourConn_1-2" refType="h" fact="0.24"/>
+          <dgm:constr type="l" for="ch" forName="FourConn_1-2" refType="l" refFor="ch" refForName="FourNodes_1"/>
+          <dgm:constr type="w" for="ch" forName="FourConn_2-3" refType="h" refFor="ch" refForName="FourNodes_2" fact="0.65"/>
+          <dgm:constr type="h" for="ch" forName="FourConn_2-3" refType="h" refFor="ch" refForName="FourNodes_2" fact="0.65"/>
+          <dgm:constr type="ctrY" for="ch" forName="FourConn_2-3" refType="h" fact="0.5"/>
+          <dgm:constr type="l" for="ch" forName="FourConn_2-3" refType="l" refFor="ch" refForName="FourNodes_2"/>
+          <dgm:constr type="w" for="ch" forName="FourConn_3-4" refType="h" refFor="ch" refForName="FourNodes_3" fact="0.65"/>
+          <dgm:constr type="h" for="ch" forName="FourConn_3-4" refType="h" refFor="ch" refForName="FourNodes_3" fact="0.65"/>
+          <dgm:constr type="ctrY" for="ch" forName="FourConn_3-4" refType="h" fact="0.76"/>
+          <dgm:constr type="l" for="ch" forName="FourConn_3-4" refType="l" refFor="ch" refForName="FourNodes_3"/>
+          <dgm:constr type="l" for="ch" forName="FourNodes_1_text" refType="r" refFor="ch" refForName="FourConn_1-2"/>
+          <dgm:constr type="lOff" for="ch" forName="FourNodes_1_text" refType="w" refFor="ch" refForName="FourConn_1-2" fact="0.69"/>
+          <dgm:constr type="t" for="ch" forName="FourNodes_1_text" refType="t" refFor="ch" refForName="FourNodes_1"/>
+          <dgm:constr type="b" for="ch" forName="FourNodes_1_text" refType="b" refFor="ch" refForName="FourNodes_1"/>
+          <dgm:constr type="r" for="ch" forName="FourNodes_1_text" refType="r" refFor="ch" refForName="FourNodes_1"/>
+          <dgm:constr type="l" for="ch" forName="FourNodes_2_text" refType="r" refFor="ch" refForName="FourConn_1-2"/>
+          <dgm:constr type="t" for="ch" forName="FourNodes_2_text" refType="t" refFor="ch" refForName="FourNodes_2"/>
+          <dgm:constr type="b" for="ch" forName="FourNodes_2_text" refType="b" refFor="ch" refForName="FourNodes_2"/>
+          <dgm:constr type="r" for="ch" forName="FourNodes_2_text" refType="r" refFor="ch" refForName="FourNodes_2"/>
+          <dgm:constr type="l" for="ch" forName="FourNodes_3_text" refType="r" refFor="ch" refForName="FourConn_2-3"/>
+          <dgm:constr type="t" for="ch" forName="FourNodes_3_text" refType="t" refFor="ch" refForName="FourNodes_3"/>
+          <dgm:constr type="b" for="ch" forName="FourNodes_3_text" refType="b" refFor="ch" refForName="FourNodes_3"/>
+          <dgm:constr type="r" for="ch" forName="FourNodes_3_text" refType="r" refFor="ch" refForName="FourNodes_3"/>
+          <dgm:constr type="l" for="ch" forName="FourNodes_4_text" refType="r" refFor="ch" refForName="FourConn_3-4"/>
+          <dgm:constr type="t" for="ch" forName="FourNodes_4_text" refType="t" refFor="ch" refForName="FourNodes_4"/>
+          <dgm:constr type="b" for="ch" forName="FourNodes_4_text" refType="b" refFor="ch" refForName="FourNodes_4"/>
+          <dgm:constr type="r" for="ch" forName="FourNodes_4_text" refType="r" refFor="ch" refForName="FourNodes_4"/>
+          <dgm:constr type="w" for="ch" forName="FiveNodes_1" refType="w" fact="0.77"/>
+          <dgm:constr type="h" for="ch" forName="FiveNodes_1" refType="h" fact="0.18"/>
+          <dgm:constr type="t" for="ch" forName="FiveNodes_1"/>
+          <dgm:constr type="r" for="ch" forName="FiveNodes_1" refType="w"/>
+          <dgm:constr type="w" for="ch" forName="FiveNodes_2" refType="w" fact="0.77"/>
+          <dgm:constr type="h" for="ch" forName="FiveNodes_2" refType="h" fact="0.18"/>
+          <dgm:constr type="ctrY" for="ch" forName="FiveNodes_2" refType="h" fact="0.295"/>
+          <dgm:constr type="ctrX" for="ch" forName="FiveNodes_2" refType="w" fact="0.5575"/>
+          <dgm:constr type="w" for="ch" forName="FiveNodes_3" refType="w" fact="0.77"/>
+          <dgm:constr type="h" for="ch" forName="FiveNodes_3" refType="h" fact="0.18"/>
+          <dgm:constr type="ctrY" for="ch" forName="FiveNodes_3" refType="h" fact="0.5"/>
+          <dgm:constr type="ctrX" for="ch" forName="FiveNodes_3" refType="w" fact="0.5"/>
+          <dgm:constr type="w" for="ch" forName="FiveNodes_4" refType="w" fact="0.77"/>
+          <dgm:constr type="h" for="ch" forName="FiveNodes_4" refType="h" fact="0.18"/>
+          <dgm:constr type="ctrY" for="ch" forName="FiveNodes_4" refType="h" fact="0.705"/>
+          <dgm:constr type="ctrX" for="ch" forName="FiveNodes_4" refType="w" fact="0.4425"/>
+          <dgm:constr type="w" for="ch" forName="FiveNodes_5" refType="w" fact="0.77"/>
+          <dgm:constr type="h" for="ch" forName="FiveNodes_5" refType="h" fact="0.18"/>
+          <dgm:constr type="b" for="ch" forName="FiveNodes_5" refType="h"/>
+          <dgm:constr type="l" for="ch" forName="FiveNodes_5"/>
+          <dgm:constr type="w" for="ch" forName="FiveConn_1-2" refType="h" refFor="ch" refForName="FiveNodes_1" fact="0.65"/>
+          <dgm:constr type="h" for="ch" forName="FiveConn_1-2" refType="h" refFor="ch" refForName="FiveNodes_1" fact="0.65"/>
+          <dgm:constr type="ctrY" for="ch" forName="FiveConn_1-2" refType="h" fact="0.19"/>
+          <dgm:constr type="l" for="ch" forName="FiveConn_1-2" refType="l" refFor="ch" refForName="FiveNodes_1"/>
+          <dgm:constr type="w" for="ch" forName="FiveConn_2-3" refType="h" refFor="ch" refForName="FiveNodes_2" fact="0.65"/>
+          <dgm:constr type="h" for="ch" forName="FiveConn_2-3" refType="h" refFor="ch" refForName="FiveNodes_2" fact="0.65"/>
+          <dgm:constr type="ctrY" for="ch" forName="FiveConn_2-3" refType="h" fact="0.395"/>
+          <dgm:constr type="l" for="ch" forName="FiveConn_2-3" refType="l" refFor="ch" refForName="FiveNodes_2"/>
+          <dgm:constr type="w" for="ch" forName="FiveConn_3-4" refType="h" refFor="ch" refForName="FiveNodes_3" fact="0.65"/>
+          <dgm:constr type="h" for="ch" forName="FiveConn_3-4" refType="h" refFor="ch" refForName="FiveNodes_3" fact="0.65"/>
+          <dgm:constr type="ctrY" for="ch" forName="FiveConn_3-4" refType="h" fact="0.597"/>
+          <dgm:constr type="l" for="ch" forName="FiveConn_3-4" refType="l" refFor="ch" refForName="FiveNodes_3"/>
+          <dgm:constr type="w" for="ch" forName="FiveConn_4-5" refType="h" refFor="ch" refForName="FiveNodes_4" fact="0.65"/>
+          <dgm:constr type="h" for="ch" forName="FiveConn_4-5" refType="h" refFor="ch" refForName="FiveNodes_4" fact="0.65"/>
+          <dgm:constr type="ctrY" for="ch" forName="FiveConn_4-5" refType="h" fact="0.804"/>
+          <dgm:constr type="l" for="ch" forName="FiveConn_4-5" refType="l" refFor="ch" refForName="FiveNodes_4"/>
+          <dgm:constr type="l" for="ch" forName="FiveNodes_1_text" refType="r" refFor="ch" refForName="FiveConn_1-2"/>
+          <dgm:constr type="lOff" for="ch" forName="FiveNodes_1_text" refType="w" refFor="ch" refForName="FiveConn_1-2" fact="0.73"/>
+          <dgm:constr type="t" for="ch" forName="FiveNodes_1_text" refType="t" refFor="ch" refForName="FiveNodes_1"/>
+          <dgm:constr type="b" for="ch" forName="FiveNodes_1_text" refType="b" refFor="ch" refForName="FiveNodes_1"/>
+          <dgm:constr type="r" for="ch" forName="FiveNodes_1_text" refType="r" refFor="ch" refForName="FiveNodes_1"/>
+          <dgm:constr type="l" for="ch" forName="FiveNodes_2_text" refType="r" refFor="ch" refForName="FiveConn_1-2"/>
+          <dgm:constr type="t" for="ch" forName="FiveNodes_2_text" refType="t" refFor="ch" refForName="FiveNodes_2"/>
+          <dgm:constr type="b" for="ch" forName="FiveNodes_2_text" refType="b" refFor="ch" refForName="FiveNodes_2"/>
+          <dgm:constr type="r" for="ch" forName="FiveNodes_2_text" refType="r" refFor="ch" refForName="FiveNodes_2"/>
+          <dgm:constr type="l" for="ch" forName="FiveNodes_3_text" refType="r" refFor="ch" refForName="FiveConn_2-3"/>
+          <dgm:constr type="t" for="ch" forName="FiveNodes_3_text" refType="t" refFor="ch" refForName="FiveNodes_3"/>
+          <dgm:constr type="b" for="ch" forName="FiveNodes_3_text" refType="b" refFor="ch" refForName="FiveNodes_3"/>
+          <dgm:constr type="r" for="ch" forName="FiveNodes_3_text" refType="r" refFor="ch" refForName="FiveNodes_3"/>
+          <dgm:constr type="l" for="ch" forName="FiveNodes_4_text" refType="r" refFor="ch" refForName="FiveConn_3-4"/>
+          <dgm:constr type="t" for="ch" forName="FiveNodes_4_text" refType="t" refFor="ch" refForName="FiveNodes_4"/>
+          <dgm:constr type="b" for="ch" forName="FiveNodes_4_text" refType="b" refFor="ch" refForName="FiveNodes_4"/>
+          <dgm:constr type="r" for="ch" forName="FiveNodes_4_text" refType="r" refFor="ch" refForName="FiveNodes_4"/>
+          <dgm:constr type="l" for="ch" forName="FiveNodes_5_text" refType="r" refFor="ch" refForName="FiveConn_4-5"/>
+          <dgm:constr type="t" for="ch" forName="FiveNodes_5_text" refType="t" refFor="ch" refForName="FiveNodes_5"/>
+          <dgm:constr type="b" for="ch" forName="FiveNodes_5_text" refType="b" refFor="ch" refForName="FiveNodes_5"/>
+          <dgm:constr type="r" for="ch" forName="FiveNodes_5_text" refType="r" refFor="ch" refForName="FiveNodes_5"/>
+        </dgm:constrLst>
+      </dgm:else>
+    </dgm:choose>
+    <dgm:ruleLst/>
+    <dgm:layoutNode name="dummyMaxCanvas">
+      <dgm:varLst/>
+      <dgm:alg type="sp"/>
+      <dgm:shape xmlns:r="http://schemas.openxmlformats.org/officeDocument/2006/relationships" r:blip="">
+        <dgm:adjLst/>
+      </dgm:shape>
+      <dgm:presOf/>
+      <dgm:constrLst/>
+      <dgm:ruleLst/>
+    </dgm:layoutNode>
+    <dgm:choose name="Name3">
+      <dgm:if name="Name4" axis="ch" ptType="node" func="cnt" op="equ" val="1">
+        <dgm:layoutNode name="OneNode_1">
+          <dgm:varLst>
+            <dgm:bulletEnabled val="1"/>
+          </dgm:varLst>
+          <dgm:alg type="tx"/>
+          <dgm:shape xmlns:r="http://schemas.openxmlformats.org/officeDocument/2006/relationships" type="roundRect" r:blip="">
+            <dgm:adjLst>
+              <dgm:adj idx="1" val="0.1"/>
+            </dgm:adjLst>
+          </dgm:shape>
+          <dgm:presOf axis="ch desOrSelf" ptType="node node" st="1 1" cnt="1 0"/>
+          <dgm:constrLst>
+            <dgm:constr type="lMarg" refType="primFontSz" fact="0.3"/>
+            <dgm:constr type="rMarg" refType="primFontSz" fact="0.3"/>
+            <dgm:constr type="tMarg" refType="primFontSz" fact="0.3"/>
+            <dgm:constr type="bMarg" refType="primFontSz" fact="0.3"/>
+          </dgm:constrLst>
+          <dgm:ruleLst>
+            <dgm:rule type="primFontSz" val="5" fact="NaN" max="NaN"/>
+          </dgm:ruleLst>
+        </dgm:layoutNode>
+      </dgm:if>
+      <dgm:else name="Name5">
+        <dgm:choose name="Name6">
+          <dgm:if name="Name7" axis="ch" ptType="node" func="cnt" op="equ" val="2">
+            <dgm:layoutNode name="TwoNodes_1">
+              <dgm:varLst>
+                <dgm:bulletEnabled val="1"/>
+              </dgm:varLst>
+              <dgm:alg type="sp"/>
+              <dgm:shape xmlns:r="http://schemas.openxmlformats.org/officeDocument/2006/relationships" type="roundRect" r:blip="">
+                <dgm:adjLst>
+                  <dgm:adj idx="1" val="0.1"/>
+                </dgm:adjLst>
+              </dgm:shape>
+              <dgm:presOf axis="ch desOrSelf" ptType="node node" st="1 1" cnt="1 0"/>
+              <dgm:constrLst/>
+              <dgm:ruleLst/>
+            </dgm:layoutNode>
+            <dgm:layoutNode name="TwoNodes_2">
+              <dgm:varLst>
+                <dgm:bulletEnabled val="1"/>
+              </dgm:varLst>
+              <dgm:alg type="sp"/>
+              <dgm:shape xmlns:r="http://schemas.openxmlformats.org/officeDocument/2006/relationships" type="roundRect" r:blip="">
+                <dgm:adjLst>
+                  <dgm:adj idx="1" val="0.1"/>
+                </dgm:adjLst>
+              </dgm:shape>
+              <dgm:presOf axis="ch desOrSelf" ptType="node node" st="2 1" cnt="1 0"/>
+              <dgm:constrLst/>
+              <dgm:ruleLst/>
+            </dgm:layoutNode>
+            <dgm:layoutNode name="TwoConn_1-2" styleLbl="fgAccFollowNode1">
+              <dgm:varLst>
+                <dgm:bulletEnabled val="1"/>
+              </dgm:varLst>
+              <dgm:alg type="tx"/>
+              <dgm:shape xmlns:r="http://schemas.openxmlformats.org/officeDocument/2006/relationships" type="downArrow" r:blip="">
+                <dgm:adjLst>
+                  <dgm:adj idx="1" val="0.55"/>
+                  <dgm:adj idx="2" val="0.45"/>
+                </dgm:adjLst>
+              </dgm:shape>
+              <dgm:presOf axis="ch" ptType="sibTrans" cnt="1"/>
+              <dgm:constrLst>
+                <dgm:constr type="lMarg" refType="primFontSz" fact="0.1"/>
+                <dgm:constr type="rMarg" refType="primFontSz" fact="0.1"/>
+                <dgm:constr type="tMarg" refType="primFontSz" fact="0.1"/>
+                <dgm:constr type="bMarg" refType="primFontSz" fact="0.1"/>
+              </dgm:constrLst>
+              <dgm:ruleLst>
+                <dgm:rule type="primFontSz" val="5" fact="NaN" max="NaN"/>
+              </dgm:ruleLst>
+            </dgm:layoutNode>
+            <dgm:layoutNode name="TwoNodes_1_text">
+              <dgm:varLst>
+                <dgm:bulletEnabled val="1"/>
+              </dgm:varLst>
+              <dgm:alg type="tx">
+                <dgm:param type="parTxLTRAlign" val="l"/>
+                <dgm:param type="txAnchorVertCh" val="mid"/>
+              </dgm:alg>
+              <dgm:shape xmlns:r="http://schemas.openxmlformats.org/officeDocument/2006/relationships" type="roundRect" r:blip="" hideGeom="1">
+                <dgm:adjLst>
+                  <dgm:adj idx="1" val="0.1"/>
+                </dgm:adjLst>
+              </dgm:shape>
+              <dgm:presOf axis="ch desOrSelf" ptType="node node" st="1 1" cnt="1 0"/>
+              <dgm:constrLst>
+                <dgm:constr type="lMarg" refType="primFontSz" fact="0.3"/>
+                <dgm:constr type="rMarg" refType="primFontSz" fact="0.3"/>
+                <dgm:constr type="tMarg" refType="primFontSz" fact="0.3"/>
+                <dgm:constr type="bMarg" refType="primFontSz" fact="0.3"/>
+              </dgm:constrLst>
+              <dgm:ruleLst>
+                <dgm:rule type="primFontSz" val="5" fact="NaN" max="NaN"/>
+              </dgm:ruleLst>
+            </dgm:layoutNode>
+            <dgm:layoutNode name="TwoNodes_2_text">
+              <dgm:varLst>
+                <dgm:bulletEnabled val="1"/>
+              </dgm:varLst>
+              <dgm:alg type="tx">
+                <dgm:param type="parTxLTRAlign" val="l"/>
+                <dgm:param type="txAnchorVertCh" val="mid"/>
+              </dgm:alg>
+              <dgm:shape xmlns:r="http://schemas.openxmlformats.org/officeDocument/2006/relationships" type="roundRect" r:blip="" hideGeom="1">
+                <dgm:adjLst>
+                  <dgm:adj idx="1" val="0.1"/>
+                </dgm:adjLst>
+              </dgm:shape>
+              <dgm:presOf axis="ch desOrSelf" ptType="node node" st="2 1" cnt="1 0"/>
+              <dgm:constrLst>
+                <dgm:constr type="lMarg" refType="primFontSz" fact="0.3"/>
+                <dgm:constr type="rMarg" refType="primFontSz" fact="0.3"/>
+                <dgm:constr type="tMarg" refType="primFontSz" fact="0.3"/>
+                <dgm:constr type="bMarg" refType="primFontSz" fact="0.3"/>
+              </dgm:constrLst>
+              <dgm:ruleLst>
+                <dgm:rule type="primFontSz" val="5" fact="NaN" max="NaN"/>
+              </dgm:ruleLst>
+            </dgm:layoutNode>
+          </dgm:if>
+          <dgm:else name="Name8">
+            <dgm:choose name="Name9">
+              <dgm:if name="Name10" axis="ch" ptType="node" func="cnt" op="equ" val="3">
+                <dgm:layoutNode name="ThreeNodes_1">
+                  <dgm:varLst>
+                    <dgm:bulletEnabled val="1"/>
+                  </dgm:varLst>
+                  <dgm:alg type="sp"/>
+                  <dgm:shape xmlns:r="http://schemas.openxmlformats.org/officeDocument/2006/relationships" type="roundRect" r:blip="">
+                    <dgm:adjLst>
+                      <dgm:adj idx="1" val="0.1"/>
+                    </dgm:adjLst>
+                  </dgm:shape>
+                  <dgm:presOf axis="ch desOrSelf" ptType="node node" st="1 1" cnt="1 0"/>
+                  <dgm:constrLst/>
+                  <dgm:ruleLst/>
+                </dgm:layoutNode>
+                <dgm:layoutNode name="ThreeNodes_2">
+                  <dgm:varLst>
+                    <dgm:bulletEnabled val="1"/>
+                  </dgm:varLst>
+                  <dgm:alg type="sp"/>
+                  <dgm:shape xmlns:r="http://schemas.openxmlformats.org/officeDocument/2006/relationships" type="roundRect" r:blip="">
+                    <dgm:adjLst>
+                      <dgm:adj idx="1" val="0.1"/>
+                    </dgm:adjLst>
+                  </dgm:shape>
+                  <dgm:presOf axis="ch desOrSelf" ptType="node node" st="2 1" cnt="1 0"/>
+                  <dgm:constrLst/>
+                  <dgm:ruleLst/>
+                </dgm:layoutNode>
+                <dgm:layoutNode name="ThreeNodes_3">
+                  <dgm:varLst>
+                    <dgm:bulletEnabled val="1"/>
+                  </dgm:varLst>
+                  <dgm:alg type="sp"/>
+                  <dgm:shape xmlns:r="http://schemas.openxmlformats.org/officeDocument/2006/relationships" type="roundRect" r:blip="">
+                    <dgm:adjLst>
+                      <dgm:adj idx="1" val="0.1"/>
+                    </dgm:adjLst>
+                  </dgm:shape>
+                  <dgm:presOf axis="ch desOrSelf" ptType="node node" st="3 1" cnt="1 0"/>
+                  <dgm:constrLst/>
+                  <dgm:ruleLst/>
+                </dgm:layoutNode>
+                <dgm:layoutNode name="ThreeConn_1-2" styleLbl="fgAccFollowNode1">
+                  <dgm:varLst>
+                    <dgm:bulletEnabled val="1"/>
+                  </dgm:varLst>
+                  <dgm:alg type="tx"/>
+                  <dgm:shape xmlns:r="http://schemas.openxmlformats.org/officeDocument/2006/relationships" type="downArrow" r:blip="">
+                    <dgm:adjLst>
+                      <dgm:adj idx="1" val="0.55"/>
+                      <dgm:adj idx="2" val="0.45"/>
+                    </dgm:adjLst>
+                  </dgm:shape>
+                  <dgm:presOf axis="ch" ptType="sibTrans" cnt="1"/>
+                  <dgm:constrLst>
+                    <dgm:constr type="lMarg" refType="primFontSz" fact="0.1"/>
+                    <dgm:constr type="rMarg" refType="primFontSz" fact="0.1"/>
+                    <dgm:constr type="tMarg" refType="primFontSz" fact="0.1"/>
+                    <dgm:constr type="bMarg" refType="primFontSz" fact="0.1"/>
+                  </dgm:constrLst>
+                  <dgm:ruleLst>
+                    <dgm:rule type="primFontSz" val="5" fact="NaN" max="NaN"/>
+                  </dgm:ruleLst>
+                </dgm:layoutNode>
+                <dgm:layoutNode name="ThreeConn_2-3" styleLbl="fgAccFollowNode1">
+                  <dgm:varLst>
+                    <dgm:bulletEnabled val="1"/>
+                  </dgm:varLst>
+                  <dgm:alg type="tx"/>
+                  <dgm:shape xmlns:r="http://schemas.openxmlformats.org/officeDocument/2006/relationships" type="downArrow" r:blip="">
+                    <dgm:adjLst>
+                      <dgm:adj idx="1" val="0.55"/>
+                      <dgm:adj idx="2" val="0.45"/>
+                    </dgm:adjLst>
+                  </dgm:shape>
+                  <dgm:presOf axis="ch" ptType="sibTrans" st="2" cnt="1"/>
+                  <dgm:constrLst>
+                    <dgm:constr type="lMarg" refType="primFontSz" fact="0.1"/>
+                    <dgm:constr type="rMarg" refType="primFontSz" fact="0.1"/>
+                    <dgm:constr type="tMarg" refType="primFontSz" fact="0.1"/>
+                    <dgm:constr type="bMarg" refType="primFontSz" fact="0.1"/>
+                  </dgm:constrLst>
+                  <dgm:ruleLst>
+                    <dgm:rule type="primFontSz" val="5" fact="NaN" max="NaN"/>
+                  </dgm:ruleLst>
+                </dgm:layoutNode>
+                <dgm:layoutNode name="ThreeNodes_1_text">
+                  <dgm:varLst>
+                    <dgm:bulletEnabled val="1"/>
+                  </dgm:varLst>
+                  <dgm:alg type="tx">
+                    <dgm:param type="parTxLTRAlign" val="l"/>
+                    <dgm:param type="txAnchorVertCh" val="mid"/>
+                  </dgm:alg>
+                  <dgm:shape xmlns:r="http://schemas.openxmlformats.org/officeDocument/2006/relationships" type="roundRect" r:blip="" hideGeom="1">
+                    <dgm:adjLst>
+                      <dgm:adj idx="1" val="0.1"/>
+                    </dgm:adjLst>
+                  </dgm:shape>
+                  <dgm:presOf axis="ch desOrSelf" ptType="node node" st="1 1" cnt="1 0"/>
+                  <dgm:constrLst>
+                    <dgm:constr type="lMarg" refType="primFontSz" fact="0.3"/>
+                    <dgm:constr type="rMarg" refType="primFontSz" fact="0.3"/>
+                    <dgm:constr type="tMarg" refType="primFontSz" fact="0.3"/>
+                    <dgm:constr type="bMarg" refType="primFontSz" fact="0.3"/>
+                  </dgm:constrLst>
+                  <dgm:ruleLst>
+                    <dgm:rule type="primFontSz" val="5" fact="NaN" max="NaN"/>
+                  </dgm:ruleLst>
+                </dgm:layoutNode>
+                <dgm:layoutNode name="ThreeNodes_2_text">
+                  <dgm:varLst>
+                    <dgm:bulletEnabled val="1"/>
+                  </dgm:varLst>
+                  <dgm:alg type="tx">
+                    <dgm:param type="parTxLTRAlign" val="l"/>
+                    <dgm:param type="txAnchorVertCh" val="mid"/>
+                  </dgm:alg>
+                  <dgm:shape xmlns:r="http://schemas.openxmlformats.org/officeDocument/2006/relationships" type="roundRect" r:blip="" hideGeom="1">
+                    <dgm:adjLst>
+                      <dgm:adj idx="1" val="0.1"/>
+                    </dgm:adjLst>
+                  </dgm:shape>
+                  <dgm:presOf axis="ch desOrSelf" ptType="node node" st="2 1" cnt="1 0"/>
+                  <dgm:constrLst>
+                    <dgm:constr type="lMarg" refType="primFontSz" fact="0.3"/>
+                    <dgm:constr type="rMarg" refType="primFontSz" fact="0.3"/>
+                    <dgm:constr type="tMarg" refType="primFontSz" fact="0.3"/>
+                    <dgm:constr type="bMarg" refType="primFontSz" fact="0.3"/>
+                  </dgm:constrLst>
+                  <dgm:ruleLst>
+                    <dgm:rule type="primFontSz" val="5" fact="NaN" max="NaN"/>
+                  </dgm:ruleLst>
+                </dgm:layoutNode>
+                <dgm:layoutNode name="ThreeNodes_3_text">
+                  <dgm:varLst>
+                    <dgm:bulletEnabled val="1"/>
+                  </dgm:varLst>
+                  <dgm:alg type="tx">
+                    <dgm:param type="parTxLTRAlign" val="l"/>
+                    <dgm:param type="txAnchorVertCh" val="mid"/>
+                  </dgm:alg>
+                  <dgm:shape xmlns:r="http://schemas.openxmlformats.org/officeDocument/2006/relationships" type="roundRect" r:blip="" hideGeom="1">
+                    <dgm:adjLst>
+                      <dgm:adj idx="1" val="0.1"/>
+                    </dgm:adjLst>
+                  </dgm:shape>
+                  <dgm:presOf axis="ch desOrSelf" ptType="node node" st="3 1" cnt="1 0"/>
+                  <dgm:constrLst>
+                    <dgm:constr type="lMarg" refType="primFontSz" fact="0.3"/>
+                    <dgm:constr type="rMarg" refType="primFontSz" fact="0.3"/>
+                    <dgm:constr type="tMarg" refType="primFontSz" fact="0.3"/>
+                    <dgm:constr type="bMarg" refType="primFontSz" fact="0.3"/>
+                  </dgm:constrLst>
+                  <dgm:ruleLst>
+                    <dgm:rule type="primFontSz" val="5" fact="NaN" max="NaN"/>
+                  </dgm:ruleLst>
+                </dgm:layoutNode>
+              </dgm:if>
+              <dgm:else name="Name11">
+                <dgm:choose name="Name12">
+                  <dgm:if name="Name13" axis="ch" ptType="node" func="cnt" op="equ" val="4">
+                    <dgm:layoutNode name="FourNodes_1">
+                      <dgm:varLst>
+                        <dgm:bulletEnabled val="1"/>
+                      </dgm:varLst>
+                      <dgm:alg type="sp"/>
+                      <dgm:shape xmlns:r="http://schemas.openxmlformats.org/officeDocument/2006/relationships" type="roundRect" r:blip="">
+                        <dgm:adjLst>
+                          <dgm:adj idx="1" val="0.1"/>
+                        </dgm:adjLst>
+                      </dgm:shape>
+                      <dgm:presOf axis="ch desOrSelf" ptType="node node" st="1 1" cnt="1 0"/>
+                      <dgm:constrLst/>
+                      <dgm:ruleLst/>
+                    </dgm:layoutNode>
+                    <dgm:layoutNode name="FourNodes_2">
+                      <dgm:varLst>
+                        <dgm:bulletEnabled val="1"/>
+                      </dgm:varLst>
+                      <dgm:alg type="sp"/>
+                      <dgm:shape xmlns:r="http://schemas.openxmlformats.org/officeDocument/2006/relationships" type="roundRect" r:blip="">
+                        <dgm:adjLst>
+                          <dgm:adj idx="1" val="0.1"/>
+                        </dgm:adjLst>
+                      </dgm:shape>
+                      <dgm:presOf axis="ch desOrSelf" ptType="node node" st="2 1" cnt="1 0"/>
+                      <dgm:constrLst/>
+                      <dgm:ruleLst/>
+                    </dgm:layoutNode>
+                    <dgm:layoutNode name="FourNodes_3">
+                      <dgm:varLst>
+                        <dgm:bulletEnabled val="1"/>
+                      </dgm:varLst>
+                      <dgm:alg type="sp"/>
+                      <dgm:shape xmlns:r="http://schemas.openxmlformats.org/officeDocument/2006/relationships" type="roundRect" r:blip="">
+                        <dgm:adjLst>
+                          <dgm:adj idx="1" val="0.1"/>
+                        </dgm:adjLst>
+                      </dgm:shape>
+                      <dgm:presOf axis="ch desOrSelf" ptType="node node" st="3 1" cnt="1 0"/>
+                      <dgm:constrLst/>
+                      <dgm:ruleLst/>
+                    </dgm:layoutNode>
+                    <dgm:layoutNode name="FourNodes_4">
+                      <dgm:varLst>
+                        <dgm:bulletEnabled val="1"/>
+                      </dgm:varLst>
+                      <dgm:alg type="sp"/>
+                      <dgm:shape xmlns:r="http://schemas.openxmlformats.org/officeDocument/2006/relationships" type="roundRect" r:blip="">
+                        <dgm:adjLst>
+                          <dgm:adj idx="1" val="0.1"/>
+                        </dgm:adjLst>
+                      </dgm:shape>
+                      <dgm:presOf axis="ch desOrSelf" ptType="node node" st="4 1" cnt="1 0"/>
+                      <dgm:constrLst/>
+                      <dgm:ruleLst/>
+                    </dgm:layoutNode>
+                    <dgm:layoutNode name="FourConn_1-2" styleLbl="fgAccFollowNode1">
+                      <dgm:varLst>
+                        <dgm:bulletEnabled val="1"/>
+                      </dgm:varLst>
+                      <dgm:alg type="tx"/>
+                      <dgm:shape xmlns:r="http://schemas.openxmlformats.org/officeDocument/2006/relationships" type="downArrow" r:blip="">
+                        <dgm:adjLst>
+                          <dgm:adj idx="1" val="0.55"/>
+                          <dgm:adj idx="2" val="0.45"/>
+                        </dgm:adjLst>
+                      </dgm:shape>
+                      <dgm:presOf axis="ch" ptType="sibTrans" cnt="1"/>
+                      <dgm:constrLst>
+                        <dgm:constr type="lMarg" refType="primFontSz" fact="0.1"/>
+                        <dgm:constr type="rMarg" refType="primFontSz" fact="0.1"/>
+                        <dgm:constr type="tMarg" refType="primFontSz" fact="0.1"/>
+                        <dgm:constr type="bMarg" refType="primFontSz" fact="0.1"/>
+                      </dgm:constrLst>
+                      <dgm:ruleLst>
+                        <dgm:rule type="primFontSz" val="5" fact="NaN" max="NaN"/>
+                      </dgm:ruleLst>
+                    </dgm:layoutNode>
+                    <dgm:layoutNode name="FourConn_2-3" styleLbl="fgAccFollowNode1">
+                      <dgm:varLst>
+                        <dgm:bulletEnabled val="1"/>
+                      </dgm:varLst>
+                      <dgm:alg type="tx"/>
+                      <dgm:shape xmlns:r="http://schemas.openxmlformats.org/officeDocument/2006/relationships" type="downArrow" r:blip="">
+                        <dgm:adjLst>
+                          <dgm:adj idx="1" val="0.55"/>
+                          <dgm:adj idx="2" val="0.45"/>
+                        </dgm:adjLst>
+                      </dgm:shape>
+                      <dgm:presOf axis="ch" ptType="sibTrans" st="2" cnt="1"/>
+                      <dgm:constrLst>
+                        <dgm:constr type="lMarg" refType="primFontSz" fact="0.1"/>
+                        <dgm:constr type="rMarg" refType="primFontSz" fact="0.1"/>
+                        <dgm:constr type="tMarg" refType="primFontSz" fact="0.1"/>
+                        <dgm:constr type="bMarg" refType="primFontSz" fact="0.1"/>
+                      </dgm:constrLst>
+                      <dgm:ruleLst>
+                        <dgm:rule type="primFontSz" val="5" fact="NaN" max="NaN"/>
+                      </dgm:ruleLst>
+                    </dgm:layoutNode>
+                    <dgm:layoutNode name="FourConn_3-4" styleLbl="fgAccFollowNode1">
+                      <dgm:varLst>
+                        <dgm:bulletEnabled val="1"/>
+                      </dgm:varLst>
+                      <dgm:alg type="tx"/>
+                      <dgm:shape xmlns:r="http://schemas.openxmlformats.org/officeDocument/2006/relationships" type="downArrow" r:blip="">
+                        <dgm:adjLst>
+                          <dgm:adj idx="1" val="0.55"/>
+                          <dgm:adj idx="2" val="0.45"/>
+                        </dgm:adjLst>
+                      </dgm:shape>
+                      <dgm:presOf axis="ch" ptType="sibTrans" st="3" cnt="1"/>
+                      <dgm:constrLst>
+                        <dgm:constr type="lMarg" refType="primFontSz" fact="0.1"/>
+                        <dgm:constr type="rMarg" refType="primFontSz" fact="0.1"/>
+                        <dgm:constr type="tMarg" refType="primFontSz" fact="0.1"/>
+                        <dgm:constr type="bMarg" refType="primFontSz" fact="0.1"/>
+                      </dgm:constrLst>
+                      <dgm:ruleLst>
+                        <dgm:rule type="primFontSz" val="5" fact="NaN" max="NaN"/>
+                      </dgm:ruleLst>
+                    </dgm:layoutNode>
+                    <dgm:layoutNode name="FourNodes_1_text">
+                      <dgm:varLst>
+                        <dgm:bulletEnabled val="1"/>
+                      </dgm:varLst>
+                      <dgm:alg type="tx">
+                        <dgm:param type="parTxLTRAlign" val="l"/>
+                        <dgm:param type="txAnchorVertCh" val="mid"/>
+                      </dgm:alg>
+                      <dgm:shape xmlns:r="http://schemas.openxmlformats.org/officeDocument/2006/relationships" type="roundRect" r:blip="" hideGeom="1">
+                        <dgm:adjLst>
+                          <dgm:adj idx="1" val="0.1"/>
+                        </dgm:adjLst>
+                      </dgm:shape>
+                      <dgm:presOf axis="ch desOrSelf" ptType="node node" st="1 1" cnt="1 0"/>
+                      <dgm:constrLst>
+                        <dgm:constr type="lMarg" refType="primFontSz" fact="0.3"/>
+                        <dgm:constr type="rMarg" refType="primFontSz" fact="0.3"/>
+                        <dgm:constr type="tMarg" refType="primFontSz" fact="0.3"/>
+                        <dgm:constr type="bMarg" refType="primFontSz" fact="0.3"/>
+                      </dgm:constrLst>
+                      <dgm:ruleLst>
+                        <dgm:rule type="primFontSz" val="5" fact="NaN" max="NaN"/>
+                      </dgm:ruleLst>
+                    </dgm:layoutNode>
+                    <dgm:layoutNode name="FourNodes_2_text">
+                      <dgm:varLst>
+                        <dgm:bulletEnabled val="1"/>
+                      </dgm:varLst>
+                      <dgm:alg type="tx">
+                        <dgm:param type="parTxLTRAlign" val="l"/>
+                        <dgm:param type="txAnchorVertCh" val="mid"/>
+                      </dgm:alg>
+                      <dgm:shape xmlns:r="http://schemas.openxmlformats.org/officeDocument/2006/relationships" type="roundRect" r:blip="" hideGeom="1">
+                        <dgm:adjLst>
+                          <dgm:adj idx="1" val="0.1"/>
+                        </dgm:adjLst>
+                      </dgm:shape>
+                      <dgm:presOf axis="ch desOrSelf" ptType="node node" st="2 1" cnt="1 0"/>
+                      <dgm:constrLst>
+                        <dgm:constr type="lMarg" refType="primFontSz" fact="0.3"/>
+                        <dgm:constr type="rMarg" refType="primFontSz" fact="0.3"/>
+                        <dgm:constr type="tMarg" refType="primFontSz" fact="0.3"/>
+                        <dgm:constr type="bMarg" refType="primFontSz" fact="0.3"/>
+                      </dgm:constrLst>
+                      <dgm:ruleLst>
+                        <dgm:rule type="primFontSz" val="5" fact="NaN" max="NaN"/>
+                      </dgm:ruleLst>
+                    </dgm:layoutNode>
+                    <dgm:layoutNode name="FourNodes_3_text">
+                      <dgm:varLst>
+                        <dgm:bulletEnabled val="1"/>
+                      </dgm:varLst>
+                      <dgm:alg type="tx">
+                        <dgm:param type="parTxLTRAlign" val="l"/>
+                        <dgm:param type="txAnchorVertCh" val="mid"/>
+                      </dgm:alg>
+                      <dgm:shape xmlns:r="http://schemas.openxmlformats.org/officeDocument/2006/relationships" type="roundRect" r:blip="" hideGeom="1">
+                        <dgm:adjLst>
+                          <dgm:adj idx="1" val="0.1"/>
+                        </dgm:adjLst>
+                      </dgm:shape>
+                      <dgm:presOf axis="ch desOrSelf" ptType="node node" st="3 1" cnt="1 0"/>
+                      <dgm:constrLst>
+                        <dgm:constr type="lMarg" refType="primFontSz" fact="0.3"/>
+                        <dgm:constr type="rMarg" refType="primFontSz" fact="0.3"/>
+                        <dgm:constr type="tMarg" refType="primFontSz" fact="0.3"/>
+                        <dgm:constr type="bMarg" refType="primFontSz" fact="0.3"/>
+                      </dgm:constrLst>
+                      <dgm:ruleLst>
+                        <dgm:rule type="primFontSz" val="5" fact="NaN" max="NaN"/>
+                      </dgm:ruleLst>
+                    </dgm:layoutNode>
+                    <dgm:layoutNode name="FourNodes_4_text">
+                      <dgm:varLst>
+                        <dgm:bulletEnabled val="1"/>
+                      </dgm:varLst>
+                      <dgm:alg type="tx">
+                        <dgm:param type="parTxLTRAlign" val="l"/>
+                        <dgm:param type="txAnchorVertCh" val="mid"/>
+                      </dgm:alg>
+                      <dgm:shape xmlns:r="http://schemas.openxmlformats.org/officeDocument/2006/relationships" type="roundRect" r:blip="" hideGeom="1">
+                        <dgm:adjLst>
+                          <dgm:adj idx="1" val="0.1"/>
+                        </dgm:adjLst>
+                      </dgm:shape>
+                      <dgm:presOf axis="ch desOrSelf" ptType="node node" st="4 1" cnt="1 0"/>
+                      <dgm:constrLst>
+                        <dgm:constr type="lMarg" refType="primFontSz" fact="0.3"/>
+                        <dgm:constr type="rMarg" refType="primFontSz" fact="0.3"/>
+                        <dgm:constr type="tMarg" refType="primFontSz" fact="0.3"/>
+                        <dgm:constr type="bMarg" refType="primFontSz" fact="0.3"/>
+                      </dgm:constrLst>
+                      <dgm:ruleLst>
+                        <dgm:rule type="primFontSz" val="5" fact="NaN" max="NaN"/>
+                      </dgm:ruleLst>
+                    </dgm:layoutNode>
+                  </dgm:if>
+                  <dgm:else name="Name14">
+                    <dgm:choose name="Name15">
+                      <dgm:if name="Name16" axis="ch" ptType="node" func="cnt" op="gte" val="5">
+                        <dgm:layoutNode name="FiveNodes_1">
+                          <dgm:varLst>
+                            <dgm:bulletEnabled val="1"/>
+                          </dgm:varLst>
+                          <dgm:alg type="sp"/>
+                          <dgm:shape xmlns:r="http://schemas.openxmlformats.org/officeDocument/2006/relationships" type="roundRect" r:blip="">
+                            <dgm:adjLst>
+                              <dgm:adj idx="1" val="0.1"/>
+                            </dgm:adjLst>
+                          </dgm:shape>
+                          <dgm:presOf axis="ch desOrSelf" ptType="node node" st="1 1" cnt="1 0"/>
+                          <dgm:constrLst/>
+                          <dgm:ruleLst/>
+                        </dgm:layoutNode>
+                        <dgm:layoutNode name="FiveNodes_2">
+                          <dgm:varLst>
+                            <dgm:bulletEnabled val="1"/>
+                          </dgm:varLst>
+                          <dgm:alg type="sp"/>
+                          <dgm:shape xmlns:r="http://schemas.openxmlformats.org/officeDocument/2006/relationships" type="roundRect" r:blip="">
+                            <dgm:adjLst>
+                              <dgm:adj idx="1" val="0.1"/>
+                            </dgm:adjLst>
+                          </dgm:shape>
+                          <dgm:presOf axis="ch desOrSelf" ptType="node node" st="2 1" cnt="1 0"/>
+                          <dgm:constrLst/>
+                          <dgm:ruleLst/>
+                        </dgm:layoutNode>
+                        <dgm:layoutNode name="FiveNodes_3">
+                          <dgm:varLst>
+                            <dgm:bulletEnabled val="1"/>
+                          </dgm:varLst>
+                          <dgm:alg type="sp"/>
+                          <dgm:shape xmlns:r="http://schemas.openxmlformats.org/officeDocument/2006/relationships" type="roundRect" r:blip="">
+                            <dgm:adjLst>
+                              <dgm:adj idx="1" val="0.1"/>
+                            </dgm:adjLst>
+                          </dgm:shape>
+                          <dgm:presOf axis="ch desOrSelf" ptType="node node" st="3 1" cnt="1 0"/>
+                          <dgm:constrLst/>
+                          <dgm:ruleLst/>
+                        </dgm:layoutNode>
+                        <dgm:layoutNode name="FiveNodes_4">
+                          <dgm:varLst>
+                            <dgm:bulletEnabled val="1"/>
+                          </dgm:varLst>
+                          <dgm:alg type="sp"/>
+                          <dgm:shape xmlns:r="http://schemas.openxmlformats.org/officeDocument/2006/relationships" type="roundRect" r:blip="">
+                            <dgm:adjLst>
+                              <dgm:adj idx="1" val="0.1"/>
+                            </dgm:adjLst>
+                          </dgm:shape>
+                          <dgm:presOf axis="ch desOrSelf" ptType="node node" st="4 1" cnt="1 0"/>
+                          <dgm:constrLst/>
+                          <dgm:ruleLst/>
+                        </dgm:layoutNode>
+                        <dgm:layoutNode name="FiveNodes_5">
+                          <dgm:varLst>
+                            <dgm:bulletEnabled val="1"/>
+                          </dgm:varLst>
+                          <dgm:alg type="sp"/>
+                          <dgm:shape xmlns:r="http://schemas.openxmlformats.org/officeDocument/2006/relationships" type="roundRect" r:blip="">
+                            <dgm:adjLst>
+                              <dgm:adj idx="1" val="0.1"/>
+                            </dgm:adjLst>
+                          </dgm:shape>
+                          <dgm:presOf axis="ch desOrSelf" ptType="node node" st="5 1" cnt="1 0"/>
+                          <dgm:constrLst/>
+                          <dgm:ruleLst/>
+                        </dgm:layoutNode>
+                        <dgm:layoutNode name="FiveConn_1-2" styleLbl="fgAccFollowNode1">
+                          <dgm:varLst>
+                            <dgm:bulletEnabled val="1"/>
+                          </dgm:varLst>
+                          <dgm:alg type="tx"/>
+                          <dgm:shape xmlns:r="http://schemas.openxmlformats.org/officeDocument/2006/relationships" type="downArrow" r:blip="">
+                            <dgm:adjLst>
+                              <dgm:adj idx="1" val="0.55"/>
+                              <dgm:adj idx="2" val="0.45"/>
+                            </dgm:adjLst>
+                          </dgm:shape>
+                          <dgm:presOf axis="ch" ptType="sibTrans" cnt="1"/>
+                          <dgm:constrLst>
+                            <dgm:constr type="lMarg" refType="primFontSz" fact="0.1"/>
+                            <dgm:constr type="rMarg" refType="primFontSz" fact="0.1"/>
+                            <dgm:constr type="tMarg" refType="primFontSz" fact="0.1"/>
+                            <dgm:constr type="bMarg" refType="primFontSz" fact="0.1"/>
+                          </dgm:constrLst>
+                          <dgm:ruleLst>
+                            <dgm:rule type="primFontSz" val="5" fact="NaN" max="NaN"/>
+                          </dgm:ruleLst>
+                        </dgm:layoutNode>
+                        <dgm:layoutNode name="FiveConn_2-3" styleLbl="fgAccFollowNode1">
+                          <dgm:varLst>
+                            <dgm:bulletEnabled val="1"/>
+                          </dgm:varLst>
+                          <dgm:alg type="tx"/>
+                          <dgm:shape xmlns:r="http://schemas.openxmlformats.org/officeDocument/2006/relationships" type="downArrow" r:blip="">
+                            <dgm:adjLst>
+                              <dgm:adj idx="1" val="0.55"/>
+                              <dgm:adj idx="2" val="0.45"/>
+                            </dgm:adjLst>
+                          </dgm:shape>
+                          <dgm:presOf axis="ch" ptType="sibTrans" st="2" cnt="1"/>
+                          <dgm:constrLst>
+                            <dgm:constr type="lMarg" refType="primFontSz" fact="0.1"/>
+                            <dgm:constr type="rMarg" refType="primFontSz" fact="0.1"/>
+                            <dgm:constr type="tMarg" refType="primFontSz" fact="0.1"/>
+                            <dgm:constr type="bMarg" refType="primFontSz" fact="0.1"/>
+                          </dgm:constrLst>
+                          <dgm:ruleLst>
+                            <dgm:rule type="primFontSz" val="5" fact="NaN" max="NaN"/>
+                          </dgm:ruleLst>
+                        </dgm:layoutNode>
+                        <dgm:layoutNode name="FiveConn_3-4" styleLbl="fgAccFollowNode1">
+                          <dgm:varLst>
+                            <dgm:bulletEnabled val="1"/>
+                          </dgm:varLst>
+                          <dgm:alg type="tx"/>
+                          <dgm:shape xmlns:r="http://schemas.openxmlformats.org/officeDocument/2006/relationships" type="downArrow" r:blip="">
+                            <dgm:adjLst>
+                              <dgm:adj idx="1" val="0.55"/>
+                              <dgm:adj idx="2" val="0.45"/>
+                            </dgm:adjLst>
+                          </dgm:shape>
+                          <dgm:presOf axis="ch" ptType="sibTrans" st="3" cnt="1"/>
+                          <dgm:constrLst>
+                            <dgm:constr type="lMarg" refType="primFontSz" fact="0.1"/>
+                            <dgm:constr type="rMarg" refType="primFontSz" fact="0.1"/>
+                            <dgm:constr type="tMarg" refType="primFontSz" fact="0.1"/>
+                            <dgm:constr type="bMarg" refType="primFontSz" fact="0.1"/>
+                          </dgm:constrLst>
+                          <dgm:ruleLst>
+                            <dgm:rule type="primFontSz" val="5" fact="NaN" max="NaN"/>
+                          </dgm:ruleLst>
+                        </dgm:layoutNode>
+                        <dgm:layoutNode name="FiveConn_4-5" styleLbl="fgAccFollowNode1">
+                          <dgm:varLst>
+                            <dgm:bulletEnabled val="1"/>
+                          </dgm:varLst>
+                          <dgm:alg type="tx"/>
+                          <dgm:shape xmlns:r="http://schemas.openxmlformats.org/officeDocument/2006/relationships" type="downArrow" r:blip="">
+                            <dgm:adjLst>
+                              <dgm:adj idx="1" val="0.55"/>
+                              <dgm:adj idx="2" val="0.45"/>
+                            </dgm:adjLst>
+                          </dgm:shape>
+                          <dgm:presOf axis="ch" ptType="sibTrans" st="4" cnt="1"/>
+                          <dgm:constrLst>
+                            <dgm:constr type="lMarg" refType="primFontSz" fact="0.1"/>
+                            <dgm:constr type="rMarg" refType="primFontSz" fact="0.1"/>
+                            <dgm:constr type="tMarg" refType="primFontSz" fact="0.1"/>
+                            <dgm:constr type="bMarg" refType="primFontSz" fact="0.1"/>
+                          </dgm:constrLst>
+                          <dgm:ruleLst>
+                            <dgm:rule type="primFontSz" val="5" fact="NaN" max="NaN"/>
+                          </dgm:ruleLst>
+                        </dgm:layoutNode>
+                        <dgm:layoutNode name="FiveNodes_1_text">
+                          <dgm:varLst>
+                            <dgm:bulletEnabled val="1"/>
+                          </dgm:varLst>
+                          <dgm:alg type="tx">
+                            <dgm:param type="parTxLTRAlign" val="l"/>
+                            <dgm:param type="txAnchorVertCh" val="mid"/>
+                          </dgm:alg>
+                          <dgm:shape xmlns:r="http://schemas.openxmlformats.org/officeDocument/2006/relationships" type="roundRect" r:blip="" hideGeom="1">
+                            <dgm:adjLst>
+                              <dgm:adj idx="1" val="0.1"/>
+                            </dgm:adjLst>
+                          </dgm:shape>
+                          <dgm:presOf axis="ch desOrSelf" ptType="node node" st="1 1" cnt="1 0"/>
+                          <dgm:constrLst>
+                            <dgm:constr type="lMarg" refType="primFontSz" fact="0.3"/>
+                            <dgm:constr type="rMarg" refType="primFontSz" fact="0.3"/>
+                            <dgm:constr type="tMarg" refType="primFontSz" fact="0.3"/>
+                            <dgm:constr type="bMarg" refType="primFontSz" fact="0.3"/>
+                          </dgm:constrLst>
+                          <dgm:ruleLst>
+                            <dgm:rule type="primFontSz" val="5" fact="NaN" max="NaN"/>
+                          </dgm:ruleLst>
+                        </dgm:layoutNode>
+                        <dgm:layoutNode name="FiveNodes_2_text">
+                          <dgm:varLst>
+                            <dgm:bulletEnabled val="1"/>
+                          </dgm:varLst>
+                          <dgm:alg type="tx">
+                            <dgm:param type="parTxLTRAlign" val="l"/>
+                            <dgm:param type="txAnchorVertCh" val="mid"/>
+                          </dgm:alg>
+                          <dgm:shape xmlns:r="http://schemas.openxmlformats.org/officeDocument/2006/relationships" type="roundRect" r:blip="" hideGeom="1">
+                            <dgm:adjLst>
+                              <dgm:adj idx="1" val="0.1"/>
+                            </dgm:adjLst>
+                          </dgm:shape>
+                          <dgm:presOf axis="ch desOrSelf" ptType="node node" st="2 1" cnt="1 0"/>
+                          <dgm:constrLst>
+                            <dgm:constr type="lMarg" refType="primFontSz" fact="0.3"/>
+                            <dgm:constr type="rMarg" refType="primFontSz" fact="0.3"/>
+                            <dgm:constr type="tMarg" refType="primFontSz" fact="0.3"/>
+                            <dgm:constr type="bMarg" refType="primFontSz" fact="0.3"/>
+                          </dgm:constrLst>
+                          <dgm:ruleLst>
+                            <dgm:rule type="primFontSz" val="5" fact="NaN" max="NaN"/>
+                          </dgm:ruleLst>
+                        </dgm:layoutNode>
+                        <dgm:layoutNode name="FiveNodes_3_text">
+                          <dgm:varLst>
+                            <dgm:bulletEnabled val="1"/>
+                          </dgm:varLst>
+                          <dgm:alg type="tx">
+                            <dgm:param type="parTxLTRAlign" val="l"/>
+                            <dgm:param type="txAnchorVertCh" val="mid"/>
+                          </dgm:alg>
+                          <dgm:shape xmlns:r="http://schemas.openxmlformats.org/officeDocument/2006/relationships" type="roundRect" r:blip="" hideGeom="1">
+                            <dgm:adjLst>
+                              <dgm:adj idx="1" val="0.1"/>
+                            </dgm:adjLst>
+                          </dgm:shape>
+                          <dgm:presOf axis="ch desOrSelf" ptType="node node" st="3 1" cnt="1 0"/>
+                          <dgm:constrLst>
+                            <dgm:constr type="lMarg" refType="primFontSz" fact="0.3"/>
+                            <dgm:constr type="rMarg" refType="primFontSz" fact="0.3"/>
+                            <dgm:constr type="tMarg" refType="primFontSz" fact="0.3"/>
+                            <dgm:constr type="bMarg" refType="primFontSz" fact="0.3"/>
+                          </dgm:constrLst>
+                          <dgm:ruleLst>
+                            <dgm:rule type="primFontSz" val="5" fact="NaN" max="NaN"/>
+                          </dgm:ruleLst>
+                        </dgm:layoutNode>
+                        <dgm:layoutNode name="FiveNodes_4_text">
+                          <dgm:varLst>
+                            <dgm:bulletEnabled val="1"/>
+                          </dgm:varLst>
+                          <dgm:alg type="tx">
+                            <dgm:param type="parTxLTRAlign" val="l"/>
+                            <dgm:param type="txAnchorVertCh" val="mid"/>
+                          </dgm:alg>
+                          <dgm:shape xmlns:r="http://schemas.openxmlformats.org/officeDocument/2006/relationships" type="roundRect" r:blip="" hideGeom="1">
+                            <dgm:adjLst>
+                              <dgm:adj idx="1" val="0.1"/>
+                            </dgm:adjLst>
+                          </dgm:shape>
+                          <dgm:presOf axis="ch desOrSelf" ptType="node node" st="4 1" cnt="1 0"/>
+                          <dgm:constrLst>
+                            <dgm:constr type="lMarg" refType="primFontSz" fact="0.3"/>
+                            <dgm:constr type="rMarg" refType="primFontSz" fact="0.3"/>
+                            <dgm:constr type="tMarg" refType="primFontSz" fact="0.3"/>
+                            <dgm:constr type="bMarg" refType="primFontSz" fact="0.3"/>
+                          </dgm:constrLst>
+                          <dgm:ruleLst>
+                            <dgm:rule type="primFontSz" val="5" fact="NaN" max="NaN"/>
+                          </dgm:ruleLst>
+                        </dgm:layoutNode>
+                        <dgm:layoutNode name="FiveNodes_5_text">
+                          <dgm:varLst>
+                            <dgm:bulletEnabled val="1"/>
+                          </dgm:varLst>
+                          <dgm:alg type="tx">
+                            <dgm:param type="parTxLTRAlign" val="l"/>
+                            <dgm:param type="txAnchorVertCh" val="mid"/>
+                          </dgm:alg>
+                          <dgm:shape xmlns:r="http://schemas.openxmlformats.org/officeDocument/2006/relationships" type="roundRect" r:blip="" hideGeom="1">
+                            <dgm:adjLst>
+                              <dgm:adj idx="1" val="0.1"/>
+                            </dgm:adjLst>
+                          </dgm:shape>
+                          <dgm:presOf axis="ch desOrSelf" ptType="node node" st="5 1" cnt="1 0"/>
+                          <dgm:constrLst>
+                            <dgm:constr type="lMarg" refType="primFontSz" fact="0.3"/>
+                            <dgm:constr type="rMarg" refType="primFontSz" fact="0.3"/>
+                            <dgm:constr type="tMarg" refType="primFontSz" fact="0.3"/>
+                            <dgm:constr type="bMarg" refType="primFontSz" fact="0.3"/>
+                          </dgm:constrLst>
+                          <dgm:ruleLst>
+                            <dgm:rule type="primFontSz" val="5" fact="NaN" max="NaN"/>
+                          </dgm:ruleLst>
+                        </dgm:layoutNode>
+                      </dgm:if>
+                      <dgm:else name="Name17"/>
+                    </dgm:choose>
+                  </dgm:else>
+                </dgm:choose>
+              </dgm:else>
+            </dgm:choose>
+          </dgm:else>
+        </dgm:choose>
+      </dgm:else>
+    </dgm:choose>
+  </dgm:layoutNode>
+</dgm:layoutDef>
+</file>
+
+<file path=ppt/diagrams/quickStyle1.xml><?xml version="1.0" encoding="utf-8"?>
+<dgm:styleDef xmlns:dgm="http://schemas.openxmlformats.org/drawingml/2006/diagram" xmlns:a="http://schemas.openxmlformats.org/drawingml/2006/main" uniqueId="urn:microsoft.com/office/officeart/2005/8/quickstyle/simple1">
+  <dgm:title val=""/>
+  <dgm:desc val=""/>
+  <dgm:catLst>
+    <dgm:cat type="simple" pri="10100"/>
+  </dgm:catLst>
+  <dgm:scene3d>
+    <a:camera prst="orthographicFront"/>
+    <a:lightRig rig="threePt" dir="t"/>
+  </dgm:scene3d>
+  <dgm:styleLbl name="node0">
+    <dgm:scene3d>
+      <a:camera prst="orthographicFront"/>
+      <a:lightRig rig="threePt" dir="t"/>
+    </dgm:scene3d>
+    <dgm:sp3d/>
+    <dgm:txPr/>
+    <dgm:style>
+      <a:lnRef idx="2">
+        <a:scrgbClr r="0" g="0" b="0"/>
+      </a:lnRef>
+      <a:fillRef idx="1">
+        <a:scrgbClr r="0" g="0" b="0"/>
+      </a:fillRef>
+      <a:effectRef idx="0">
+        <a:scrgbClr r="0" g="0" b="0"/>
+      </a:effectRef>
+      <a:fontRef idx="minor">
+        <a:schemeClr val="lt1"/>
+      </a:fontRef>
+    </dgm:style>
+  </dgm:styleLbl>
+  <dgm:styleLbl name="lnNode1">
+    <dgm:scene3d>
+      <a:camera prst="orthographicFront"/>
+      <a:lightRig rig="threePt" dir="t"/>
+    </dgm:scene3d>
+    <dgm:sp3d/>
+    <dgm:txPr/>
+    <dgm:style>
+      <a:lnRef idx="2">
+        <a:scrgbClr r="0" g="0" b="0"/>
+      </a:lnRef>
+      <a:fillRef idx="1">
+        <a:scrgbClr r="0" g="0" b="0"/>
+      </a:fillRef>
+      <a:effectRef idx="0">
+        <a:scrgbClr r="0" g="0" b="0"/>
+      </a:effectRef>
+      <a:fontRef idx="minor">
+        <a:schemeClr val="lt1"/>
+      </a:fontRef>
+    </dgm:style>
+  </dgm:styleLbl>
+  <dgm:styleLbl name="vennNode1">
+    <dgm:scene3d>
+      <a:camera prst="orthographicFront"/>
+      <a:lightRig rig="threePt" dir="t"/>
+    </dgm:scene3d>
+    <dgm:sp3d/>
+    <dgm:txPr/>
+    <dgm:style>
+      <a:lnRef idx="2">
+        <a:scrgbClr r="0" g="0" b="0"/>
+      </a:lnRef>
+      <a:fillRef idx="1">
+        <a:scrgbClr r="0" g="0" b="0"/>
+      </a:fillRef>
+      <a:effectRef idx="0">
+        <a:scrgbClr r="0" g="0" b="0"/>
+      </a:effectRef>
+      <a:fontRef idx="minor">
+        <a:schemeClr val="tx1"/>
+      </a:fontRef>
+    </dgm:style>
+  </dgm:styleLbl>
+  <dgm:styleLbl name="alignNode1">
+    <dgm:scene3d>
+      <a:camera prst="orthographicFront"/>
+      <a:lightRig rig="threePt" dir="t"/>
+    </dgm:scene3d>
+    <dgm:sp3d/>
+    <dgm:txPr/>
+    <dgm:style>
+      <a:lnRef idx="2">
+        <a:scrgbClr r="0" g="0" b="0"/>
+      </a:lnRef>
+      <a:fillRef idx="1">
+        <a:scrgbClr r="0" g="0" b="0"/>
+      </a:fillRef>
+      <a:effectRef idx="0">
+        <a:scrgbClr r="0" g="0" b="0"/>
+      </a:effectRef>
+      <a:fontRef idx="minor">
+        <a:schemeClr val="lt1"/>
+      </a:fontRef>
+    </dgm:style>
+  </dgm:styleLbl>
+  <dgm:styleLbl name="node1">
+    <dgm:scene3d>
+      <a:camera prst="orthographicFront"/>
+      <a:lightRig rig="threePt" dir="t"/>
+    </dgm:scene3d>
+    <dgm:sp3d/>
+    <dgm:txPr/>
+    <dgm:style>
+      <a:lnRef idx="2">
+        <a:scrgbClr r="0" g="0" b="0"/>
+      </a:lnRef>
+      <a:fillRef idx="1">
+        <a:scrgbClr r="0" g="0" b="0"/>
+      </a:fillRef>
+      <a:effectRef idx="0">
+        <a:scrgbClr r="0" g="0" b="0"/>
+      </a:effectRef>
+      <a:fontRef idx="minor">
+        <a:schemeClr val="lt1"/>
+      </a:fontRef>
+    </dgm:style>
+  </dgm:styleLbl>
+  <dgm:styleLbl name="node2">
+    <dgm:scene3d>
+      <a:camera prst="orthographicFront"/>
+      <a:lightRig rig="threePt" dir="t"/>
+    </dgm:scene3d>
+    <dgm:sp3d/>
+    <dgm:txPr/>
+    <dgm:style>
+      <a:lnRef idx="2">
+        <a:scrgbClr r="0" g="0" b="0"/>
+      </a:lnRef>
+      <a:fillRef idx="1">
+        <a:scrgbClr r="0" g="0" b="0"/>
+      </a:fillRef>
+      <a:effectRef idx="0">
+        <a:scrgbClr r="0" g="0" b="0"/>
+      </a:effectRef>
+      <a:fontRef idx="minor">
+        <a:schemeClr val="lt1"/>
+      </a:fontRef>
+    </dgm:style>
+  </dgm:styleLbl>
+  <dgm:styleLbl name="node3">
+    <dgm:scene3d>
+      <a:camera prst="orthographicFront"/>
+      <a:lightRig rig="threePt" dir="t"/>
+    </dgm:scene3d>
+    <dgm:sp3d/>
+    <dgm:txPr/>
+    <dgm:style>
+      <a:lnRef idx="2">
+        <a:scrgbClr r="0" g="0" b="0"/>
+      </a:lnRef>
+      <a:fillRef idx="1">
+        <a:scrgbClr r="0" g="0" b="0"/>
+      </a:fillRef>
+      <a:effectRef idx="0">
+        <a:scrgbClr r="0" g="0" b="0"/>
+      </a:effectRef>
+      <a:fontRef idx="minor">
+        <a:schemeClr val="lt1"/>
+      </a:fontRef>
+    </dgm:style>
+  </dgm:styleLbl>
+  <dgm:styleLbl name="node4">
+    <dgm:scene3d>
+      <a:camera prst="orthographicFront"/>
+      <a:lightRig rig="threePt" dir="t"/>
+    </dgm:scene3d>
+    <dgm:sp3d/>
+    <dgm:txPr/>
+    <dgm:style>
+      <a:lnRef idx="2">
+        <a:scrgbClr r="0" g="0" b="0"/>
+      </a:lnRef>
+      <a:fillRef idx="1">
+        <a:scrgbClr r="0" g="0" b="0"/>
+      </a:fillRef>
+      <a:effectRef idx="0">
+        <a:scrgbClr r="0" g="0" b="0"/>
+      </a:effectRef>
+      <a:fontRef idx="minor">
+        <a:schemeClr val="lt1"/>
+      </a:fontRef>
+    </dgm:style>
+  </dgm:styleLbl>
+  <dgm:styleLbl name="fgImgPlace1">
+    <dgm:scene3d>
+      <a:camera prst="orthographicFront"/>
+      <a:lightRig rig="threePt" dir="t"/>
+    </dgm:scene3d>
+    <dgm:sp3d/>
+    <dgm:txPr/>
+    <dgm:style>
+      <a:lnRef idx="2">
+        <a:scrgbClr r="0" g="0" b="0"/>
+      </a:lnRef>
+      <a:fillRef idx="1">
+        <a:scrgbClr r="0" g="0" b="0"/>
+      </a:fillRef>
+      <a:effectRef idx="0">
+        <a:scrgbClr r="0" g="0" b="0"/>
+      </a:effectRef>
+      <a:fontRef idx="minor"/>
+    </dgm:style>
+  </dgm:styleLbl>
+  <dgm:styleLbl name="alignImgPlace1">
+    <dgm:scene3d>
+      <a:camera prst="orthographicFront"/>
+      <a:lightRig rig="threePt" dir="t"/>
+    </dgm:scene3d>
+    <dgm:sp3d/>
+    <dgm:txPr/>
+    <dgm:style>
+      <a:lnRef idx="2">
+        <a:scrgbClr r="0" g="0" b="0"/>
+      </a:lnRef>
+      <a:fillRef idx="1">
+        <a:scrgbClr r="0" g="0" b="0"/>
+      </a:fillRef>
+      <a:effectRef idx="0">
+        <a:scrgbClr r="0" g="0" b="0"/>
+      </a:effectRef>
+      <a:fontRef idx="minor"/>
+    </dgm:style>
+  </dgm:styleLbl>
+  <dgm:styleLbl name="bgImgPlace1">
+    <dgm:scene3d>
+      <a:camera prst="orthographicFront"/>
+      <a:lightRig rig="threePt" dir="t"/>
+    </dgm:scene3d>
+    <dgm:sp3d/>
+    <dgm:txPr/>
+    <dgm:style>
+      <a:lnRef idx="2">
+        <a:scrgbClr r="0" g="0" b="0"/>
+      </a:lnRef>
+      <a:fillRef idx="1">
+        <a:scrgbClr r="0" g="0" b="0"/>
+      </a:fillRef>
+      <a:effectRef idx="0">
+        <a:scrgbClr r="0" g="0" b="0"/>
+      </a:effectRef>
+      <a:fontRef idx="minor"/>
+    </dgm:style>
+  </dgm:styleLbl>
+  <dgm:styleLbl name="sibTrans2D1">
+    <dgm:scene3d>
+      <a:camera prst="orthographicFront"/>
+      <a:lightRig rig="threePt" dir="t"/>
+    </dgm:scene3d>
+    <dgm:sp3d/>
+    <dgm:txPr/>
+    <dgm:style>
+      <a:lnRef idx="0">
+        <a:scrgbClr r="0" g="0" b="0"/>
+      </a:lnRef>
+      <a:fillRef idx="1">
+        <a:scrgbClr r="0" g="0" b="0"/>
+      </a:fillRef>
+      <a:effectRef idx="0">
+        <a:scrgbClr r="0" g="0" b="0"/>
+      </a:effectRef>
+      <a:fontRef idx="minor">
+        <a:schemeClr val="lt1"/>
+      </a:fontRef>
+    </dgm:style>
+  </dgm:styleLbl>
+  <dgm:styleLbl name="fgSibTrans2D1">
+    <dgm:scene3d>
+      <a:camera prst="orthographicFront"/>
+      <a:lightRig rig="threePt" dir="t"/>
+    </dgm:scene3d>
+    <dgm:sp3d/>
+    <dgm:txPr/>
+    <dgm:style>
+      <a:lnRef idx="0">
+        <a:scrgbClr r="0" g="0" b="0"/>
+      </a:lnRef>
+      <a:fillRef idx="1">
+        <a:scrgbClr r="0" g="0" b="0"/>
+      </a:fillRef>
+      <a:effectRef idx="0">
+        <a:scrgbClr r="0" g="0" b="0"/>
+      </a:effectRef>
+      <a:fontRef idx="minor">
+        <a:schemeClr val="lt1"/>
+      </a:fontRef>
+    </dgm:style>
+  </dgm:styleLbl>
+  <dgm:styleLbl name="bgSibTrans2D1">
+    <dgm:scene3d>
+      <a:camera prst="orthographicFront"/>
+      <a:lightRig rig="threePt" dir="t"/>
+    </dgm:scene3d>
+    <dgm:sp3d/>
+    <dgm:txPr/>
+    <dgm:style>
+      <a:lnRef idx="0">
+        <a:scrgbClr r="0" g="0" b="0"/>
+      </a:lnRef>
+      <a:fillRef idx="1">
+        <a:scrgbClr r="0" g="0" b="0"/>
+      </a:fillRef>
+      <a:effectRef idx="0">
+        <a:scrgbClr r="0" g="0" b="0"/>
+      </a:effectRef>
+      <a:fontRef idx="minor">
+        <a:schemeClr val="lt1"/>
+      </a:fontRef>
+    </dgm:style>
+  </dgm:styleLbl>
+  <dgm:styleLbl name="sibTrans1D1">
+    <dgm:scene3d>
+      <a:camera prst="orthographicFront"/>
+      <a:lightRig rig="threePt" dir="t"/>
+    </dgm:scene3d>
+    <dgm:sp3d/>
+    <dgm:txPr/>
+    <dgm:style>
+      <a:lnRef idx="1">
+        <a:scrgbClr r="0" g="0" b="0"/>
+      </a:lnRef>
+      <a:fillRef idx="0">
+        <a:scrgbClr r="0" g="0" b="0"/>
+      </a:fillRef>
+      <a:effectRef idx="0">
+        <a:scrgbClr r="0" g="0" b="0"/>
+      </a:effectRef>
+      <a:fontRef idx="minor"/>
+    </dgm:style>
+  </dgm:styleLbl>
+  <dgm:styleLbl name="callout">
+    <dgm:scene3d>
+      <a:camera prst="orthographicFront"/>
+      <a:lightRig rig="threePt" dir="t"/>
+    </dgm:scene3d>
+    <dgm:sp3d/>
+    <dgm:txPr/>
+    <dgm:style>
+      <a:lnRef idx="2">
+        <a:scrgbClr r="0" g="0" b="0"/>
+      </a:lnRef>
+      <a:fillRef idx="1">
+        <a:scrgbClr r="0" g="0" b="0"/>
+      </a:fillRef>
+      <a:effectRef idx="0">
+        <a:scrgbClr r="0" g="0" b="0"/>
+      </a:effectRef>
+      <a:fontRef idx="minor"/>
+    </dgm:style>
+  </dgm:styleLbl>
+  <dgm:styleLbl name="asst0">
+    <dgm:scene3d>
+      <a:camera prst="orthographicFront"/>
+      <a:lightRig rig="threePt" dir="t"/>
+    </dgm:scene3d>
+    <dgm:sp3d/>
+    <dgm:txPr/>
+    <dgm:style>
+      <a:lnRef idx="2">
+        <a:scrgbClr r="0" g="0" b="0"/>
+      </a:lnRef>
+      <a:fillRef idx="1">
+        <a:scrgbClr r="0" g="0" b="0"/>
+      </a:fillRef>
+      <a:effectRef idx="0">
+        <a:scrgbClr r="0" g="0" b="0"/>
+      </a:effectRef>
+      <a:fontRef idx="minor">
+        <a:schemeClr val="lt1"/>
+      </a:fontRef>
+    </dgm:style>
+  </dgm:styleLbl>
+  <dgm:styleLbl name="asst1">
+    <dgm:scene3d>
+      <a:camera prst="orthographicFront"/>
+      <a:lightRig rig="threePt" dir="t"/>
+    </dgm:scene3d>
+    <dgm:sp3d/>
+    <dgm:txPr/>
+    <dgm:style>
+      <a:lnRef idx="2">
+        <a:scrgbClr r="0" g="0" b="0"/>
+      </a:lnRef>
+      <a:fillRef idx="1">
+        <a:scrgbClr r="0" g="0" b="0"/>
+      </a:fillRef>
+      <a:effectRef idx="0">
+        <a:scrgbClr r="0" g="0" b="0"/>
+      </a:effectRef>
+      <a:fontRef idx="minor">
+        <a:schemeClr val="lt1"/>
+      </a:fontRef>
+    </dgm:style>
+  </dgm:styleLbl>
+  <dgm:styleLbl name="asst2">
+    <dgm:scene3d>
+      <a:camera prst="orthographicFront"/>
+      <a:lightRig rig="threePt" dir="t"/>
+    </dgm:scene3d>
+    <dgm:sp3d/>
+    <dgm:txPr/>
+    <dgm:style>
+      <a:lnRef idx="2">
+        <a:scrgbClr r="0" g="0" b="0"/>
+      </a:lnRef>
+      <a:fillRef idx="1">
+        <a:scrgbClr r="0" g="0" b="0"/>
+      </a:fillRef>
+      <a:effectRef idx="0">
+        <a:scrgbClr r="0" g="0" b="0"/>
+      </a:effectRef>
+      <a:fontRef idx="minor">
+        <a:schemeClr val="lt1"/>
+      </a:fontRef>
+    </dgm:style>
+  </dgm:styleLbl>
+  <dgm:styleLbl name="asst3">
+    <dgm:scene3d>
+      <a:camera prst="orthographicFront"/>
+      <a:lightRig rig="threePt" dir="t"/>
+    </dgm:scene3d>
+    <dgm:sp3d/>
+    <dgm:txPr/>
+    <dgm:style>
+      <a:lnRef idx="2">
+        <a:scrgbClr r="0" g="0" b="0"/>
+      </a:lnRef>
+      <a:fillRef idx="1">
+        <a:scrgbClr r="0" g="0" b="0"/>
+      </a:fillRef>
+      <a:effectRef idx="0">
+        <a:scrgbClr r="0" g="0" b="0"/>
+      </a:effectRef>
+      <a:fontRef idx="minor">
+        <a:schemeClr val="lt1"/>
+      </a:fontRef>
+    </dgm:style>
+  </dgm:styleLbl>
+  <dgm:styleLbl name="asst4">
+    <dgm:scene3d>
+      <a:camera prst="orthographicFront"/>
+      <a:lightRig rig="threePt" dir="t"/>
+    </dgm:scene3d>
+    <dgm:sp3d/>
+    <dgm:txPr/>
+    <dgm:style>
+      <a:lnRef idx="2">
+        <a:scrgbClr r="0" g="0" b="0"/>
+      </a:lnRef>
+      <a:fillRef idx="1">
+        <a:scrgbClr r="0" g="0" b="0"/>
+      </a:fillRef>
+      <a:effectRef idx="0">
+        <a:scrgbClr r="0" g="0" b="0"/>
+      </a:effectRef>
+      <a:fontRef idx="minor">
+        <a:schemeClr val="lt1"/>
+      </a:fontRef>
+    </dgm:style>
+  </dgm:styleLbl>
+  <dgm:styleLbl name="parChTrans2D1">
+    <dgm:scene3d>
+      <a:camera prst="orthographicFront"/>
+      <a:lightRig rig="threePt" dir="t"/>
+    </dgm:scene3d>
+    <dgm:sp3d/>
+    <dgm:txPr/>
+    <dgm:style>
+      <a:lnRef idx="2">
+        <a:scrgbClr r="0" g="0" b="0"/>
+      </a:lnRef>
+      <a:fillRef idx="1">
+        <a:scrgbClr r="0" g="0" b="0"/>
+      </a:fillRef>
+      <a:effectRef idx="0">
+        <a:scrgbClr r="0" g="0" b="0"/>
+      </a:effectRef>
+      <a:fontRef idx="minor">
+        <a:schemeClr val="lt1"/>
+      </a:fontRef>
+    </dgm:style>
+  </dgm:styleLbl>
+  <dgm:styleLbl name="parChTrans2D2">
+    <dgm:scene3d>
+      <a:camera prst="orthographicFront"/>
+      <a:lightRig rig="threePt" dir="t"/>
+    </dgm:scene3d>
+    <dgm:sp3d/>
+    <dgm:txPr/>
+    <dgm:style>
+      <a:lnRef idx="2">
+        <a:scrgbClr r="0" g="0" b="0"/>
+      </a:lnRef>
+      <a:fillRef idx="1">
+        <a:scrgbClr r="0" g="0" b="0"/>
+      </a:fillRef>
+      <a:effectRef idx="0">
+        <a:scrgbClr r="0" g="0" b="0"/>
+      </a:effectRef>
+      <a:fontRef idx="minor">
+        <a:schemeClr val="lt1"/>
+      </a:fontRef>
+    </dgm:style>
+  </dgm:styleLbl>
+  <dgm:styleLbl name="parChTrans2D3">
+    <dgm:scene3d>
+      <a:camera prst="orthographicFront"/>
+      <a:lightRig rig="threePt" dir="t"/>
+    </dgm:scene3d>
+    <dgm:sp3d/>
+    <dgm:txPr/>
+    <dgm:style>
+      <a:lnRef idx="2">
+        <a:scrgbClr r="0" g="0" b="0"/>
+      </a:lnRef>
+      <a:fillRef idx="1">
+        <a:scrgbClr r="0" g="0" b="0"/>
+      </a:fillRef>
+      <a:effectRef idx="0">
+        <a:scrgbClr r="0" g="0" b="0"/>
+      </a:effectRef>
+      <a:fontRef idx="minor">
+        <a:schemeClr val="lt1"/>
+      </a:fontRef>
+    </dgm:style>
+  </dgm:styleLbl>
+  <dgm:styleLbl name="parChTrans2D4">
+    <dgm:scene3d>
+      <a:camera prst="orthographicFront"/>
+      <a:lightRig rig="threePt" dir="t"/>
+    </dgm:scene3d>
+    <dgm:sp3d/>
+    <dgm:txPr/>
+    <dgm:style>
+      <a:lnRef idx="2">
+        <a:scrgbClr r="0" g="0" b="0"/>
+      </a:lnRef>
+      <a:fillRef idx="1">
+        <a:scrgbClr r="0" g="0" b="0"/>
+      </a:fillRef>
+      <a:effectRef idx="0">
+        <a:scrgbClr r="0" g="0" b="0"/>
+      </a:effectRef>
+      <a:fontRef idx="minor">
+        <a:schemeClr val="lt1"/>
+      </a:fontRef>
+    </dgm:style>
+  </dgm:styleLbl>
+  <dgm:styleLbl name="parChTrans1D1">
+    <dgm:scene3d>
+      <a:camera prst="orthographicFront"/>
+      <a:lightRig rig="threePt" dir="t"/>
+    </dgm:scene3d>
+    <dgm:sp3d/>
+    <dgm:txPr/>
+    <dgm:style>
+      <a:lnRef idx="2">
+        <a:scrgbClr r="0" g="0" b="0"/>
+      </a:lnRef>
+      <a:fillRef idx="0">
+        <a:scrgbClr r="0" g="0" b="0"/>
+      </a:fillRef>
+      <a:effectRef idx="0">
+        <a:scrgbClr r="0" g="0" b="0"/>
+      </a:effectRef>
+      <a:fontRef idx="minor"/>
+    </dgm:style>
+  </dgm:styleLbl>
+  <dgm:styleLbl name="parChTrans1D2">
+    <dgm:scene3d>
+      <a:camera prst="orthographicFront"/>
+      <a:lightRig rig="threePt" dir="t"/>
+    </dgm:scene3d>
+    <dgm:sp3d/>
+    <dgm:txPr/>
+    <dgm:style>
+      <a:lnRef idx="2">
+        <a:scrgbClr r="0" g="0" b="0"/>
+      </a:lnRef>
+      <a:fillRef idx="0">
+        <a:scrgbClr r="0" g="0" b="0"/>
+      </a:fillRef>
+      <a:effectRef idx="0">
+        <a:scrgbClr r="0" g="0" b="0"/>
+      </a:effectRef>
+      <a:fontRef idx="minor"/>
+    </dgm:style>
+  </dgm:styleLbl>
+  <dgm:styleLbl name="parChTrans1D3">
+    <dgm:scene3d>
+      <a:camera prst="orthographicFront"/>
+      <a:lightRig rig="threePt" dir="t"/>
+    </dgm:scene3d>
+    <dgm:sp3d/>
+    <dgm:txPr/>
+    <dgm:style>
+      <a:lnRef idx="2">
+        <a:scrgbClr r="0" g="0" b="0"/>
+      </a:lnRef>
+      <a:fillRef idx="0">
+        <a:scrgbClr r="0" g="0" b="0"/>
+      </a:fillRef>
+      <a:effectRef idx="0">
+        <a:scrgbClr r="0" g="0" b="0"/>
+      </a:effectRef>
+      <a:fontRef idx="minor"/>
+    </dgm:style>
+  </dgm:styleLbl>
+  <dgm:styleLbl name="parChTrans1D4">
+    <dgm:scene3d>
+      <a:camera prst="orthographicFront"/>
+      <a:lightRig rig="threePt" dir="t"/>
+    </dgm:scene3d>
+    <dgm:sp3d/>
+    <dgm:txPr/>
+    <dgm:style>
+      <a:lnRef idx="2">
+        <a:scrgbClr r="0" g="0" b="0"/>
+      </a:lnRef>
+      <a:fillRef idx="0">
+        <a:scrgbClr r="0" g="0" b="0"/>
+      </a:fillRef>
+      <a:effectRef idx="0">
+        <a:scrgbClr r="0" g="0" b="0"/>
+      </a:effectRef>
+      <a:fontRef idx="minor"/>
+    </dgm:style>
+  </dgm:styleLbl>
+  <dgm:styleLbl name="fgAcc1">
+    <dgm:scene3d>
+      <a:camera prst="orthographicFront"/>
+      <a:lightRig rig="threePt" dir="t"/>
+    </dgm:scene3d>
+    <dgm:sp3d/>
+    <dgm:txPr/>
+    <dgm:style>
+      <a:lnRef idx="2">
+        <a:scrgbClr r="0" g="0" b="0"/>
+      </a:lnRef>
+      <a:fillRef idx="1">
+        <a:scrgbClr r="0" g="0" b="0"/>
+      </a:fillRef>
+      <a:effectRef idx="0">
+        <a:scrgbClr r="0" g="0" b="0"/>
+      </a:effectRef>
+      <a:fontRef idx="minor"/>
+    </dgm:style>
+  </dgm:styleLbl>
+  <dgm:styleLbl name="conFgAcc1">
+    <dgm:scene3d>
+      <a:camera prst="orthographicFront"/>
+      <a:lightRig rig="threePt" dir="t"/>
+    </dgm:scene3d>
+    <dgm:sp3d/>
+    <dgm:txPr/>
+    <dgm:style>
+      <a:lnRef idx="2">
+        <a:scrgbClr r="0" g="0" b="0"/>
+      </a:lnRef>
+      <a:fillRef idx="1">
+        <a:scrgbClr r="0" g="0" b="0"/>
+      </a:fillRef>
+      <a:effectRef idx="0">
+        <a:scrgbClr r="0" g="0" b="0"/>
+      </a:effectRef>
+      <a:fontRef idx="minor"/>
+    </dgm:style>
+  </dgm:styleLbl>
+  <dgm:styleLbl name="alignAcc1">
+    <dgm:scene3d>
+      <a:camera prst="orthographicFront"/>
+      <a:lightRig rig="threePt" dir="t"/>
+    </dgm:scene3d>
+    <dgm:sp3d/>
+    <dgm:txPr/>
+    <dgm:style>
+      <a:lnRef idx="2">
+        <a:scrgbClr r="0" g="0" b="0"/>
+      </a:lnRef>
+      <a:fillRef idx="1">
+        <a:scrgbClr r="0" g="0" b="0"/>
+      </a:fillRef>
+      <a:effectRef idx="0">
+        <a:scrgbClr r="0" g="0" b="0"/>
+      </a:effectRef>
+      <a:fontRef idx="minor"/>
+    </dgm:style>
+  </dgm:styleLbl>
+  <dgm:styleLbl name="trAlignAcc1">
+    <dgm:scene3d>
+      <a:camera prst="orthographicFront"/>
+      <a:lightRig rig="threePt" dir="t"/>
+    </dgm:scene3d>
+    <dgm:sp3d/>
+    <dgm:txPr/>
+    <dgm:style>
+      <a:lnRef idx="1">
+        <a:scrgbClr r="0" g="0" b="0"/>
+      </a:lnRef>
+      <a:fillRef idx="1">
+        <a:scrgbClr r="0" g="0" b="0"/>
+      </a:fillRef>
+      <a:effectRef idx="0">
+        <a:scrgbClr r="0" g="0" b="0"/>
+      </a:effectRef>
+      <a:fontRef idx="minor"/>
+    </dgm:style>
+  </dgm:styleLbl>
+  <dgm:styleLbl name="bgAcc1">
+    <dgm:scene3d>
+      <a:camera prst="orthographicFront"/>
+      <a:lightRig rig="threePt" dir="t"/>
+    </dgm:scene3d>
+    <dgm:sp3d/>
+    <dgm:txPr/>
+    <dgm:style>
+      <a:lnRef idx="2">
+        <a:scrgbClr r="0" g="0" b="0"/>
+      </a:lnRef>
+      <a:fillRef idx="1">
+        <a:scrgbClr r="0" g="0" b="0"/>
+      </a:fillRef>
+      <a:effectRef idx="0">
+        <a:scrgbClr r="0" g="0" b="0"/>
+      </a:effectRef>
+      <a:fontRef idx="minor"/>
+    </dgm:style>
+  </dgm:styleLbl>
+  <dgm:styleLbl name="solidFgAcc1">
+    <dgm:scene3d>
+      <a:camera prst="orthographicFront"/>
+      <a:lightRig rig="threePt" dir="t"/>
+    </dgm:scene3d>
+    <dgm:sp3d/>
+    <dgm:txPr/>
+    <dgm:style>
+      <a:lnRef idx="2">
+        <a:scrgbClr r="0" g="0" b="0"/>
+      </a:lnRef>
+      <a:fillRef idx="1">
+        <a:scrgbClr r="0" g="0" b="0"/>
+      </a:fillRef>
+      <a:effectRef idx="0">
+        <a:scrgbClr r="0" g="0" b="0"/>
+      </a:effectRef>
+      <a:fontRef idx="minor"/>
+    </dgm:style>
+  </dgm:styleLbl>
+  <dgm:styleLbl name="solidAlignAcc1">
+    <dgm:scene3d>
+      <a:camera prst="orthographicFront"/>
+      <a:lightRig rig="threePt" dir="t"/>
+    </dgm:scene3d>
+    <dgm:sp3d/>
+    <dgm:txPr/>
+    <dgm:style>
+      <a:lnRef idx="2">
+        <a:scrgbClr r="0" g="0" b="0"/>
+      </a:lnRef>
+      <a:fillRef idx="1">
+        <a:scrgbClr r="0" g="0" b="0"/>
+      </a:fillRef>
+      <a:effectRef idx="0">
+        <a:scrgbClr r="0" g="0" b="0"/>
+      </a:effectRef>
+      <a:fontRef idx="minor"/>
+    </dgm:style>
+  </dgm:styleLbl>
+  <dgm:styleLbl name="solidBgAcc1">
+    <dgm:scene3d>
+      <a:camera prst="orthographicFront"/>
+      <a:lightRig rig="threePt" dir="t"/>
+    </dgm:scene3d>
+    <dgm:sp3d/>
+    <dgm:txPr/>
+    <dgm:style>
+      <a:lnRef idx="2">
+        <a:scrgbClr r="0" g="0" b="0"/>
+      </a:lnRef>
+      <a:fillRef idx="1">
+        <a:scrgbClr r="0" g="0" b="0"/>
+      </a:fillRef>
+      <a:effectRef idx="0">
+        <a:scrgbClr r="0" g="0" b="0"/>
+      </a:effectRef>
+      <a:fontRef idx="minor"/>
+    </dgm:style>
+  </dgm:styleLbl>
+  <dgm:styleLbl name="fgAccFollowNode1">
+    <dgm:scene3d>
+      <a:camera prst="orthographicFront"/>
+      <a:lightRig rig="threePt" dir="t"/>
+    </dgm:scene3d>
+    <dgm:sp3d/>
+    <dgm:txPr/>
+    <dgm:style>
+      <a:lnRef idx="2">
+        <a:scrgbClr r="0" g="0" b="0"/>
+      </a:lnRef>
+      <a:fillRef idx="1">
+        <a:scrgbClr r="0" g="0" b="0"/>
+      </a:fillRef>
+      <a:effectRef idx="0">
+        <a:scrgbClr r="0" g="0" b="0"/>
+      </a:effectRef>
+      <a:fontRef idx="minor"/>
+    </dgm:style>
+  </dgm:styleLbl>
+  <dgm:styleLbl name="alignAccFollowNode1">
+    <dgm:scene3d>
+      <a:camera prst="orthographicFront"/>
+      <a:lightRig rig="threePt" dir="t"/>
+    </dgm:scene3d>
+    <dgm:sp3d/>
+    <dgm:txPr/>
+    <dgm:style>
+      <a:lnRef idx="2">
+        <a:scrgbClr r="0" g="0" b="0"/>
+      </a:lnRef>
+      <a:fillRef idx="1">
+        <a:scrgbClr r="0" g="0" b="0"/>
+      </a:fillRef>
+      <a:effectRef idx="0">
+        <a:scrgbClr r="0" g="0" b="0"/>
+      </a:effectRef>
+      <a:fontRef idx="minor"/>
+    </dgm:style>
+  </dgm:styleLbl>
+  <dgm:styleLbl name="bgAccFollowNode1">
+    <dgm:scene3d>
+      <a:camera prst="orthographicFront"/>
+      <a:lightRig rig="threePt" dir="t"/>
+    </dgm:scene3d>
+    <dgm:sp3d/>
+    <dgm:txPr/>
+    <dgm:style>
+      <a:lnRef idx="2">
+        <a:scrgbClr r="0" g="0" b="0"/>
+      </a:lnRef>
+      <a:fillRef idx="1">
+        <a:scrgbClr r="0" g="0" b="0"/>
+      </a:fillRef>
+      <a:effectRef idx="0">
+        <a:scrgbClr r="0" g="0" b="0"/>
+      </a:effectRef>
+      <a:fontRef idx="minor"/>
+    </dgm:style>
+  </dgm:styleLbl>
+  <dgm:styleLbl name="fgAcc0">
+    <dgm:scene3d>
+      <a:camera prst="orthographicFront"/>
+      <a:lightRig rig="threePt" dir="t"/>
+    </dgm:scene3d>
+    <dgm:sp3d/>
+    <dgm:txPr/>
+    <dgm:style>
+      <a:lnRef idx="2">
+        <a:scrgbClr r="0" g="0" b="0"/>
+      </a:lnRef>
+      <a:fillRef idx="1">
+        <a:scrgbClr r="0" g="0" b="0"/>
+      </a:fillRef>
+      <a:effectRef idx="0">
+        <a:scrgbClr r="0" g="0" b="0"/>
+      </a:effectRef>
+      <a:fontRef idx="minor"/>
+    </dgm:style>
+  </dgm:styleLbl>
+  <dgm:styleLbl name="fgAcc2">
+    <dgm:scene3d>
+      <a:camera prst="orthographicFront"/>
+      <a:lightRig rig="threePt" dir="t"/>
+    </dgm:scene3d>
+    <dgm:sp3d/>
+    <dgm:txPr/>
+    <dgm:style>
+      <a:lnRef idx="2">
+        <a:scrgbClr r="0" g="0" b="0"/>
+      </a:lnRef>
+      <a:fillRef idx="1">
+        <a:scrgbClr r="0" g="0" b="0"/>
+      </a:fillRef>
+      <a:effectRef idx="0">
+        <a:scrgbClr r="0" g="0" b="0"/>
+      </a:effectRef>
+      <a:fontRef idx="minor"/>
+    </dgm:style>
+  </dgm:styleLbl>
+  <dgm:styleLbl name="fgAcc3">
+    <dgm:scene3d>
+      <a:camera prst="orthographicFront"/>
+      <a:lightRig rig="threePt" dir="t"/>
+    </dgm:scene3d>
+    <dgm:sp3d/>
+    <dgm:txPr/>
+    <dgm:style>
+      <a:lnRef idx="2">
+        <a:scrgbClr r="0" g="0" b="0"/>
+      </a:lnRef>
+      <a:fillRef idx="1">
+        <a:scrgbClr r="0" g="0" b="0"/>
+      </a:fillRef>
+      <a:effectRef idx="0">
+        <a:scrgbClr r="0" g="0" b="0"/>
+      </a:effectRef>
+      <a:fontRef idx="minor"/>
+    </dgm:style>
+  </dgm:styleLbl>
+  <dgm:styleLbl name="fgAcc4">
+    <dgm:scene3d>
+      <a:camera prst="orthographicFront"/>
+      <a:lightRig rig="threePt" dir="t"/>
+    </dgm:scene3d>
+    <dgm:sp3d/>
+    <dgm:txPr/>
+    <dgm:style>
+      <a:lnRef idx="2">
+        <a:scrgbClr r="0" g="0" b="0"/>
+      </a:lnRef>
+      <a:fillRef idx="1">
+        <a:scrgbClr r="0" g="0" b="0"/>
+      </a:fillRef>
+      <a:effectRef idx="0">
+        <a:scrgbClr r="0" g="0" b="0"/>
+      </a:effectRef>
+      <a:fontRef idx="minor"/>
+    </dgm:style>
+  </dgm:styleLbl>
+  <dgm:styleLbl name="bgShp">
+    <dgm:scene3d>
+      <a:camera prst="orthographicFront"/>
+      <a:lightRig rig="threePt" dir="t"/>
+    </dgm:scene3d>
+    <dgm:sp3d/>
+    <dgm:txPr/>
+    <dgm:style>
+      <a:lnRef idx="0">
+        <a:scrgbClr r="0" g="0" b="0"/>
+      </a:lnRef>
+      <a:fillRef idx="1">
+        <a:scrgbClr r="0" g="0" b="0"/>
+      </a:fillRef>
+      <a:effectRef idx="0">
+        <a:scrgbClr r="0" g="0" b="0"/>
+      </a:effectRef>
+      <a:fontRef idx="minor"/>
+    </dgm:style>
+  </dgm:styleLbl>
+  <dgm:styleLbl name="dkBgShp">
+    <dgm:scene3d>
+      <a:camera prst="orthographicFront"/>
+      <a:lightRig rig="threePt" dir="t"/>
+    </dgm:scene3d>
+    <dgm:sp3d/>
+    <dgm:txPr/>
+    <dgm:style>
+      <a:lnRef idx="0">
+        <a:scrgbClr r="0" g="0" b="0"/>
+      </a:lnRef>
+      <a:fillRef idx="1">
+        <a:scrgbClr r="0" g="0" b="0"/>
+      </a:fillRef>
+      <a:effectRef idx="0">
+        <a:scrgbClr r="0" g="0" b="0"/>
+      </a:effectRef>
+      <a:fontRef idx="minor"/>
+    </dgm:style>
+  </dgm:styleLbl>
+  <dgm:styleLbl name="trBgShp">
+    <dgm:scene3d>
+      <a:camera prst="orthographicFront"/>
+      <a:lightRig rig="threePt" dir="t"/>
+    </dgm:scene3d>
+    <dgm:sp3d/>
+    <dgm:txPr/>
+    <dgm:style>
+      <a:lnRef idx="0">
+        <a:scrgbClr r="0" g="0" b="0"/>
+      </a:lnRef>
+      <a:fillRef idx="1">
+        <a:scrgbClr r="0" g="0" b="0"/>
+      </a:fillRef>
+      <a:effectRef idx="0">
+        <a:scrgbClr r="0" g="0" b="0"/>
+      </a:effectRef>
+      <a:fontRef idx="minor"/>
+    </dgm:style>
+  </dgm:styleLbl>
+  <dgm:styleLbl name="fgShp">
+    <dgm:scene3d>
+      <a:camera prst="orthographicFront"/>
+      <a:lightRig rig="threePt" dir="t"/>
+    </dgm:scene3d>
+    <dgm:sp3d/>
+    <dgm:txPr/>
+    <dgm:style>
+      <a:lnRef idx="2">
+        <a:scrgbClr r="0" g="0" b="0"/>
+      </a:lnRef>
+      <a:fillRef idx="1">
+        <a:scrgbClr r="0" g="0" b="0"/>
+      </a:fillRef>
+      <a:effectRef idx="0">
+        <a:scrgbClr r="0" g="0" b="0"/>
+      </a:effectRef>
+      <a:fontRef idx="minor"/>
+    </dgm:style>
+  </dgm:styleLbl>
+  <dgm:styleLbl name="revTx">
+    <dgm:scene3d>
+      <a:camera prst="orthographicFront"/>
+      <a:lightRig rig="threePt" dir="t"/>
+    </dgm:scene3d>
+    <dgm:sp3d/>
+    <dgm:txPr/>
+    <dgm:style>
+      <a:lnRef idx="0">
+        <a:scrgbClr r="0" g="0" b="0"/>
+      </a:lnRef>
+      <a:fillRef idx="0">
+        <a:scrgbClr r="0" g="0" b="0"/>
+      </a:fillRef>
+      <a:effectRef idx="0">
+        <a:scrgbClr r="0" g="0" b="0"/>
+      </a:effectRef>
+      <a:fontRef idx="minor"/>
+    </dgm:style>
+  </dgm:styleLbl>
+</dgm:styleDef>
+</file>
+
 <file path=ppt/slideLayouts/slideLayout1.xml><?xml version="1.0" encoding="utf-8"?>
 <p:sldLayout xmlns:a="http://schemas.openxmlformats.org/drawingml/2006/main" xmlns:r="http://schemas.openxmlformats.org/officeDocument/2006/relationships" xmlns:p="http://schemas.openxmlformats.org/presentationml/2006/main" type="title" preserve="1">
   <p:cSld name="Титульный слайд">
@@ -12588,7 +17055,7 @@
         <p:spPr>
           <a:xfrm>
             <a:off x="531271" y="1791547"/>
-            <a:ext cx="10037818" cy="2577629"/>
+            <a:ext cx="10037818" cy="2621808"/>
           </a:xfrm>
           <a:prstGeom prst="rect">
             <a:avLst/>
@@ -12606,7 +17073,7 @@
               </a:lnSpc>
             </a:pPr>
             <a:r>
-              <a:rPr lang="en-US" sz="7669" spc="-276" dirty="0" err="1">
+              <a:rPr lang="en-US" sz="7650" spc="-276" dirty="0" err="1">
                 <a:solidFill>
                   <a:srgbClr val="F0F0EE"/>
                 </a:solidFill>
@@ -12615,7 +17082,7 @@
               <a:t>Разработка</a:t>
             </a:r>
             <a:r>
-              <a:rPr lang="en-US" sz="7669" spc="-276" dirty="0">
+              <a:rPr lang="en-US" sz="7650" spc="-276" dirty="0">
                 <a:solidFill>
                   <a:srgbClr val="F0F0EE"/>
                 </a:solidFill>
@@ -12624,7 +17091,7 @@
               <a:t> и </a:t>
             </a:r>
             <a:r>
-              <a:rPr lang="en-US" sz="7669" spc="-276" dirty="0" err="1">
+              <a:rPr lang="en-US" sz="7650" spc="-276" dirty="0" err="1">
                 <a:solidFill>
                   <a:srgbClr val="F0F0EE"/>
                 </a:solidFill>
@@ -12633,7 +17100,7 @@
               <a:t>создание</a:t>
             </a:r>
             <a:r>
-              <a:rPr lang="en-US" sz="7669" spc="-276" dirty="0">
+              <a:rPr lang="en-US" sz="7650" spc="-276" dirty="0">
                 <a:solidFill>
                   <a:srgbClr val="F0F0EE"/>
                 </a:solidFill>
@@ -12642,15 +17109,15 @@
               <a:t> </a:t>
             </a:r>
             <a:r>
-              <a:rPr lang="ru-RU" sz="7669" spc="-276" dirty="0">
+              <a:rPr lang="ru-RU" sz="7650" spc="-276" dirty="0">
                 <a:solidFill>
                   <a:srgbClr val="F0F0EE"/>
                 </a:solidFill>
                 <a:latin typeface="Alegreya Sans SC Bold"/>
               </a:rPr>
-              <a:t>приложение для База данных «Колледж»</a:t>
-            </a:r>
-            <a:endParaRPr lang="en-US" sz="7669" spc="-276" dirty="0">
+              <a:t>приложение для Базы данных «Колледж»</a:t>
+            </a:r>
+            <a:endParaRPr lang="en-US" sz="7650" spc="-276" dirty="0">
               <a:solidFill>
                 <a:srgbClr val="F0F0EE"/>
               </a:solidFill>
@@ -13059,7 +17526,7 @@
       </p:grpSpPr>
       <p:pic>
         <p:nvPicPr>
-          <p:cNvPr id="75" name="Picture 74">
+          <p:cNvPr id="98" name="Picture 97">
             <a:extLst>
               <a:ext uri="{FF2B5EF4-FFF2-40B4-BE49-F238E27FC236}">
                 <a16:creationId xmlns:a16="http://schemas.microsoft.com/office/drawing/2014/main" id="{5321D838-2C7E-4177-9DD3-DAC78324A2B2}"/>
@@ -13105,7 +17572,7 @@
       </p:pic>
       <p:pic>
         <p:nvPicPr>
-          <p:cNvPr id="77" name="Picture 76">
+          <p:cNvPr id="100" name="Picture 99">
             <a:extLst>
               <a:ext uri="{FF2B5EF4-FFF2-40B4-BE49-F238E27FC236}">
                 <a16:creationId xmlns:a16="http://schemas.microsoft.com/office/drawing/2014/main" id="{224C28B3-E902-49D1-98A0-582D277A0E00}"/>
@@ -13150,7 +17617,7 @@
       </p:pic>
       <p:pic>
         <p:nvPicPr>
-          <p:cNvPr id="79" name="Picture 78">
+          <p:cNvPr id="102" name="Picture 101">
             <a:extLst>
               <a:ext uri="{FF2B5EF4-FFF2-40B4-BE49-F238E27FC236}">
                 <a16:creationId xmlns:a16="http://schemas.microsoft.com/office/drawing/2014/main" id="{F3A6C14C-E755-4A02-821B-6EA2D4C9F20D}"/>
@@ -13195,7 +17662,7 @@
       </p:pic>
       <p:sp>
         <p:nvSpPr>
-          <p:cNvPr id="81" name="Rectangle 80">
+          <p:cNvPr id="104" name="Rectangle 103">
             <a:extLst>
               <a:ext uri="{FF2B5EF4-FFF2-40B4-BE49-F238E27FC236}">
                 <a16:creationId xmlns:a16="http://schemas.microsoft.com/office/drawing/2014/main" id="{6478287C-E119-4E9C-95B0-518478BD9D07}"/>
@@ -13253,7 +17720,7 @@
       </p:sp>
       <p:sp>
         <p:nvSpPr>
-          <p:cNvPr id="83" name="Rectangle 82">
+          <p:cNvPr id="106" name="Rectangle 105">
             <a:extLst>
               <a:ext uri="{FF2B5EF4-FFF2-40B4-BE49-F238E27FC236}">
                 <a16:creationId xmlns:a16="http://schemas.microsoft.com/office/drawing/2014/main" id="{EA4A294F-6D36-425B-8632-27FD6A284D09}"/>
@@ -13308,7 +17775,7 @@
       </p:sp>
       <p:sp useBgFill="1">
         <p:nvSpPr>
-          <p:cNvPr id="85" name="Rectangle 84">
+          <p:cNvPr id="108" name="Rectangle 107">
             <a:extLst>
               <a:ext uri="{FF2B5EF4-FFF2-40B4-BE49-F238E27FC236}">
                 <a16:creationId xmlns:a16="http://schemas.microsoft.com/office/drawing/2014/main" id="{3FECAD23-900F-4F1B-A441-6A68749F88D4}"/>
@@ -13368,7 +17835,7 @@
       </p:sp>
       <p:pic>
         <p:nvPicPr>
-          <p:cNvPr id="87" name="Picture 86">
+          <p:cNvPr id="110" name="Picture 109">
             <a:extLst>
               <a:ext uri="{FF2B5EF4-FFF2-40B4-BE49-F238E27FC236}">
                 <a16:creationId xmlns:a16="http://schemas.microsoft.com/office/drawing/2014/main" id="{57943801-CAEC-4F98-9332-2A4D9128463E}"/>
@@ -13414,7 +17881,7 @@
       </p:pic>
       <p:sp>
         <p:nvSpPr>
-          <p:cNvPr id="89" name="Rectangle 88">
+          <p:cNvPr id="112" name="Rectangle 111">
             <a:extLst>
               <a:ext uri="{FF2B5EF4-FFF2-40B4-BE49-F238E27FC236}">
                 <a16:creationId xmlns:a16="http://schemas.microsoft.com/office/drawing/2014/main" id="{8A233090-6C39-4F59-8A0F-86F011A7EEEB}"/>
@@ -13474,7 +17941,7 @@
       </p:sp>
       <p:sp>
         <p:nvSpPr>
-          <p:cNvPr id="91" name="Rectangle 90">
+          <p:cNvPr id="114" name="Rectangle 113">
             <a:extLst>
               <a:ext uri="{FF2B5EF4-FFF2-40B4-BE49-F238E27FC236}">
                 <a16:creationId xmlns:a16="http://schemas.microsoft.com/office/drawing/2014/main" id="{484DCAA0-4BF1-4FB9-97BA-D6BA630419A0}"/>
@@ -13575,7 +18042,7 @@
       </p:sp>
       <p:pic>
         <p:nvPicPr>
-          <p:cNvPr id="93" name="Picture 92">
+          <p:cNvPr id="116" name="Picture 115">
             <a:extLst>
               <a:ext uri="{FF2B5EF4-FFF2-40B4-BE49-F238E27FC236}">
                 <a16:creationId xmlns:a16="http://schemas.microsoft.com/office/drawing/2014/main" id="{9BC2FEA5-B399-458A-8393-E06CE40DB89C}"/>
@@ -13639,7 +18106,7 @@
           </a:bodyPr>
           <a:lstStyle/>
           <a:p>
-            <a:pPr indent="-228600">
+            <a:pPr marL="285750" indent="-228600">
               <a:lnSpc>
                 <a:spcPct val="90000"/>
               </a:lnSpc>
@@ -13655,7 +18122,7 @@
             </a:r>
             <a:r>
               <a:rPr lang="en-US" sz="2000" dirty="0"/>
-              <a:t> в </a:t>
+              <a:t> в </a:t>
             </a:r>
             <a:r>
               <a:rPr lang="en-US" sz="2000"/>
@@ -13665,18 +18132,22 @@
               <a:rPr lang="en-US" sz="2000" dirty="0"/>
               <a:t>:</a:t>
             </a:r>
+            <a:endParaRPr lang="en-US" sz="2000"/>
           </a:p>
           <a:p>
             <a:pPr marL="285750" indent="-228600">
               <a:lnSpc>
                 <a:spcPct val="90000"/>
               </a:lnSpc>
+              <a:spcAft>
+                <a:spcPts val="600"/>
+              </a:spcAft>
               <a:buFont typeface="Arial" panose="020B0604020202020204" pitchFamily="34" charset="0"/>
               <a:buChar char="•"/>
             </a:pPr>
             <a:r>
               <a:rPr lang="en-US" sz="2000"/>
-              <a:t>Поле для ввода ФИО студента</a:t>
+              <a:t>Заголовок</a:t>
             </a:r>
           </a:p>
           <a:p>
@@ -13684,35 +18155,49 @@
               <a:lnSpc>
                 <a:spcPct val="90000"/>
               </a:lnSpc>
+              <a:spcAft>
+                <a:spcPts val="600"/>
+              </a:spcAft>
               <a:buFont typeface="Arial" panose="020B0604020202020204" pitchFamily="34" charset="0"/>
               <a:buChar char="•"/>
             </a:pPr>
             <a:r>
               <a:rPr lang="en-US" sz="2000"/>
-              <a:t>Поле для ввода Email</a:t>
-            </a:r>
-          </a:p>
-          <a:p>
-            <a:pPr marL="285750" indent="-228600">
-              <a:lnSpc>
-                <a:spcPct val="90000"/>
-              </a:lnSpc>
-              <a:buFont typeface="Arial" panose="020B0604020202020204" pitchFamily="34" charset="0"/>
-              <a:buChar char="•"/>
-            </a:pPr>
+              <a:t>Список</a:t>
+            </a:r>
+            <a:r>
+              <a:rPr lang="en-US" sz="2000" dirty="0"/>
+              <a:t> </a:t>
+            </a:r>
             <a:r>
               <a:rPr lang="en-US" sz="2000"/>
-              <a:t>Поле для выбора Пароля</a:t>
+              <a:t>со</a:t>
+            </a:r>
+            <a:r>
+              <a:rPr lang="en-US" sz="2000" dirty="0"/>
+              <a:t> </a:t>
+            </a:r>
+            <a:r>
+              <a:rPr lang="en-US" sz="2000"/>
+              <a:t>всеми</a:t>
+            </a:r>
+            <a:r>
+              <a:rPr lang="en-US" sz="2000" dirty="0"/>
+              <a:t> </a:t>
+            </a:r>
+            <a:r>
+              <a:rPr lang="en-US" sz="2000"/>
+              <a:t>преподавателями</a:t>
             </a:r>
           </a:p>
         </p:txBody>
       </p:sp>
       <p:pic>
         <p:nvPicPr>
-          <p:cNvPr id="7" name="Рисунок 6" descr="Изображение выглядит как текст, снимок экрана, дисплей, программное обеспечение&#10;&#10;Содержимое, созданное искусственным интеллектом, может быть неверным.">
+          <p:cNvPr id="2" name="Рисунок 1" descr="Изображение выглядит как текст, снимок экрана, программное обеспечение, Мультимедийное программное обеспечение&#10;&#10;Содержимое, созданное искусственным интеллектом, может быть неверным.">
             <a:extLst>
               <a:ext uri="{FF2B5EF4-FFF2-40B4-BE49-F238E27FC236}">
-                <a16:creationId xmlns:a16="http://schemas.microsoft.com/office/drawing/2014/main" id="{D60EA745-8FC6-8A7F-8A08-03A3CB6C6566}"/>
+                <a16:creationId xmlns:a16="http://schemas.microsoft.com/office/drawing/2014/main" id="{BFE7131D-0A1F-BDAA-49CA-E1781B50478D}"/>
               </a:ext>
             </a:extLst>
           </p:cNvPr>
@@ -13757,9 +18242,18 @@
   <p:clrMapOvr>
     <a:masterClrMapping/>
   </p:clrMapOvr>
-  <p:transition spd="slow">
-    <p:push dir="u"/>
-  </p:transition>
+  <mc:AlternateContent xmlns:mc="http://schemas.openxmlformats.org/markup-compatibility/2006">
+    <mc:Choice xmlns:p15="http://schemas.microsoft.com/office/powerpoint/2012/main" Requires="p15">
+      <p:transition xmlns:p14="http://schemas.microsoft.com/office/powerpoint/2010/main" spd="slow" p14:dur="1250">
+        <p15:prstTrans prst="pageCurlDouble"/>
+      </p:transition>
+    </mc:Choice>
+    <mc:Fallback>
+      <p:transition spd="slow">
+        <p:fade/>
+      </p:transition>
+    </mc:Fallback>
+  </mc:AlternateContent>
 </p:sld>
 </file>
 
@@ -14496,8 +18990,8 @@
   <p:clrMapOvr>
     <a:masterClrMapping/>
   </p:clrMapOvr>
-  <p:transition spd="slow">
-    <p:push dir="u"/>
+  <p:transition spd="med">
+    <p:pull/>
   </p:transition>
 </p:sld>
 </file>
@@ -14505,6 +18999,41 @@
 <file path=ppt/slides/slide12.xml><?xml version="1.0" encoding="utf-8"?>
 <p:sld xmlns:a="http://schemas.openxmlformats.org/drawingml/2006/main" xmlns:r="http://schemas.openxmlformats.org/officeDocument/2006/relationships" xmlns:p="http://schemas.openxmlformats.org/presentationml/2006/main">
   <p:cSld>
+    <p:bg>
+      <p:bgPr>
+        <a:gradFill rotWithShape="1">
+          <a:gsLst>
+            <a:gs pos="0">
+              <a:schemeClr val="bg2">
+                <a:tint val="96000"/>
+                <a:shade val="100000"/>
+                <a:hueMod val="270000"/>
+                <a:satMod val="200000"/>
+                <a:lumMod val="128000"/>
+              </a:schemeClr>
+            </a:gs>
+            <a:gs pos="50000">
+              <a:schemeClr val="bg2">
+                <a:shade val="100000"/>
+                <a:hueMod val="100000"/>
+                <a:satMod val="110000"/>
+                <a:lumMod val="130000"/>
+              </a:schemeClr>
+            </a:gs>
+            <a:gs pos="100000">
+              <a:schemeClr val="bg2">
+                <a:shade val="78000"/>
+                <a:hueMod val="44000"/>
+                <a:satMod val="200000"/>
+                <a:lumMod val="69000"/>
+              </a:schemeClr>
+            </a:gs>
+          </a:gsLst>
+          <a:lin ang="2520000" scaled="0"/>
+        </a:gradFill>
+        <a:effectLst/>
+      </p:bgPr>
+    </p:bg>
     <p:spTree>
       <p:nvGrpSpPr>
         <p:cNvPr id="1" name=""/>
@@ -14521,13 +19050,13 @@
       </p:grpSpPr>
       <p:pic>
         <p:nvPicPr>
-          <p:cNvPr id="3" name="Picture 8" descr="Изображение выглядит как черный, темнота&#10;&#10;Содержимое, созданное искусственным интеллектом, может быть неверным.">
+          <p:cNvPr id="30" name="Picture 29">
             <a:extLst>
               <a:ext uri="{FF2B5EF4-FFF2-40B4-BE49-F238E27FC236}">
-                <a16:creationId xmlns:a16="http://schemas.microsoft.com/office/drawing/2014/main" id="{F0396387-E28F-B1DC-E3C0-6A23D9077023}"/>
+                <a16:creationId xmlns:a16="http://schemas.microsoft.com/office/drawing/2014/main" id="{5321D838-2C7E-4177-9DD3-DAC78324A2B2}"/>
               </a:ext>
               <a:ext uri="{C183D7F6-B498-43B3-948B-1728B52AA6E4}">
-                <adec:decorative xmlns:adec="http://schemas.microsoft.com/office/drawing/2017/decorative" val="0"/>
+                <adec:decorative xmlns:adec="http://schemas.microsoft.com/office/drawing/2017/decorative" val="1"/>
               </a:ext>
             </a:extLst>
           </p:cNvPr>
@@ -14567,10 +19096,10 @@
       </p:pic>
       <p:pic>
         <p:nvPicPr>
-          <p:cNvPr id="5" name="Picture 10">
+          <p:cNvPr id="32" name="Picture 31">
             <a:extLst>
               <a:ext uri="{FF2B5EF4-FFF2-40B4-BE49-F238E27FC236}">
-                <a16:creationId xmlns:a16="http://schemas.microsoft.com/office/drawing/2014/main" id="{C760818C-D19D-ECA1-DEE4-63E6C04E13DD}"/>
+                <a16:creationId xmlns:a16="http://schemas.microsoft.com/office/drawing/2014/main" id="{224C28B3-E902-49D1-98A0-582D277A0E00}"/>
               </a:ext>
               <a:ext uri="{C183D7F6-B498-43B3-948B-1728B52AA6E4}">
                 <adec:decorative xmlns:adec="http://schemas.microsoft.com/office/drawing/2017/decorative" val="1"/>
@@ -14612,10 +19141,10 @@
       </p:pic>
       <p:pic>
         <p:nvPicPr>
-          <p:cNvPr id="7" name="Picture 12">
+          <p:cNvPr id="34" name="Picture 33">
             <a:extLst>
               <a:ext uri="{FF2B5EF4-FFF2-40B4-BE49-F238E27FC236}">
-                <a16:creationId xmlns:a16="http://schemas.microsoft.com/office/drawing/2014/main" id="{808E3CA4-161B-4E1B-8779-73D814AF1B42}"/>
+                <a16:creationId xmlns:a16="http://schemas.microsoft.com/office/drawing/2014/main" id="{F3A6C14C-E755-4A02-821B-6EA2D4C9F20D}"/>
               </a:ext>
               <a:ext uri="{C183D7F6-B498-43B3-948B-1728B52AA6E4}">
                 <adec:decorative xmlns:adec="http://schemas.microsoft.com/office/drawing/2017/decorative" val="1"/>
@@ -14657,10 +19186,10 @@
       </p:pic>
       <p:sp>
         <p:nvSpPr>
-          <p:cNvPr id="9" name="Rectangle 14">
+          <p:cNvPr id="36" name="Rectangle 35">
             <a:extLst>
               <a:ext uri="{FF2B5EF4-FFF2-40B4-BE49-F238E27FC236}">
-                <a16:creationId xmlns:a16="http://schemas.microsoft.com/office/drawing/2014/main" id="{21690D5C-18E0-3D9B-8115-49DF973227EF}"/>
+                <a16:creationId xmlns:a16="http://schemas.microsoft.com/office/drawing/2014/main" id="{6478287C-E119-4E9C-95B0-518478BD9D07}"/>
               </a:ext>
               <a:ext uri="{C183D7F6-B498-43B3-948B-1728B52AA6E4}">
                 <adec:decorative xmlns:adec="http://schemas.microsoft.com/office/drawing/2017/decorative" val="1"/>
@@ -14715,10 +19244,10 @@
       </p:sp>
       <p:sp>
         <p:nvSpPr>
-          <p:cNvPr id="11" name="Rectangle 16">
+          <p:cNvPr id="38" name="Rectangle 37">
             <a:extLst>
               <a:ext uri="{FF2B5EF4-FFF2-40B4-BE49-F238E27FC236}">
-                <a16:creationId xmlns:a16="http://schemas.microsoft.com/office/drawing/2014/main" id="{2DDCF3D0-C53F-B54B-A691-F8247ACC3AE7}"/>
+                <a16:creationId xmlns:a16="http://schemas.microsoft.com/office/drawing/2014/main" id="{EA4A294F-6D36-425B-8632-27FD6A284D09}"/>
               </a:ext>
               <a:ext uri="{C183D7F6-B498-43B3-948B-1728B52AA6E4}">
                 <adec:decorative xmlns:adec="http://schemas.microsoft.com/office/drawing/2017/decorative" val="1"/>
@@ -14770,10 +19299,10 @@
       </p:sp>
       <p:sp useBgFill="1">
         <p:nvSpPr>
-          <p:cNvPr id="13" name="Rectangle 18">
+          <p:cNvPr id="40" name="Rectangle 39">
             <a:extLst>
               <a:ext uri="{FF2B5EF4-FFF2-40B4-BE49-F238E27FC236}">
-                <a16:creationId xmlns:a16="http://schemas.microsoft.com/office/drawing/2014/main" id="{95C85640-FBFE-1A60-82E8-714BCD592755}"/>
+                <a16:creationId xmlns:a16="http://schemas.microsoft.com/office/drawing/2014/main" id="{3FECAD23-900F-4F1B-A441-6A68749F88D4}"/>
               </a:ext>
               <a:ext uri="{C183D7F6-B498-43B3-948B-1728B52AA6E4}">
                 <adec:decorative xmlns:adec="http://schemas.microsoft.com/office/drawing/2017/decorative" val="1"/>
@@ -14830,13 +19359,13 @@
       </p:sp>
       <p:pic>
         <p:nvPicPr>
-          <p:cNvPr id="15" name="Picture 20" descr="Изображение выглядит как черный, темнота&#10;&#10;Содержимое, созданное искусственным интеллектом, может быть неверным.">
+          <p:cNvPr id="42" name="Picture 41">
             <a:extLst>
               <a:ext uri="{FF2B5EF4-FFF2-40B4-BE49-F238E27FC236}">
-                <a16:creationId xmlns:a16="http://schemas.microsoft.com/office/drawing/2014/main" id="{21D4D56A-7082-3654-8D1B-FF7ED1F10DB6}"/>
+                <a16:creationId xmlns:a16="http://schemas.microsoft.com/office/drawing/2014/main" id="{57943801-CAEC-4F98-9332-2A4D9128463E}"/>
               </a:ext>
               <a:ext uri="{C183D7F6-B498-43B3-948B-1728B52AA6E4}">
-                <adec:decorative xmlns:adec="http://schemas.microsoft.com/office/drawing/2017/decorative" val="0"/>
+                <adec:decorative xmlns:adec="http://schemas.microsoft.com/office/drawing/2017/decorative" val="1"/>
               </a:ext>
             </a:extLst>
           </p:cNvPr>
@@ -14866,7 +19395,7 @@
         </p:blipFill>
         <p:spPr>
           <a:xfrm>
-            <a:off x="152400" y="152400"/>
+            <a:off x="0" y="0"/>
             <a:ext cx="12192000" cy="6858000"/>
           </a:xfrm>
           <a:prstGeom prst="rect">
@@ -14876,10 +19405,10 @@
       </p:pic>
       <p:sp>
         <p:nvSpPr>
-          <p:cNvPr id="17" name="Rectangle 22">
+          <p:cNvPr id="44" name="Rectangle 43">
             <a:extLst>
               <a:ext uri="{FF2B5EF4-FFF2-40B4-BE49-F238E27FC236}">
-                <a16:creationId xmlns:a16="http://schemas.microsoft.com/office/drawing/2014/main" id="{1B8625D9-C38D-F662-648A-960B9B77CEB7}"/>
+                <a16:creationId xmlns:a16="http://schemas.microsoft.com/office/drawing/2014/main" id="{8A233090-6C39-4F59-8A0F-86F011A7EEEB}"/>
               </a:ext>
               <a:ext uri="{C183D7F6-B498-43B3-948B-1728B52AA6E4}">
                 <adec:decorative xmlns:adec="http://schemas.microsoft.com/office/drawing/2017/decorative" val="1"/>
@@ -14936,10 +19465,10 @@
       </p:sp>
       <p:sp>
         <p:nvSpPr>
-          <p:cNvPr id="19" name="Rectangle 24">
+          <p:cNvPr id="46" name="Rectangle 45">
             <a:extLst>
               <a:ext uri="{FF2B5EF4-FFF2-40B4-BE49-F238E27FC236}">
-                <a16:creationId xmlns:a16="http://schemas.microsoft.com/office/drawing/2014/main" id="{26E8A33A-F787-7DA6-9109-E9FA7C1F72D7}"/>
+                <a16:creationId xmlns:a16="http://schemas.microsoft.com/office/drawing/2014/main" id="{484DCAA0-4BF1-4FB9-97BA-D6BA630419A0}"/>
               </a:ext>
               <a:ext uri="{C183D7F6-B498-43B3-948B-1728B52AA6E4}">
                 <adec:decorative xmlns:adec="http://schemas.microsoft.com/office/drawing/2017/decorative" val="1"/>
@@ -15031,7 +19560,7 @@
               </a:spcAft>
             </a:pPr>
             <a:r>
-              <a:rPr lang="en-US" sz="3600" b="1" dirty="0" err="1">
+              <a:rPr lang="en-US" sz="3600" b="1">
                 <a:latin typeface="+mj-lt"/>
                 <a:ea typeface="+mj-ea"/>
                 <a:cs typeface="+mj-cs"/>
@@ -15047,7 +19576,7 @@
               <a:t> с </a:t>
             </a:r>
             <a:r>
-              <a:rPr lang="en-US" sz="3600" b="1" dirty="0" err="1">
+              <a:rPr lang="en-US" sz="3600" b="1">
                 <a:latin typeface="+mj-lt"/>
                 <a:ea typeface="+mj-ea"/>
                 <a:cs typeface="+mj-cs"/>
@@ -15063,7 +19592,7 @@
               <a:t> </a:t>
             </a:r>
             <a:r>
-              <a:rPr lang="en-US" sz="3600" b="1" dirty="0" err="1">
+              <a:rPr lang="en-US" sz="3600" b="1">
                 <a:latin typeface="+mj-lt"/>
                 <a:ea typeface="+mj-ea"/>
                 <a:cs typeface="+mj-cs"/>
@@ -15075,10 +19604,10 @@
       </p:sp>
       <p:pic>
         <p:nvPicPr>
-          <p:cNvPr id="23" name="Picture 26">
+          <p:cNvPr id="48" name="Picture 47">
             <a:extLst>
               <a:ext uri="{FF2B5EF4-FFF2-40B4-BE49-F238E27FC236}">
-                <a16:creationId xmlns:a16="http://schemas.microsoft.com/office/drawing/2014/main" id="{AB80A86F-8690-94D2-DE28-AD1D772E5191}"/>
+                <a16:creationId xmlns:a16="http://schemas.microsoft.com/office/drawing/2014/main" id="{9BC2FEA5-B399-458A-8393-E06CE40DB89C}"/>
               </a:ext>
               <a:ext uri="{C183D7F6-B498-43B3-948B-1728B52AA6E4}">
                 <adec:decorative xmlns:adec="http://schemas.microsoft.com/office/drawing/2017/decorative" val="1"/>
@@ -15217,7 +19746,7 @@
             </a:pPr>
             <a:r>
               <a:rPr lang="en-US" sz="2000" dirty="0" err="1"/>
-              <a:t>Группа</a:t>
+              <a:t>Группу</a:t>
             </a:r>
           </a:p>
           <a:p>
@@ -15249,7 +19778,7 @@
             </a:pPr>
             <a:r>
               <a:rPr lang="en-US" sz="2000" dirty="0" err="1"/>
-              <a:t>Дата</a:t>
+              <a:t>Дату</a:t>
             </a:r>
             <a:r>
               <a:rPr lang="en-US" sz="2000" dirty="0"/>
@@ -15259,15 +19788,16 @@
               <a:rPr lang="en-US" sz="2000" dirty="0" err="1"/>
               <a:t>рождения</a:t>
             </a:r>
+            <a:endParaRPr lang="en-US" sz="2000" dirty="0"/>
           </a:p>
         </p:txBody>
       </p:sp>
       <p:pic>
         <p:nvPicPr>
-          <p:cNvPr id="27" name="Рисунок 26" descr="Изображение выглядит как текст, снимок экрана, программное обеспечение, Мультимедийное программное обеспечение&#10;&#10;Содержимое, созданное искусственным интеллектом, может быть неверным.">
+          <p:cNvPr id="2" name="Рисунок 1" descr="Изображение выглядит как текст, снимок экрана, программное обеспечение, Мультимедийное программное обеспечение&#10;&#10;Содержимое, созданное искусственным интеллектом, может быть неверным.">
             <a:extLst>
               <a:ext uri="{FF2B5EF4-FFF2-40B4-BE49-F238E27FC236}">
-                <a16:creationId xmlns:a16="http://schemas.microsoft.com/office/drawing/2014/main" id="{793BAF4A-4741-947E-D535-50D17463CEF1}"/>
+                <a16:creationId xmlns:a16="http://schemas.microsoft.com/office/drawing/2014/main" id="{D0250A9E-7FAF-FF6E-2E2A-BC26F4382FC8}"/>
               </a:ext>
             </a:extLst>
           </p:cNvPr>
@@ -15312,6 +19842,18 @@
   <p:clrMapOvr>
     <a:masterClrMapping/>
   </p:clrMapOvr>
+  <mc:AlternateContent xmlns:mc="http://schemas.openxmlformats.org/markup-compatibility/2006">
+    <mc:Choice xmlns:p14="http://schemas.microsoft.com/office/powerpoint/2010/main" Requires="p14">
+      <p:transition spd="slow" p14:dur="1500">
+        <p:split orient="vert"/>
+      </p:transition>
+    </mc:Choice>
+    <mc:Fallback>
+      <p:transition spd="slow">
+        <p:split orient="vert"/>
+      </p:transition>
+    </mc:Fallback>
+  </mc:AlternateContent>
 </p:sld>
 </file>
 
@@ -16105,6 +20647,9 @@
   <p:clrMapOvr>
     <a:masterClrMapping/>
   </p:clrMapOvr>
+  <p:transition spd="slow">
+    <p:push dir="u"/>
+  </p:transition>
 </p:sld>
 </file>
 
@@ -16672,9 +21217,18 @@
   <p:clrMapOvr>
     <a:masterClrMapping/>
   </p:clrMapOvr>
-  <p:transition spd="slow">
-    <p:push dir="u"/>
-  </p:transition>
+  <mc:AlternateContent xmlns:mc="http://schemas.openxmlformats.org/markup-compatibility/2006">
+    <mc:Choice xmlns:p14="http://schemas.microsoft.com/office/powerpoint/2010/main" Requires="p14">
+      <p:transition spd="slow" p14:dur="1500">
+        <p:split orient="vert"/>
+      </p:transition>
+    </mc:Choice>
+    <mc:Fallback>
+      <p:transition spd="slow">
+        <p:split orient="vert"/>
+      </p:transition>
+    </mc:Fallback>
+  </mc:AlternateContent>
 </p:sld>
 </file>
 
@@ -16780,249 +21334,28 @@
           </a:prstGeom>
         </p:spPr>
       </p:pic>
-      <p:sp>
-        <p:nvSpPr>
-          <p:cNvPr id="27" name="Объект 2">
+      <p:graphicFrame>
+        <p:nvGraphicFramePr>
+          <p:cNvPr id="33" name="Объект 2">
             <a:extLst>
               <a:ext uri="{FF2B5EF4-FFF2-40B4-BE49-F238E27FC236}">
-                <a16:creationId xmlns:a16="http://schemas.microsoft.com/office/drawing/2014/main" id="{1ADC66EF-B3C0-4236-9BBB-BC4060C38D26}"/>
+                <a16:creationId xmlns:a16="http://schemas.microsoft.com/office/drawing/2014/main" id="{B01BC987-7364-3978-4332-871E012FA009}"/>
               </a:ext>
             </a:extLst>
           </p:cNvPr>
-          <p:cNvSpPr txBox="1">
-            <a:spLocks/>
-          </p:cNvSpPr>
+          <p:cNvGraphicFramePr/>
           <p:nvPr/>
-        </p:nvSpPr>
-        <p:spPr>
-          <a:xfrm>
-            <a:off x="674569" y="3989433"/>
-            <a:ext cx="8862690" cy="2573607"/>
-          </a:xfrm>
-          <a:prstGeom prst="rect">
-            <a:avLst/>
-          </a:prstGeom>
-        </p:spPr>
-        <p:txBody>
-          <a:bodyPr vert="horz" lIns="91440" tIns="45720" rIns="91440" bIns="45720" rtlCol="0" anchor="t">
-            <a:noAutofit/>
-          </a:bodyPr>
-          <a:lstStyle>
-            <a:lvl1pPr marL="228600" indent="-228600" algn="l" defTabSz="914400" rtl="0" eaLnBrk="1" latinLnBrk="0" hangingPunct="1">
-              <a:lnSpc>
-                <a:spcPct val="90000"/>
-              </a:lnSpc>
-              <a:spcBef>
-                <a:spcPts val="1000"/>
-              </a:spcBef>
-              <a:buFont typeface="Arial" panose="020B0604020202020204" pitchFamily="34" charset="0"/>
-              <a:buChar char="•"/>
-              <a:defRPr sz="2400" kern="1200">
-                <a:solidFill>
-                  <a:schemeClr val="tx1"/>
-                </a:solidFill>
-                <a:latin typeface="+mn-lt"/>
-                <a:ea typeface="+mn-ea"/>
-                <a:cs typeface="+mn-cs"/>
-              </a:defRPr>
-            </a:lvl1pPr>
-            <a:lvl2pPr marL="685800" indent="-228600" algn="l" defTabSz="914400" rtl="0" eaLnBrk="1" latinLnBrk="0" hangingPunct="1">
-              <a:lnSpc>
-                <a:spcPct val="90000"/>
-              </a:lnSpc>
-              <a:spcBef>
-                <a:spcPts val="500"/>
-              </a:spcBef>
-              <a:buFont typeface="Arial" panose="020B0604020202020204" pitchFamily="34" charset="0"/>
-              <a:buChar char="•"/>
-              <a:defRPr sz="2000" kern="1200">
-                <a:solidFill>
-                  <a:schemeClr val="tx1"/>
-                </a:solidFill>
-                <a:latin typeface="+mn-lt"/>
-                <a:ea typeface="+mn-ea"/>
-                <a:cs typeface="+mn-cs"/>
-              </a:defRPr>
-            </a:lvl2pPr>
-            <a:lvl3pPr marL="1143000" indent="-228600" algn="l" defTabSz="914400" rtl="0" eaLnBrk="1" latinLnBrk="0" hangingPunct="1">
-              <a:lnSpc>
-                <a:spcPct val="90000"/>
-              </a:lnSpc>
-              <a:spcBef>
-                <a:spcPts val="500"/>
-              </a:spcBef>
-              <a:buFont typeface="Arial" panose="020B0604020202020204" pitchFamily="34" charset="0"/>
-              <a:buChar char="•"/>
-              <a:defRPr sz="1800" kern="1200">
-                <a:solidFill>
-                  <a:schemeClr val="tx1"/>
-                </a:solidFill>
-                <a:latin typeface="+mn-lt"/>
-                <a:ea typeface="+mn-ea"/>
-                <a:cs typeface="+mn-cs"/>
-              </a:defRPr>
-            </a:lvl3pPr>
-            <a:lvl4pPr marL="1600200" indent="-228600" algn="l" defTabSz="914400" rtl="0" eaLnBrk="1" latinLnBrk="0" hangingPunct="1">
-              <a:lnSpc>
-                <a:spcPct val="90000"/>
-              </a:lnSpc>
-              <a:spcBef>
-                <a:spcPts val="500"/>
-              </a:spcBef>
-              <a:buFont typeface="Arial" panose="020B0604020202020204" pitchFamily="34" charset="0"/>
-              <a:buChar char="•"/>
-              <a:defRPr sz="1600" kern="1200">
-                <a:solidFill>
-                  <a:schemeClr val="tx1"/>
-                </a:solidFill>
-                <a:latin typeface="+mn-lt"/>
-                <a:ea typeface="+mn-ea"/>
-                <a:cs typeface="+mn-cs"/>
-              </a:defRPr>
-            </a:lvl4pPr>
-            <a:lvl5pPr marL="2057400" indent="-228600" algn="l" defTabSz="914400" rtl="0" eaLnBrk="1" latinLnBrk="0" hangingPunct="1">
-              <a:lnSpc>
-                <a:spcPct val="90000"/>
-              </a:lnSpc>
-              <a:spcBef>
-                <a:spcPts val="500"/>
-              </a:spcBef>
-              <a:buFont typeface="Arial" panose="020B0604020202020204" pitchFamily="34" charset="0"/>
-              <a:buChar char="•"/>
-              <a:defRPr sz="1600" kern="1200">
-                <a:solidFill>
-                  <a:schemeClr val="tx1"/>
-                </a:solidFill>
-                <a:latin typeface="+mn-lt"/>
-                <a:ea typeface="+mn-ea"/>
-                <a:cs typeface="+mn-cs"/>
-              </a:defRPr>
-            </a:lvl5pPr>
-            <a:lvl6pPr marL="2514600" indent="-228600" algn="l" defTabSz="914400" rtl="0" eaLnBrk="1" latinLnBrk="0" hangingPunct="1">
-              <a:lnSpc>
-                <a:spcPct val="90000"/>
-              </a:lnSpc>
-              <a:spcBef>
-                <a:spcPts val="500"/>
-              </a:spcBef>
-              <a:buFont typeface="Arial" panose="020B0604020202020204" pitchFamily="34" charset="0"/>
-              <a:buChar char="•"/>
-              <a:defRPr sz="1400" kern="1200">
-                <a:solidFill>
-                  <a:schemeClr val="tx1"/>
-                </a:solidFill>
-                <a:latin typeface="+mn-lt"/>
-                <a:ea typeface="+mn-ea"/>
-                <a:cs typeface="+mn-cs"/>
-              </a:defRPr>
-            </a:lvl6pPr>
-            <a:lvl7pPr marL="2971800" indent="-228600" algn="l" defTabSz="914400" rtl="0" eaLnBrk="1" latinLnBrk="0" hangingPunct="1">
-              <a:lnSpc>
-                <a:spcPct val="90000"/>
-              </a:lnSpc>
-              <a:spcBef>
-                <a:spcPts val="500"/>
-              </a:spcBef>
-              <a:buFont typeface="Arial" panose="020B0604020202020204" pitchFamily="34" charset="0"/>
-              <a:buChar char="•"/>
-              <a:defRPr sz="1400" kern="1200">
-                <a:solidFill>
-                  <a:schemeClr val="tx1"/>
-                </a:solidFill>
-                <a:latin typeface="+mn-lt"/>
-                <a:ea typeface="+mn-ea"/>
-                <a:cs typeface="+mn-cs"/>
-              </a:defRPr>
-            </a:lvl7pPr>
-            <a:lvl8pPr marL="3429000" indent="-228600" algn="l" defTabSz="914400" rtl="0" eaLnBrk="1" latinLnBrk="0" hangingPunct="1">
-              <a:lnSpc>
-                <a:spcPct val="90000"/>
-              </a:lnSpc>
-              <a:spcBef>
-                <a:spcPts val="500"/>
-              </a:spcBef>
-              <a:buFont typeface="Arial" panose="020B0604020202020204" pitchFamily="34" charset="0"/>
-              <a:buChar char="•"/>
-              <a:defRPr sz="1400" kern="1200">
-                <a:solidFill>
-                  <a:schemeClr val="tx1"/>
-                </a:solidFill>
-                <a:latin typeface="+mn-lt"/>
-                <a:ea typeface="+mn-ea"/>
-                <a:cs typeface="+mn-cs"/>
-              </a:defRPr>
-            </a:lvl8pPr>
-            <a:lvl9pPr marL="3886200" indent="-228600" algn="l" defTabSz="914400" rtl="0" eaLnBrk="1" latinLnBrk="0" hangingPunct="1">
-              <a:lnSpc>
-                <a:spcPct val="90000"/>
-              </a:lnSpc>
-              <a:spcBef>
-                <a:spcPts val="500"/>
-              </a:spcBef>
-              <a:buFont typeface="Arial" panose="020B0604020202020204" pitchFamily="34" charset="0"/>
-              <a:buChar char="•"/>
-              <a:defRPr sz="1400" kern="1200">
-                <a:solidFill>
-                  <a:schemeClr val="tx1"/>
-                </a:solidFill>
-                <a:latin typeface="+mn-lt"/>
-                <a:ea typeface="+mn-ea"/>
-                <a:cs typeface="+mn-cs"/>
-              </a:defRPr>
-            </a:lvl9pPr>
-          </a:lstStyle>
-          <a:p>
-            <a:r>
-              <a:rPr lang="ru-RU" sz="2200" dirty="0"/>
-              <a:t>Задачи:</a:t>
-            </a:r>
-          </a:p>
-          <a:p>
-            <a:r>
-              <a:rPr lang="ru-RU" sz="2200" dirty="0"/>
-              <a:t>Реализовать систему авторизации, с тремя режимами работы</a:t>
-            </a:r>
-          </a:p>
-          <a:p>
-            <a:r>
-              <a:rPr lang="ru-RU" sz="2200" dirty="0"/>
-              <a:t>Создать локальную базу данных ROOM</a:t>
-            </a:r>
-          </a:p>
-          <a:p>
-            <a:r>
-              <a:rPr lang="ru-RU" sz="2200" dirty="0"/>
-              <a:t>Реализовать функционал для работы со студентами и </a:t>
-            </a:r>
-            <a:r>
-              <a:rPr lang="ru-RU" sz="2200" err="1"/>
-              <a:t>преподавтелями</a:t>
-            </a:r>
-            <a:endParaRPr lang="ru-RU" sz="2200"/>
-          </a:p>
-          <a:p>
-            <a:r>
-              <a:rPr lang="ru-RU" sz="2200" dirty="0"/>
-              <a:t>Реализовать удобную навигацию</a:t>
-            </a:r>
-            <a:endParaRPr lang="ru-RU" sz="2200">
-              <a:solidFill>
-                <a:schemeClr val="bg1"/>
-              </a:solidFill>
-            </a:endParaRPr>
-          </a:p>
-          <a:p>
-            <a:endParaRPr lang="ru-RU" sz="2000" dirty="0">
-              <a:solidFill>
-                <a:srgbClr val="000000"/>
-              </a:solidFill>
-            </a:endParaRPr>
-          </a:p>
-          <a:p>
-            <a:endParaRPr lang="ru-RU" dirty="0"/>
-          </a:p>
-        </p:txBody>
-      </p:sp>
+        </p:nvGraphicFramePr>
+        <p:xfrm>
+          <a:off x="674569" y="3989433"/>
+          <a:ext cx="8862690" cy="2573607"/>
+        </p:xfrm>
+        <a:graphic>
+          <a:graphicData uri="http://schemas.openxmlformats.org/drawingml/2006/diagram">
+            <dgm:relIds xmlns:dgm="http://schemas.openxmlformats.org/drawingml/2006/diagram" xmlns:r="http://schemas.openxmlformats.org/officeDocument/2006/relationships" r:dm="rId3" r:lo="rId4" r:qs="rId5" r:cs="rId6"/>
+          </a:graphicData>
+        </a:graphic>
+      </p:graphicFrame>
     </p:spTree>
     <p:extLst>
       <p:ext uri="{BB962C8B-B14F-4D97-AF65-F5344CB8AC3E}">
@@ -17033,9 +21366,18 @@
   <p:clrMapOvr>
     <a:masterClrMapping/>
   </p:clrMapOvr>
-  <p:transition spd="slow">
-    <p:push dir="u"/>
-  </p:transition>
+  <mc:AlternateContent xmlns:mc="http://schemas.openxmlformats.org/markup-compatibility/2006">
+    <mc:Choice xmlns:p15="http://schemas.microsoft.com/office/powerpoint/2012/main" Requires="p15">
+      <p:transition xmlns:p14="http://schemas.microsoft.com/office/powerpoint/2010/main" spd="slow" p14:dur="6000">
+        <p15:prstTrans prst="curtains"/>
+      </p:transition>
+    </mc:Choice>
+    <mc:Fallback>
+      <p:transition spd="slow">
+        <p:fade/>
+      </p:transition>
+    </mc:Fallback>
+  </mc:AlternateContent>
 </p:sld>
 </file>
 
@@ -17341,9 +21683,18 @@
   <p:clrMapOvr>
     <a:masterClrMapping/>
   </p:clrMapOvr>
-  <p:transition spd="slow">
-    <p:push dir="u"/>
-  </p:transition>
+  <mc:AlternateContent xmlns:mc="http://schemas.openxmlformats.org/markup-compatibility/2006">
+    <mc:Choice xmlns:p15="http://schemas.microsoft.com/office/powerpoint/2012/main" Requires="p15">
+      <p:transition xmlns:p14="http://schemas.microsoft.com/office/powerpoint/2010/main" spd="slow" p14:dur="2000">
+        <p15:prstTrans prst="fracture"/>
+      </p:transition>
+    </mc:Choice>
+    <mc:Fallback>
+      <p:transition spd="slow">
+        <p:fade/>
+      </p:transition>
+    </mc:Fallback>
+  </mc:AlternateContent>
 </p:sld>
 </file>
 
@@ -17734,7 +22085,7 @@
     <a:masterClrMapping/>
   </p:clrMapOvr>
   <p:transition spd="slow">
-    <p:push dir="u"/>
+    <p:wipe/>
   </p:transition>
 </p:sld>
 </file>
@@ -18504,9 +22855,18 @@
   <p:clrMapOvr>
     <a:masterClrMapping/>
   </p:clrMapOvr>
-  <p:transition spd="slow">
-    <p:push dir="u"/>
-  </p:transition>
+  <mc:AlternateContent xmlns:mc="http://schemas.openxmlformats.org/markup-compatibility/2006">
+    <mc:Choice xmlns:p14="http://schemas.microsoft.com/office/powerpoint/2010/main" Requires="p14">
+      <p:transition spd="slow" p14:dur="3400">
+        <p14:reveal/>
+      </p:transition>
+    </mc:Choice>
+    <mc:Fallback>
+      <p:transition spd="slow">
+        <p:fade/>
+      </p:transition>
+    </mc:Fallback>
+  </mc:AlternateContent>
 </p:sld>
 </file>
 
@@ -19111,11 +23471,11 @@
             </a:r>
             <a:r>
               <a:rPr lang="en-US" sz="2000" dirty="0" err="1"/>
-              <a:t>списком</a:t>
+              <a:t>списка</a:t>
             </a:r>
             <a:r>
               <a:rPr lang="en-US" sz="2000" dirty="0"/>
-              <a:t> </a:t>
+              <a:t> </a:t>
             </a:r>
             <a:r>
               <a:rPr lang="en-US" sz="2000" dirty="0" err="1"/>
@@ -19250,17 +23610,16 @@
             </a:r>
             <a:r>
               <a:rPr lang="en-US" sz="2000" dirty="0" err="1"/>
-              <a:t>списком</a:t>
+              <a:t>списка</a:t>
             </a:r>
             <a:r>
               <a:rPr lang="en-US" sz="2000" dirty="0"/>
-              <a:t> </a:t>
+              <a:t> </a:t>
             </a:r>
             <a:r>
               <a:rPr lang="en-US" sz="2000" dirty="0" err="1"/>
               <a:t>преподавателей</a:t>
             </a:r>
-            <a:endParaRPr lang="en-US" sz="2000" dirty="0"/>
           </a:p>
           <a:p>
             <a:pPr marL="285750" indent="-228600">
@@ -19301,6 +23660,7 @@
               <a:rPr lang="en-US" sz="2000" dirty="0" err="1"/>
               <a:t>преподавателей</a:t>
             </a:r>
+            <a:endParaRPr lang="en-US" sz="2000" dirty="0"/>
           </a:p>
         </p:txBody>
       </p:sp>
@@ -19514,9 +23874,18 @@
   <p:clrMapOvr>
     <a:masterClrMapping/>
   </p:clrMapOvr>
-  <p:transition spd="slow">
-    <p:push dir="u"/>
-  </p:transition>
+  <mc:AlternateContent xmlns:mc="http://schemas.openxmlformats.org/markup-compatibility/2006">
+    <mc:Choice xmlns:p14="http://schemas.microsoft.com/office/powerpoint/2010/main" Requires="p14">
+      <p:transition spd="slow" p14:dur="1600">
+        <p:blinds dir="vert"/>
+      </p:transition>
+    </mc:Choice>
+    <mc:Fallback>
+      <p:transition spd="slow">
+        <p:blinds dir="vert"/>
+      </p:transition>
+    </mc:Fallback>
+  </mc:AlternateContent>
 </p:sld>
 </file>
 
@@ -19815,7 +24184,7 @@
     <a:masterClrMapping/>
   </p:clrMapOvr>
   <p:transition spd="slow">
-    <p:push dir="u"/>
+    <p:wipe/>
   </p:transition>
 </p:sld>
 </file>
@@ -20777,7 +25146,7 @@
           </a:prstGeom>
         </p:spPr>
         <p:txBody>
-          <a:bodyPr vert="horz" lIns="91440" tIns="45720" rIns="91440" bIns="45720" rtlCol="0">
+          <a:bodyPr vert="horz" lIns="91440" tIns="45720" rIns="91440" bIns="45720" rtlCol="0" anchor="t">
             <a:normAutofit/>
           </a:bodyPr>
           <a:lstStyle/>
@@ -20793,8 +25162,20 @@
               <a:buChar char="•"/>
             </a:pPr>
             <a:r>
-              <a:rPr lang="en-US" sz="2000"/>
-              <a:t>Включает в себя:</a:t>
+              <a:rPr lang="en-US" sz="2000" dirty="0" err="1"/>
+              <a:t>Включает</a:t>
+            </a:r>
+            <a:r>
+              <a:rPr lang="en-US" sz="2000" dirty="0"/>
+              <a:t> в </a:t>
+            </a:r>
+            <a:r>
+              <a:rPr lang="en-US" sz="2000" dirty="0" err="1"/>
+              <a:t>себя</a:t>
+            </a:r>
+            <a:r>
+              <a:rPr lang="en-US" sz="2000" dirty="0"/>
+              <a:t>:</a:t>
             </a:r>
           </a:p>
           <a:p>
@@ -20802,32 +25183,138 @@
               <a:lnSpc>
                 <a:spcPct val="90000"/>
               </a:lnSpc>
-              <a:spcAft>
-                <a:spcPts val="600"/>
-              </a:spcAft>
-              <a:buFont typeface="Arial" panose="020B0604020202020204" pitchFamily="34" charset="0"/>
+              <a:buFont typeface="Arial,Sans-Serif" panose="020B0604020202020204" pitchFamily="34" charset="0"/>
               <a:buChar char="•"/>
             </a:pPr>
             <a:r>
-              <a:rPr lang="en-US" sz="2000"/>
-              <a:t>Заголовок</a:t>
-            </a:r>
+              <a:rPr lang="en-US" sz="2000" dirty="0" err="1"/>
+              <a:t>Поле</a:t>
+            </a:r>
+            <a:r>
+              <a:rPr lang="en-US" sz="2000" dirty="0"/>
+              <a:t> </a:t>
+            </a:r>
+            <a:r>
+              <a:rPr lang="en-US" sz="2000" dirty="0" err="1"/>
+              <a:t>для</a:t>
+            </a:r>
+            <a:r>
+              <a:rPr lang="en-US" sz="2000" dirty="0"/>
+              <a:t> </a:t>
+            </a:r>
+            <a:r>
+              <a:rPr lang="en-US" sz="2000" dirty="0" err="1"/>
+              <a:t>ввода</a:t>
+            </a:r>
+            <a:r>
+              <a:rPr lang="en-US" sz="2000" dirty="0"/>
+              <a:t> ФИО </a:t>
+            </a:r>
+            <a:r>
+              <a:rPr lang="en-US" sz="2000" dirty="0" err="1"/>
+              <a:t>студента</a:t>
+            </a:r>
+            <a:endParaRPr lang="en-US" sz="2000" dirty="0"/>
           </a:p>
           <a:p>
             <a:pPr marL="285750" indent="-228600">
               <a:lnSpc>
                 <a:spcPct val="90000"/>
               </a:lnSpc>
-              <a:spcAft>
-                <a:spcPts val="600"/>
-              </a:spcAft>
-              <a:buFont typeface="Arial" panose="020B0604020202020204" pitchFamily="34" charset="0"/>
+              <a:buFont typeface="Arial,Sans-Serif" panose="020B0604020202020204" pitchFamily="34" charset="0"/>
               <a:buChar char="•"/>
             </a:pPr>
             <a:r>
-              <a:rPr lang="en-US" sz="2000"/>
-              <a:t>Список со всеми преподавателями</a:t>
-            </a:r>
+              <a:rPr lang="en-US" sz="2000" dirty="0" err="1"/>
+              <a:t>Поле</a:t>
+            </a:r>
+            <a:r>
+              <a:rPr lang="en-US" sz="2000" dirty="0"/>
+              <a:t> </a:t>
+            </a:r>
+            <a:r>
+              <a:rPr lang="en-US" sz="2000" dirty="0" err="1"/>
+              <a:t>для</a:t>
+            </a:r>
+            <a:r>
+              <a:rPr lang="en-US" sz="2000" dirty="0"/>
+              <a:t> </a:t>
+            </a:r>
+            <a:r>
+              <a:rPr lang="en-US" sz="2000" dirty="0" err="1"/>
+              <a:t>ввода</a:t>
+            </a:r>
+            <a:r>
+              <a:rPr lang="en-US" sz="2000" dirty="0"/>
+              <a:t> Email</a:t>
+            </a:r>
+          </a:p>
+          <a:p>
+            <a:pPr marL="285750" indent="-228600">
+              <a:lnSpc>
+                <a:spcPct val="90000"/>
+              </a:lnSpc>
+              <a:buFont typeface="Arial,Sans-Serif" panose="020B0604020202020204" pitchFamily="34" charset="0"/>
+              <a:buChar char="•"/>
+            </a:pPr>
+            <a:r>
+              <a:rPr lang="en-US" sz="2000" dirty="0" err="1"/>
+              <a:t>Поле</a:t>
+            </a:r>
+            <a:r>
+              <a:rPr lang="en-US" sz="2000" dirty="0"/>
+              <a:t> </a:t>
+            </a:r>
+            <a:r>
+              <a:rPr lang="en-US" sz="2000" dirty="0" err="1"/>
+              <a:t>для</a:t>
+            </a:r>
+            <a:r>
+              <a:rPr lang="en-US" sz="2000" dirty="0"/>
+              <a:t> </a:t>
+            </a:r>
+            <a:r>
+              <a:rPr lang="en-US" sz="2000" dirty="0" err="1"/>
+              <a:t>выбора</a:t>
+            </a:r>
+            <a:r>
+              <a:rPr lang="en-US" sz="2000" dirty="0"/>
+              <a:t> </a:t>
+            </a:r>
+            <a:r>
+              <a:rPr lang="en-US" sz="2000" dirty="0" err="1"/>
+              <a:t>Пароля</a:t>
+            </a:r>
+            <a:endParaRPr lang="en-US" sz="2000" dirty="0"/>
+          </a:p>
+          <a:p>
+            <a:pPr marL="285750" indent="-228600">
+              <a:lnSpc>
+                <a:spcPct val="90000"/>
+              </a:lnSpc>
+              <a:buFont typeface="Arial,Sans-Serif" panose="020B0604020202020204" pitchFamily="34" charset="0"/>
+              <a:buChar char="•"/>
+            </a:pPr>
+            <a:r>
+              <a:rPr lang="en-US" sz="2000" dirty="0" err="1"/>
+              <a:t>Кнопку</a:t>
+            </a:r>
+            <a:r>
+              <a:rPr lang="en-US" sz="2000" dirty="0"/>
+              <a:t> </a:t>
+            </a:r>
+            <a:r>
+              <a:rPr lang="en-US" sz="2000" dirty="0" err="1"/>
+              <a:t>сохранить</a:t>
+            </a:r>
+          </a:p>
+          <a:p>
+            <a:pPr marL="57150">
+              <a:lnSpc>
+                <a:spcPct val="90000"/>
+              </a:lnSpc>
+            </a:pPr>
+            <a:endParaRPr lang="en-US" dirty="0"/>
           </a:p>
         </p:txBody>
       </p:sp>
@@ -20951,6 +25438,9 @@
   <p:clrMapOvr>
     <a:masterClrMapping/>
   </p:clrMapOvr>
+  <p:transition spd="slow">
+    <p:push dir="u"/>
+  </p:transition>
 </p:sld>
 </file>
 

--- a/Презентация_Up_7.pptx
+++ b/Презентация_Up_7.pptx
@@ -129,6 +129,7 @@
 <p1510:revInfo xmlns:a="http://schemas.openxmlformats.org/drawingml/2006/main" xmlns:r="http://schemas.openxmlformats.org/officeDocument/2006/relationships" xmlns:p1510="http://schemas.microsoft.com/office/powerpoint/2015/10/main">
   <p1510:revLst>
     <p1510:client id="{3EB4BDEE-072A-4012-BD87-093A0C2322F8}" v="93" dt="2025-12-13T03:45:34.092"/>
+    <p1510:client id="{B23D6068-09D4-8636-D910-FC7F20771AA1}" v="13" dt="2025-12-13T05:15:59.997"/>
     <p1510:client id="{E945C758-043C-44AD-879A-BF7BE0994F50}" v="887" dt="2025-12-12T19:37:13.984"/>
   </p1510:revLst>
 </p1510:revInfo>
@@ -2326,6 +2327,99 @@
             <ac:picMk id="27" creationId="{793BAF4A-4741-947E-D535-50D17463CEF1}"/>
           </ac:picMkLst>
         </pc:picChg>
+      </pc:sldChg>
+    </pc:docChg>
+  </pc:docChgLst>
+  <pc:docChgLst>
+    <pc:chgData name="Мехрдод Солихов" userId="1903d256b615c2df" providerId="Windows Live" clId="Web-{B23D6068-09D4-8636-D910-FC7F20771AA1}"/>
+    <pc:docChg chg="modSld">
+      <pc:chgData name="Мехрдод Солихов" userId="1903d256b615c2df" providerId="Windows Live" clId="Web-{B23D6068-09D4-8636-D910-FC7F20771AA1}" dt="2025-12-13T05:15:59.997" v="12"/>
+      <pc:docMkLst>
+        <pc:docMk/>
+      </pc:docMkLst>
+      <pc:sldChg chg="mod setBg">
+        <pc:chgData name="Мехрдод Солихов" userId="1903d256b615c2df" providerId="Windows Live" clId="Web-{B23D6068-09D4-8636-D910-FC7F20771AA1}" dt="2025-12-13T05:15:12.898" v="1"/>
+        <pc:sldMkLst>
+          <pc:docMk/>
+          <pc:sldMk cId="400645097" sldId="256"/>
+        </pc:sldMkLst>
+      </pc:sldChg>
+      <pc:sldChg chg="mod setBg">
+        <pc:chgData name="Мехрдод Солихов" userId="1903d256b615c2df" providerId="Windows Live" clId="Web-{B23D6068-09D4-8636-D910-FC7F20771AA1}" dt="2025-12-13T05:15:20.258" v="2"/>
+        <pc:sldMkLst>
+          <pc:docMk/>
+          <pc:sldMk cId="3890871816" sldId="258"/>
+        </pc:sldMkLst>
+      </pc:sldChg>
+      <pc:sldChg chg="mod setBg">
+        <pc:chgData name="Мехрдод Солихов" userId="1903d256b615c2df" providerId="Windows Live" clId="Web-{B23D6068-09D4-8636-D910-FC7F20771AA1}" dt="2025-12-13T05:15:25.149" v="3"/>
+        <pc:sldMkLst>
+          <pc:docMk/>
+          <pc:sldMk cId="463357489" sldId="259"/>
+        </pc:sldMkLst>
+      </pc:sldChg>
+      <pc:sldChg chg="mod setBg">
+        <pc:chgData name="Мехрдод Солихов" userId="1903d256b615c2df" providerId="Windows Live" clId="Web-{B23D6068-09D4-8636-D910-FC7F20771AA1}" dt="2025-12-13T05:15:28.994" v="4"/>
+        <pc:sldMkLst>
+          <pc:docMk/>
+          <pc:sldMk cId="2568391551" sldId="260"/>
+        </pc:sldMkLst>
+      </pc:sldChg>
+      <pc:sldChg chg="mod setBg">
+        <pc:chgData name="Мехрдод Солихов" userId="1903d256b615c2df" providerId="Windows Live" clId="Web-{B23D6068-09D4-8636-D910-FC7F20771AA1}" dt="2025-12-13T05:15:32.338" v="5"/>
+        <pc:sldMkLst>
+          <pc:docMk/>
+          <pc:sldMk cId="2408234558" sldId="261"/>
+        </pc:sldMkLst>
+      </pc:sldChg>
+      <pc:sldChg chg="mod setBg">
+        <pc:chgData name="Мехрдод Солихов" userId="1903d256b615c2df" providerId="Windows Live" clId="Web-{B23D6068-09D4-8636-D910-FC7F20771AA1}" dt="2025-12-13T05:15:36.479" v="6"/>
+        <pc:sldMkLst>
+          <pc:docMk/>
+          <pc:sldMk cId="1637526342" sldId="262"/>
+        </pc:sldMkLst>
+      </pc:sldChg>
+      <pc:sldChg chg="mod setBg">
+        <pc:chgData name="Мехрдод Солихов" userId="1903d256b615c2df" providerId="Windows Live" clId="Web-{B23D6068-09D4-8636-D910-FC7F20771AA1}" dt="2025-12-13T05:15:40.041" v="7"/>
+        <pc:sldMkLst>
+          <pc:docMk/>
+          <pc:sldMk cId="1080697727" sldId="263"/>
+        </pc:sldMkLst>
+      </pc:sldChg>
+      <pc:sldChg chg="mod setBg">
+        <pc:chgData name="Мехрдод Солихов" userId="1903d256b615c2df" providerId="Windows Live" clId="Web-{B23D6068-09D4-8636-D910-FC7F20771AA1}" dt="2025-12-13T05:15:48.074" v="9"/>
+        <pc:sldMkLst>
+          <pc:docMk/>
+          <pc:sldMk cId="138904812" sldId="264"/>
+        </pc:sldMkLst>
+      </pc:sldChg>
+      <pc:sldChg chg="mod setBg">
+        <pc:chgData name="Мехрдод Солихов" userId="1903d256b615c2df" providerId="Windows Live" clId="Web-{B23D6068-09D4-8636-D910-FC7F20771AA1}" dt="2025-12-13T05:15:51.715" v="10"/>
+        <pc:sldMkLst>
+          <pc:docMk/>
+          <pc:sldMk cId="2191354485" sldId="265"/>
+        </pc:sldMkLst>
+      </pc:sldChg>
+      <pc:sldChg chg="mod setBg">
+        <pc:chgData name="Мехрдод Солихов" userId="1903d256b615c2df" providerId="Windows Live" clId="Web-{B23D6068-09D4-8636-D910-FC7F20771AA1}" dt="2025-12-13T05:15:59.997" v="12"/>
+        <pc:sldMkLst>
+          <pc:docMk/>
+          <pc:sldMk cId="202728253" sldId="266"/>
+        </pc:sldMkLst>
+      </pc:sldChg>
+      <pc:sldChg chg="mod setBg">
+        <pc:chgData name="Мехрдод Солихов" userId="1903d256b615c2df" providerId="Windows Live" clId="Web-{B23D6068-09D4-8636-D910-FC7F20771AA1}" dt="2025-12-13T05:15:44.370" v="8"/>
+        <pc:sldMkLst>
+          <pc:docMk/>
+          <pc:sldMk cId="1311095229" sldId="267"/>
+        </pc:sldMkLst>
+      </pc:sldChg>
+      <pc:sldChg chg="mod setBg">
+        <pc:chgData name="Мехрдод Солихов" userId="1903d256b615c2df" providerId="Windows Live" clId="Web-{B23D6068-09D4-8636-D910-FC7F20771AA1}" dt="2025-12-13T05:15:55.840" v="11"/>
+        <pc:sldMkLst>
+          <pc:docMk/>
+          <pc:sldMk cId="2581050123" sldId="268"/>
+        </pc:sldMkLst>
       </pc:sldChg>
     </pc:docChg>
   </pc:docChgLst>
@@ -17477,36 +17571,9 @@
   <p:cSld>
     <p:bg>
       <p:bgPr>
-        <a:gradFill rotWithShape="1">
-          <a:gsLst>
-            <a:gs pos="0">
-              <a:schemeClr val="bg2">
-                <a:tint val="96000"/>
-                <a:shade val="100000"/>
-                <a:hueMod val="270000"/>
-                <a:satMod val="200000"/>
-                <a:lumMod val="128000"/>
-              </a:schemeClr>
-            </a:gs>
-            <a:gs pos="50000">
-              <a:schemeClr val="bg2">
-                <a:shade val="100000"/>
-                <a:hueMod val="100000"/>
-                <a:satMod val="110000"/>
-                <a:lumMod val="130000"/>
-              </a:schemeClr>
-            </a:gs>
-            <a:gs pos="100000">
-              <a:schemeClr val="bg2">
-                <a:shade val="78000"/>
-                <a:hueMod val="44000"/>
-                <a:satMod val="200000"/>
-                <a:lumMod val="69000"/>
-              </a:schemeClr>
-            </a:gs>
-          </a:gsLst>
-          <a:lin ang="2520000" scaled="0"/>
-        </a:gradFill>
+        <a:solidFill>
+          <a:schemeClr val="accent5"/>
+        </a:solidFill>
         <a:effectLst/>
       </p:bgPr>
     </p:bg>
@@ -18242,13 +18309,13 @@
   <p:clrMapOvr>
     <a:masterClrMapping/>
   </p:clrMapOvr>
-  <mc:AlternateContent xmlns:mc="http://schemas.openxmlformats.org/markup-compatibility/2006">
-    <mc:Choice xmlns:p15="http://schemas.microsoft.com/office/powerpoint/2012/main" Requires="p15">
+  <mc:AlternateContent xmlns:mc="http://schemas.openxmlformats.org/markup-compatibility/2006" xmlns:p15="http://schemas.microsoft.com/office/powerpoint/2012/main">
+    <mc:Choice Requires="p15">
       <p:transition xmlns:p14="http://schemas.microsoft.com/office/powerpoint/2010/main" spd="slow" p14:dur="1250">
         <p15:prstTrans prst="pageCurlDouble"/>
       </p:transition>
     </mc:Choice>
-    <mc:Fallback>
+    <mc:Fallback xmlns="">
       <p:transition spd="slow">
         <p:fade/>
       </p:transition>
@@ -18262,36 +18329,9 @@
   <p:cSld>
     <p:bg>
       <p:bgPr>
-        <a:gradFill rotWithShape="1">
-          <a:gsLst>
-            <a:gs pos="0">
-              <a:schemeClr val="bg2">
-                <a:tint val="96000"/>
-                <a:shade val="100000"/>
-                <a:hueMod val="270000"/>
-                <a:satMod val="200000"/>
-                <a:lumMod val="128000"/>
-              </a:schemeClr>
-            </a:gs>
-            <a:gs pos="50000">
-              <a:schemeClr val="bg2">
-                <a:shade val="100000"/>
-                <a:hueMod val="100000"/>
-                <a:satMod val="110000"/>
-                <a:lumMod val="130000"/>
-              </a:schemeClr>
-            </a:gs>
-            <a:gs pos="100000">
-              <a:schemeClr val="bg2">
-                <a:shade val="78000"/>
-                <a:hueMod val="44000"/>
-                <a:satMod val="200000"/>
-                <a:lumMod val="69000"/>
-              </a:schemeClr>
-            </a:gs>
-          </a:gsLst>
-          <a:lin ang="2520000" scaled="0"/>
-        </a:gradFill>
+        <a:solidFill>
+          <a:schemeClr val="accent5"/>
+        </a:solidFill>
         <a:effectLst/>
       </p:bgPr>
     </p:bg>
@@ -19001,36 +19041,9 @@
   <p:cSld>
     <p:bg>
       <p:bgPr>
-        <a:gradFill rotWithShape="1">
-          <a:gsLst>
-            <a:gs pos="0">
-              <a:schemeClr val="bg2">
-                <a:tint val="96000"/>
-                <a:shade val="100000"/>
-                <a:hueMod val="270000"/>
-                <a:satMod val="200000"/>
-                <a:lumMod val="128000"/>
-              </a:schemeClr>
-            </a:gs>
-            <a:gs pos="50000">
-              <a:schemeClr val="bg2">
-                <a:shade val="100000"/>
-                <a:hueMod val="100000"/>
-                <a:satMod val="110000"/>
-                <a:lumMod val="130000"/>
-              </a:schemeClr>
-            </a:gs>
-            <a:gs pos="100000">
-              <a:schemeClr val="bg2">
-                <a:shade val="78000"/>
-                <a:hueMod val="44000"/>
-                <a:satMod val="200000"/>
-                <a:lumMod val="69000"/>
-              </a:schemeClr>
-            </a:gs>
-          </a:gsLst>
-          <a:lin ang="2520000" scaled="0"/>
-        </a:gradFill>
+        <a:solidFill>
+          <a:schemeClr val="accent5"/>
+        </a:solidFill>
         <a:effectLst/>
       </p:bgPr>
     </p:bg>
@@ -19842,13 +19855,13 @@
   <p:clrMapOvr>
     <a:masterClrMapping/>
   </p:clrMapOvr>
-  <mc:AlternateContent xmlns:mc="http://schemas.openxmlformats.org/markup-compatibility/2006">
-    <mc:Choice xmlns:p14="http://schemas.microsoft.com/office/powerpoint/2010/main" Requires="p14">
+  <mc:AlternateContent xmlns:mc="http://schemas.openxmlformats.org/markup-compatibility/2006" xmlns:p14="http://schemas.microsoft.com/office/powerpoint/2010/main">
+    <mc:Choice Requires="p14">
       <p:transition spd="slow" p14:dur="1500">
         <p:split orient="vert"/>
       </p:transition>
     </mc:Choice>
-    <mc:Fallback>
+    <mc:Fallback xmlns="">
       <p:transition spd="slow">
         <p:split orient="vert"/>
       </p:transition>
@@ -19862,36 +19875,9 @@
   <p:cSld>
     <p:bg>
       <p:bgPr>
-        <a:gradFill rotWithShape="1">
-          <a:gsLst>
-            <a:gs pos="0">
-              <a:schemeClr val="bg2">
-                <a:tint val="96000"/>
-                <a:shade val="100000"/>
-                <a:hueMod val="270000"/>
-                <a:satMod val="200000"/>
-                <a:lumMod val="128000"/>
-              </a:schemeClr>
-            </a:gs>
-            <a:gs pos="50000">
-              <a:schemeClr val="bg2">
-                <a:shade val="100000"/>
-                <a:hueMod val="100000"/>
-                <a:satMod val="110000"/>
-                <a:lumMod val="130000"/>
-              </a:schemeClr>
-            </a:gs>
-            <a:gs pos="100000">
-              <a:schemeClr val="bg2">
-                <a:shade val="78000"/>
-                <a:hueMod val="44000"/>
-                <a:satMod val="200000"/>
-                <a:lumMod val="69000"/>
-              </a:schemeClr>
-            </a:gs>
-          </a:gsLst>
-          <a:lin ang="2520000" scaled="0"/>
-        </a:gradFill>
+        <a:solidFill>
+          <a:schemeClr val="accent5"/>
+        </a:solidFill>
         <a:effectLst/>
       </p:bgPr>
     </p:bg>
@@ -20658,36 +20644,9 @@
   <p:cSld>
     <p:bg>
       <p:bgPr>
-        <a:gradFill rotWithShape="1">
-          <a:gsLst>
-            <a:gs pos="0">
-              <a:schemeClr val="bg2">
-                <a:tint val="96000"/>
-                <a:shade val="100000"/>
-                <a:hueMod val="270000"/>
-                <a:satMod val="200000"/>
-                <a:lumMod val="128000"/>
-              </a:schemeClr>
-            </a:gs>
-            <a:gs pos="50000">
-              <a:schemeClr val="bg2">
-                <a:shade val="100000"/>
-                <a:hueMod val="100000"/>
-                <a:satMod val="110000"/>
-                <a:lumMod val="130000"/>
-              </a:schemeClr>
-            </a:gs>
-            <a:gs pos="100000">
-              <a:schemeClr val="bg2">
-                <a:shade val="78000"/>
-                <a:hueMod val="44000"/>
-                <a:satMod val="200000"/>
-                <a:lumMod val="69000"/>
-              </a:schemeClr>
-            </a:gs>
-          </a:gsLst>
-          <a:lin ang="2520000" scaled="0"/>
-        </a:gradFill>
+        <a:solidFill>
+          <a:schemeClr val="accent5"/>
+        </a:solidFill>
         <a:effectLst/>
       </p:bgPr>
     </p:bg>
@@ -21217,13 +21176,13 @@
   <p:clrMapOvr>
     <a:masterClrMapping/>
   </p:clrMapOvr>
-  <mc:AlternateContent xmlns:mc="http://schemas.openxmlformats.org/markup-compatibility/2006">
-    <mc:Choice xmlns:p14="http://schemas.microsoft.com/office/powerpoint/2010/main" Requires="p14">
+  <mc:AlternateContent xmlns:mc="http://schemas.openxmlformats.org/markup-compatibility/2006" xmlns:p14="http://schemas.microsoft.com/office/powerpoint/2010/main">
+    <mc:Choice Requires="p14">
       <p:transition spd="slow" p14:dur="1500">
         <p:split orient="vert"/>
       </p:transition>
     </mc:Choice>
-    <mc:Fallback>
+    <mc:Fallback xmlns="">
       <p:transition spd="slow">
         <p:split orient="vert"/>
       </p:transition>
@@ -21235,6 +21194,14 @@
 <file path=ppt/slides/slide3.xml><?xml version="1.0" encoding="utf-8"?>
 <p:sld xmlns:a="http://schemas.openxmlformats.org/drawingml/2006/main" xmlns:r="http://schemas.openxmlformats.org/officeDocument/2006/relationships" xmlns:p="http://schemas.openxmlformats.org/presentationml/2006/main">
   <p:cSld>
+    <p:bg>
+      <p:bgPr>
+        <a:solidFill>
+          <a:schemeClr val="accent5"/>
+        </a:solidFill>
+        <a:effectLst/>
+      </p:bgPr>
+    </p:bg>
     <p:spTree>
       <p:nvGrpSpPr>
         <p:cNvPr id="1" name=""/>
@@ -21366,13 +21333,13 @@
   <p:clrMapOvr>
     <a:masterClrMapping/>
   </p:clrMapOvr>
-  <mc:AlternateContent xmlns:mc="http://schemas.openxmlformats.org/markup-compatibility/2006">
-    <mc:Choice xmlns:p15="http://schemas.microsoft.com/office/powerpoint/2012/main" Requires="p15">
+  <mc:AlternateContent xmlns:mc="http://schemas.openxmlformats.org/markup-compatibility/2006" xmlns:p15="http://schemas.microsoft.com/office/powerpoint/2012/main">
+    <mc:Choice Requires="p15">
       <p:transition xmlns:p14="http://schemas.microsoft.com/office/powerpoint/2010/main" spd="slow" p14:dur="6000">
         <p15:prstTrans prst="curtains"/>
       </p:transition>
     </mc:Choice>
-    <mc:Fallback>
+    <mc:Fallback xmlns="">
       <p:transition spd="slow">
         <p:fade/>
       </p:transition>
@@ -21384,6 +21351,14 @@
 <file path=ppt/slides/slide4.xml><?xml version="1.0" encoding="utf-8"?>
 <p:sld xmlns:a="http://schemas.openxmlformats.org/drawingml/2006/main" xmlns:r="http://schemas.openxmlformats.org/officeDocument/2006/relationships" xmlns:p="http://schemas.openxmlformats.org/presentationml/2006/main">
   <p:cSld>
+    <p:bg>
+      <p:bgPr>
+        <a:solidFill>
+          <a:schemeClr val="accent5"/>
+        </a:solidFill>
+        <a:effectLst/>
+      </p:bgPr>
+    </p:bg>
     <p:spTree>
       <p:nvGrpSpPr>
         <p:cNvPr id="1" name=""/>
@@ -21683,13 +21658,13 @@
   <p:clrMapOvr>
     <a:masterClrMapping/>
   </p:clrMapOvr>
-  <mc:AlternateContent xmlns:mc="http://schemas.openxmlformats.org/markup-compatibility/2006">
-    <mc:Choice xmlns:p15="http://schemas.microsoft.com/office/powerpoint/2012/main" Requires="p15">
+  <mc:AlternateContent xmlns:mc="http://schemas.openxmlformats.org/markup-compatibility/2006" xmlns:p15="http://schemas.microsoft.com/office/powerpoint/2012/main">
+    <mc:Choice Requires="p15">
       <p:transition xmlns:p14="http://schemas.microsoft.com/office/powerpoint/2010/main" spd="slow" p14:dur="2000">
         <p15:prstTrans prst="fracture"/>
       </p:transition>
     </mc:Choice>
-    <mc:Fallback>
+    <mc:Fallback xmlns="">
       <p:transition spd="slow">
         <p:fade/>
       </p:transition>
@@ -21701,6 +21676,14 @@
 <file path=ppt/slides/slide5.xml><?xml version="1.0" encoding="utf-8"?>
 <p:sld xmlns:a="http://schemas.openxmlformats.org/drawingml/2006/main" xmlns:r="http://schemas.openxmlformats.org/officeDocument/2006/relationships" xmlns:p="http://schemas.openxmlformats.org/presentationml/2006/main">
   <p:cSld>
+    <p:bg>
+      <p:bgPr>
+        <a:solidFill>
+          <a:schemeClr val="accent5"/>
+        </a:solidFill>
+        <a:effectLst/>
+      </p:bgPr>
+    </p:bg>
     <p:spTree>
       <p:nvGrpSpPr>
         <p:cNvPr id="1" name=""/>
@@ -22095,36 +22078,9 @@
   <p:cSld>
     <p:bg>
       <p:bgPr>
-        <a:gradFill rotWithShape="1">
-          <a:gsLst>
-            <a:gs pos="0">
-              <a:schemeClr val="bg2">
-                <a:tint val="96000"/>
-                <a:shade val="100000"/>
-                <a:hueMod val="270000"/>
-                <a:satMod val="200000"/>
-                <a:lumMod val="128000"/>
-              </a:schemeClr>
-            </a:gs>
-            <a:gs pos="50000">
-              <a:schemeClr val="bg2">
-                <a:shade val="100000"/>
-                <a:hueMod val="100000"/>
-                <a:satMod val="110000"/>
-                <a:lumMod val="130000"/>
-              </a:schemeClr>
-            </a:gs>
-            <a:gs pos="100000">
-              <a:schemeClr val="bg2">
-                <a:shade val="78000"/>
-                <a:hueMod val="44000"/>
-                <a:satMod val="200000"/>
-                <a:lumMod val="69000"/>
-              </a:schemeClr>
-            </a:gs>
-          </a:gsLst>
-          <a:lin ang="2520000" scaled="0"/>
-        </a:gradFill>
+        <a:solidFill>
+          <a:schemeClr val="accent5"/>
+        </a:solidFill>
         <a:effectLst/>
       </p:bgPr>
     </p:bg>
@@ -22855,13 +22811,13 @@
   <p:clrMapOvr>
     <a:masterClrMapping/>
   </p:clrMapOvr>
-  <mc:AlternateContent xmlns:mc="http://schemas.openxmlformats.org/markup-compatibility/2006">
-    <mc:Choice xmlns:p14="http://schemas.microsoft.com/office/powerpoint/2010/main" Requires="p14">
+  <mc:AlternateContent xmlns:mc="http://schemas.openxmlformats.org/markup-compatibility/2006" xmlns:p14="http://schemas.microsoft.com/office/powerpoint/2010/main">
+    <mc:Choice Requires="p14">
       <p:transition spd="slow" p14:dur="3400">
         <p14:reveal/>
       </p:transition>
     </mc:Choice>
-    <mc:Fallback>
+    <mc:Fallback xmlns="">
       <p:transition spd="slow">
         <p:fade/>
       </p:transition>
@@ -22875,36 +22831,9 @@
   <p:cSld>
     <p:bg>
       <p:bgPr>
-        <a:gradFill rotWithShape="1">
-          <a:gsLst>
-            <a:gs pos="0">
-              <a:schemeClr val="bg2">
-                <a:tint val="96000"/>
-                <a:shade val="100000"/>
-                <a:hueMod val="270000"/>
-                <a:satMod val="200000"/>
-                <a:lumMod val="128000"/>
-              </a:schemeClr>
-            </a:gs>
-            <a:gs pos="50000">
-              <a:schemeClr val="bg2">
-                <a:shade val="100000"/>
-                <a:hueMod val="100000"/>
-                <a:satMod val="110000"/>
-                <a:lumMod val="130000"/>
-              </a:schemeClr>
-            </a:gs>
-            <a:gs pos="100000">
-              <a:schemeClr val="bg2">
-                <a:shade val="78000"/>
-                <a:hueMod val="44000"/>
-                <a:satMod val="200000"/>
-                <a:lumMod val="69000"/>
-              </a:schemeClr>
-            </a:gs>
-          </a:gsLst>
-          <a:lin ang="2520000" scaled="0"/>
-        </a:gradFill>
+        <a:solidFill>
+          <a:schemeClr val="accent5"/>
+        </a:solidFill>
         <a:effectLst/>
       </p:bgPr>
     </p:bg>
@@ -23874,13 +23803,13 @@
   <p:clrMapOvr>
     <a:masterClrMapping/>
   </p:clrMapOvr>
-  <mc:AlternateContent xmlns:mc="http://schemas.openxmlformats.org/markup-compatibility/2006">
-    <mc:Choice xmlns:p14="http://schemas.microsoft.com/office/powerpoint/2010/main" Requires="p14">
+  <mc:AlternateContent xmlns:mc="http://schemas.openxmlformats.org/markup-compatibility/2006" xmlns:p14="http://schemas.microsoft.com/office/powerpoint/2010/main">
+    <mc:Choice Requires="p14">
       <p:transition spd="slow" p14:dur="1600">
         <p:blinds dir="vert"/>
       </p:transition>
     </mc:Choice>
-    <mc:Fallback>
+    <mc:Fallback xmlns="">
       <p:transition spd="slow">
         <p:blinds dir="vert"/>
       </p:transition>
@@ -23892,6 +23821,14 @@
 <file path=ppt/slides/slide8.xml><?xml version="1.0" encoding="utf-8"?>
 <p:sld xmlns:a="http://schemas.openxmlformats.org/drawingml/2006/main" xmlns:r="http://schemas.openxmlformats.org/officeDocument/2006/relationships" xmlns:p="http://schemas.openxmlformats.org/presentationml/2006/main">
   <p:cSld>
+    <p:bg>
+      <p:bgPr>
+        <a:solidFill>
+          <a:schemeClr val="accent5"/>
+        </a:solidFill>
+        <a:effectLst/>
+      </p:bgPr>
+    </p:bg>
     <p:spTree>
       <p:nvGrpSpPr>
         <p:cNvPr id="1" name=""/>
@@ -24192,6 +24129,14 @@
 <file path=ppt/slides/slide9.xml><?xml version="1.0" encoding="utf-8"?>
 <p:sld xmlns:a="http://schemas.openxmlformats.org/drawingml/2006/main" xmlns:r="http://schemas.openxmlformats.org/officeDocument/2006/relationships" xmlns:p="http://schemas.openxmlformats.org/presentationml/2006/main">
   <p:cSld>
+    <p:bg>
+      <p:bgPr>
+        <a:solidFill>
+          <a:schemeClr val="accent5"/>
+        </a:solidFill>
+        <a:effectLst/>
+      </p:bgPr>
+    </p:bg>
     <p:spTree>
       <p:nvGrpSpPr>
         <p:cNvPr id="1" name=""/>

--- a/Презентация_Up_7.pptx
+++ b/Презентация_Up_7.pptx
@@ -128,6 +128,7 @@
 <file path=ppt/revisionInfo.xml><?xml version="1.0" encoding="utf-8"?>
 <p1510:revInfo xmlns:a="http://schemas.openxmlformats.org/drawingml/2006/main" xmlns:r="http://schemas.openxmlformats.org/officeDocument/2006/relationships" xmlns:p1510="http://schemas.microsoft.com/office/powerpoint/2015/10/main">
   <p1510:revLst>
+    <p1510:client id="{164A8DF4-51EC-4839-8E55-05009C0557C8}" v="62" dt="2025-12-13T05:27:11.342"/>
     <p1510:client id="{3EB4BDEE-072A-4012-BD87-093A0C2322F8}" v="93" dt="2025-12-13T03:45:34.092"/>
     <p1510:client id="{B23D6068-09D4-8636-D910-FC7F20771AA1}" v="13" dt="2025-12-13T05:15:59.997"/>
     <p1510:client id="{E945C758-043C-44AD-879A-BF7BE0994F50}" v="887" dt="2025-12-12T19:37:13.984"/>
@@ -2420,6 +2421,38 @@
           <pc:docMk/>
           <pc:sldMk cId="2581050123" sldId="268"/>
         </pc:sldMkLst>
+      </pc:sldChg>
+    </pc:docChg>
+  </pc:docChgLst>
+  <pc:docChgLst>
+    <pc:chgData name="Мехрдод Солихов" userId="1903d256b615c2df" providerId="Windows Live" clId="Web-{164A8DF4-51EC-4839-8E55-05009C0557C8}"/>
+    <pc:docChg chg="modSld">
+      <pc:chgData name="Мехрдод Солихов" userId="1903d256b615c2df" providerId="Windows Live" clId="Web-{164A8DF4-51EC-4839-8E55-05009C0557C8}" dt="2025-12-13T05:27:07.639" v="60" actId="20577"/>
+      <pc:docMkLst>
+        <pc:docMk/>
+      </pc:docMkLst>
+      <pc:sldChg chg="modSp">
+        <pc:chgData name="Мехрдод Солихов" userId="1903d256b615c2df" providerId="Windows Live" clId="Web-{164A8DF4-51EC-4839-8E55-05009C0557C8}" dt="2025-12-13T05:27:07.639" v="60" actId="20577"/>
+        <pc:sldMkLst>
+          <pc:docMk/>
+          <pc:sldMk cId="463357489" sldId="259"/>
+        </pc:sldMkLst>
+        <pc:spChg chg="mod">
+          <ac:chgData name="Мехрдод Солихов" userId="1903d256b615c2df" providerId="Windows Live" clId="Web-{164A8DF4-51EC-4839-8E55-05009C0557C8}" dt="2025-12-13T05:27:07.639" v="60" actId="20577"/>
+          <ac:spMkLst>
+            <pc:docMk/>
+            <pc:sldMk cId="463357489" sldId="259"/>
+            <ac:spMk id="4" creationId="{00000000-0000-0000-0000-000000000000}"/>
+          </ac:spMkLst>
+        </pc:spChg>
+        <pc:spChg chg="mod">
+          <ac:chgData name="Мехрдод Солихов" userId="1903d256b615c2df" providerId="Windows Live" clId="Web-{164A8DF4-51EC-4839-8E55-05009C0557C8}" dt="2025-12-13T05:22:58.275" v="3" actId="20577"/>
+          <ac:spMkLst>
+            <pc:docMk/>
+            <pc:sldMk cId="463357489" sldId="259"/>
+            <ac:spMk id="5" creationId="{00000000-0000-0000-0000-000000000000}"/>
+          </ac:spMkLst>
+        </pc:spChg>
       </pc:sldChg>
     </pc:docChg>
   </pc:docChgLst>
@@ -21446,7 +21479,7 @@
           <a:p>
             <a:r>
               <a:rPr lang="ru-RU" sz="1800" dirty="0"/>
-              <a:t>Интерфейс приложения разработан визуальной привлекательности. Не перегружен</a:t>
+              <a:t>Интерфейс приложения разработан просто и красиво.</a:t>
             </a:r>
           </a:p>
         </p:txBody>
